--- a/instructors/13-Repositories_v3.1.pptx
+++ b/instructors/13-Repositories_v3.1.pptx
@@ -688,7 +688,64 @@
             </a:r>
             <a:r>
               <a:rPr lang="en-GB" dirty="0"/>
-              <a:t> organization that provides long-term access to its contents at no cost to users. The base DPC per data submission is $120 USD. Access is free.</a:t>
+              <a:t> organization that provides long-term access to its contents at no cost to users. The base DPC per data submission is $</a:t>
+            </a:r>
+            <a:r>
+              <a:rPr lang="en-GB" dirty="0" smtClean="0"/>
+              <a:t>150 </a:t>
+            </a:r>
+            <a:r>
+              <a:rPr lang="en-GB" dirty="0"/>
+              <a:t>USD</a:t>
+            </a:r>
+            <a:r>
+              <a:rPr lang="en-GB" dirty="0" smtClean="0"/>
+              <a:t>. </a:t>
+            </a:r>
+            <a:r>
+              <a:rPr lang="en-GB" sz="1200" b="0" i="0" kern="1200" dirty="0" smtClean="0">
+                <a:solidFill>
+                  <a:schemeClr val="tx1"/>
+                </a:solidFill>
+                <a:effectLst/>
+                <a:latin typeface="+mn-lt"/>
+                <a:ea typeface="+mn-ea"/>
+                <a:cs typeface="+mn-cs"/>
+              </a:rPr>
+              <a:t>Fee waivers are automatically granted for submissions originating from researchers based in countries classified by the </a:t>
+            </a:r>
+            <a:r>
+              <a:rPr lang="en-GB" sz="1200" b="0" i="0" kern="1200" dirty="0" smtClean="0">
+                <a:solidFill>
+                  <a:schemeClr val="tx1"/>
+                </a:solidFill>
+                <a:effectLst/>
+                <a:latin typeface="+mn-lt"/>
+                <a:ea typeface="+mn-ea"/>
+                <a:cs typeface="+mn-cs"/>
+                <a:hlinkClick r:id="rId3"/>
+              </a:rPr>
+              <a:t>World Bank</a:t>
+            </a:r>
+            <a:r>
+              <a:rPr lang="en-GB" sz="1200" b="0" i="0" kern="1200" dirty="0" smtClean="0">
+                <a:solidFill>
+                  <a:schemeClr val="tx1"/>
+                </a:solidFill>
+                <a:effectLst/>
+                <a:latin typeface="+mn-lt"/>
+                <a:ea typeface="+mn-ea"/>
+                <a:cs typeface="+mn-cs"/>
+              </a:rPr>
+              <a:t> as low-income or lower-middle-income economies. </a:t>
+            </a:r>
+            <a:r>
+              <a:rPr lang="en-GB" dirty="0" smtClean="0"/>
+              <a:t> </a:t>
+            </a:r>
+            <a:r>
+              <a:rPr lang="en-GB" dirty="0"/>
+              <a:t>Access is free.</a:t>
             </a:r>
           </a:p>
           <a:p>
@@ -9061,7 +9118,7 @@
                 <a14:useLocalDpi xmlns:a14="http://schemas.microsoft.com/office/drawing/2010/main" val="0"/>
               </a:ext>
               <a:ext uri="{96DAC541-7B7A-43D3-8B79-37D633B846F1}">
-                <asvg:svgBlip xmlns:asvg="http://schemas.microsoft.com/office/drawing/2016/SVG/main" xmlns="" r:embed="rId3"/>
+                <asvg:svgBlip xmlns="" xmlns:asvg="http://schemas.microsoft.com/office/drawing/2016/SVG/main" r:embed="rId3"/>
               </a:ext>
             </a:extLst>
           </a:blip>
@@ -9100,7 +9157,7 @@
                 <a14:useLocalDpi xmlns:a14="http://schemas.microsoft.com/office/drawing/2010/main" val="0"/>
               </a:ext>
               <a:ext uri="{96DAC541-7B7A-43D3-8B79-37D633B846F1}">
-                <asvg:svgBlip xmlns:asvg="http://schemas.microsoft.com/office/drawing/2016/SVG/main" xmlns="" r:embed="rId5"/>
+                <asvg:svgBlip xmlns="" xmlns:asvg="http://schemas.microsoft.com/office/drawing/2016/SVG/main" r:embed="rId5"/>
               </a:ext>
             </a:extLst>
           </a:blip>
@@ -9139,7 +9196,7 @@
                 <a14:useLocalDpi xmlns:a14="http://schemas.microsoft.com/office/drawing/2010/main" val="0"/>
               </a:ext>
               <a:ext uri="{96DAC541-7B7A-43D3-8B79-37D633B846F1}">
-                <asvg:svgBlip xmlns:asvg="http://schemas.microsoft.com/office/drawing/2016/SVG/main" xmlns="" r:embed="rId7"/>
+                <asvg:svgBlip xmlns="" xmlns:asvg="http://schemas.microsoft.com/office/drawing/2016/SVG/main" r:embed="rId7"/>
               </a:ext>
             </a:extLst>
           </a:blip>

--- a/instructors/13-Repositories_v3.1.pptx
+++ b/instructors/13-Repositories_v3.1.pptx
@@ -223,7 +223,7 @@
           <a:p>
             <a:fld id="{585C48AE-4A1E-9A43-835F-510354165F99}" type="datetimeFigureOut">
               <a:rPr lang="en-GB" smtClean="0"/>
-              <a:t>24/03/2023</a:t>
+              <a:t>30/03/2023</a:t>
             </a:fld>
             <a:endParaRPr lang="en-GB"/>
           </a:p>
@@ -1080,7 +1080,7 @@
           <a:p>
             <a:fld id="{5913FB77-D8DB-4AB9-8EA5-EE8C3B57A5E1}" type="datetimeFigureOut">
               <a:rPr lang="en-GB" smtClean="0"/>
-              <a:t>24/03/2023</a:t>
+              <a:t>30/03/2023</a:t>
             </a:fld>
             <a:endParaRPr lang="en-GB"/>
           </a:p>
@@ -1327,7 +1327,7 @@
           <a:p>
             <a:fld id="{5913FB77-D8DB-4AB9-8EA5-EE8C3B57A5E1}" type="datetimeFigureOut">
               <a:rPr lang="en-GB" smtClean="0"/>
-              <a:t>24/03/2023</a:t>
+              <a:t>30/03/2023</a:t>
             </a:fld>
             <a:endParaRPr lang="en-GB"/>
           </a:p>
@@ -1537,7 +1537,7 @@
           <a:p>
             <a:fld id="{5913FB77-D8DB-4AB9-8EA5-EE8C3B57A5E1}" type="datetimeFigureOut">
               <a:rPr lang="en-GB" smtClean="0"/>
-              <a:t>24/03/2023</a:t>
+              <a:t>30/03/2023</a:t>
             </a:fld>
             <a:endParaRPr lang="en-GB"/>
           </a:p>
@@ -1737,7 +1737,7 @@
           <a:p>
             <a:fld id="{5913FB77-D8DB-4AB9-8EA5-EE8C3B57A5E1}" type="datetimeFigureOut">
               <a:rPr lang="en-GB" smtClean="0"/>
-              <a:t>24/03/2023</a:t>
+              <a:t>30/03/2023</a:t>
             </a:fld>
             <a:endParaRPr lang="en-GB"/>
           </a:p>
@@ -2013,7 +2013,7 @@
           <a:p>
             <a:fld id="{5913FB77-D8DB-4AB9-8EA5-EE8C3B57A5E1}" type="datetimeFigureOut">
               <a:rPr lang="en-GB" smtClean="0"/>
-              <a:t>24/03/2023</a:t>
+              <a:t>30/03/2023</a:t>
             </a:fld>
             <a:endParaRPr lang="en-GB"/>
           </a:p>
@@ -2281,7 +2281,7 @@
           <a:p>
             <a:fld id="{5913FB77-D8DB-4AB9-8EA5-EE8C3B57A5E1}" type="datetimeFigureOut">
               <a:rPr lang="en-GB" smtClean="0"/>
-              <a:t>24/03/2023</a:t>
+              <a:t>30/03/2023</a:t>
             </a:fld>
             <a:endParaRPr lang="en-GB"/>
           </a:p>
@@ -2696,7 +2696,7 @@
           <a:p>
             <a:fld id="{5913FB77-D8DB-4AB9-8EA5-EE8C3B57A5E1}" type="datetimeFigureOut">
               <a:rPr lang="en-GB" smtClean="0"/>
-              <a:t>24/03/2023</a:t>
+              <a:t>30/03/2023</a:t>
             </a:fld>
             <a:endParaRPr lang="en-GB"/>
           </a:p>
@@ -2838,7 +2838,7 @@
           <a:p>
             <a:fld id="{5913FB77-D8DB-4AB9-8EA5-EE8C3B57A5E1}" type="datetimeFigureOut">
               <a:rPr lang="en-GB" smtClean="0"/>
-              <a:t>24/03/2023</a:t>
+              <a:t>30/03/2023</a:t>
             </a:fld>
             <a:endParaRPr lang="en-GB"/>
           </a:p>
@@ -2951,7 +2951,7 @@
           <a:p>
             <a:fld id="{5913FB77-D8DB-4AB9-8EA5-EE8C3B57A5E1}" type="datetimeFigureOut">
               <a:rPr lang="en-GB" smtClean="0"/>
-              <a:t>24/03/2023</a:t>
+              <a:t>30/03/2023</a:t>
             </a:fld>
             <a:endParaRPr lang="en-GB"/>
           </a:p>
@@ -3264,7 +3264,7 @@
           <a:p>
             <a:fld id="{5913FB77-D8DB-4AB9-8EA5-EE8C3B57A5E1}" type="datetimeFigureOut">
               <a:rPr lang="en-GB" smtClean="0"/>
-              <a:t>24/03/2023</a:t>
+              <a:t>30/03/2023</a:t>
             </a:fld>
             <a:endParaRPr lang="en-GB"/>
           </a:p>
@@ -3553,7 +3553,7 @@
           <a:p>
             <a:fld id="{5913FB77-D8DB-4AB9-8EA5-EE8C3B57A5E1}" type="datetimeFigureOut">
               <a:rPr lang="en-GB" smtClean="0"/>
-              <a:t>24/03/2023</a:t>
+              <a:t>30/03/2023</a:t>
             </a:fld>
             <a:endParaRPr lang="en-GB"/>
           </a:p>
@@ -3795,7 +3795,7 @@
             <a:fld id="{5913FB77-D8DB-4AB9-8EA5-EE8C3B57A5E1}" type="datetimeFigureOut">
               <a:rPr lang="en-GB" smtClean="0"/>
               <a:pPr/>
-              <a:t>24/03/2023</a:t>
+              <a:t>30/03/2023</a:t>
             </a:fld>
             <a:endParaRPr lang="en-GB"/>
           </a:p>
@@ -4399,6 +4399,13 @@
   <p:clrMapOvr>
     <a:masterClrMapping/>
   </p:clrMapOvr>
+  <p:timing>
+    <p:tnLst>
+      <p:par>
+        <p:cTn id="1" dur="indefinite" restart="never" nodeType="tmRoot"/>
+      </p:par>
+    </p:tnLst>
+  </p:timing>
 </p:sld>
 </file>
 
@@ -6423,7 +6430,7 @@
         <p:spPr>
           <a:xfrm>
             <a:off x="742384" y="2064189"/>
-            <a:ext cx="10981854" cy="3416320"/>
+            <a:ext cx="10981854" cy="3785652"/>
           </a:xfrm>
           <a:prstGeom prst="rect">
             <a:avLst/>
@@ -6436,12 +6443,20 @@
           <a:lstStyle/>
           <a:p>
             <a:r>
-              <a:rPr lang="pl-PL" sz="2400" dirty="0" err="1">
-                <a:solidFill>
-                  <a:srgbClr val="0070C0"/>
-                </a:solidFill>
-              </a:rPr>
-              <a:t>FAIRSharing.org</a:t>
+              <a:rPr lang="en-GB" sz="2400" dirty="0" smtClean="0">
+                <a:solidFill>
+                  <a:srgbClr val="0070C0"/>
+                </a:solidFill>
+              </a:rPr>
+              <a:t>-</a:t>
+            </a:r>
+            <a:r>
+              <a:rPr lang="pl-PL" sz="2400" dirty="0" smtClean="0">
+                <a:solidFill>
+                  <a:srgbClr val="0070C0"/>
+                </a:solidFill>
+              </a:rPr>
+              <a:t>FAIRSharing.org </a:t>
             </a:r>
             <a:r>
               <a:rPr lang="pl-PL" sz="2400" dirty="0">
@@ -6449,7 +6464,7 @@
                   <a:srgbClr val="0070C0"/>
                 </a:solidFill>
               </a:rPr>
-              <a:t> – search engine</a:t>
+              <a:t>– search engine</a:t>
             </a:r>
           </a:p>
           <a:p>
@@ -6460,25 +6475,23 @@
             </a:endParaRPr>
           </a:p>
           <a:p>
+            <a:pPr marL="342900" indent="-342900">
+              <a:buFont typeface="Arial" panose="020B0604020202020204" pitchFamily="34" charset="0"/>
+              <a:buChar char="•"/>
+            </a:pPr>
+            <a:r>
+              <a:rPr lang="pl-PL" sz="2400" dirty="0" smtClean="0">
+                <a:solidFill>
+                  <a:srgbClr val="0070C0"/>
+                </a:solidFill>
+              </a:rPr>
+              <a:t>Repositories</a:t>
+            </a:r>
             <a:endParaRPr lang="pl-PL" sz="2400" dirty="0">
               <a:solidFill>
                 <a:srgbClr val="0070C0"/>
               </a:solidFill>
             </a:endParaRPr>
-          </a:p>
-          <a:p>
-            <a:pPr marL="342900" indent="-342900">
-              <a:buFont typeface="Arial" panose="020B0604020202020204" pitchFamily="34" charset="0"/>
-              <a:buChar char="•"/>
-            </a:pPr>
-            <a:r>
-              <a:rPr lang="pl-PL" sz="2400" dirty="0">
-                <a:solidFill>
-                  <a:srgbClr val="0070C0"/>
-                </a:solidFill>
-              </a:rPr>
-              <a:t>Repositories</a:t>
-            </a:r>
           </a:p>
           <a:p>
             <a:pPr marL="342900" indent="-342900">
@@ -6520,26 +6533,73 @@
             </a:endParaRPr>
           </a:p>
           <a:p>
-            <a:pPr marL="285750" indent="-285750">
-              <a:buFontTx/>
-              <a:buChar char="-"/>
-            </a:pPr>
-            <a:endParaRPr lang="pl-PL" sz="2400" dirty="0">
+            <a:r>
+              <a:rPr lang="pl-PL" sz="2400" dirty="0" smtClean="0">
+                <a:solidFill>
+                  <a:srgbClr val="0070C0"/>
+                </a:solidFill>
+              </a:rPr>
+              <a:t>(</a:t>
+            </a:r>
+            <a:r>
+              <a:rPr lang="pl-PL" sz="2400" dirty="0">
+                <a:solidFill>
+                  <a:srgbClr val="0070C0"/>
+                </a:solidFill>
+              </a:rPr>
+              <a:t>too) many options for each </a:t>
+            </a:r>
+            <a:r>
+              <a:rPr lang="pl-PL" sz="2400" dirty="0" smtClean="0">
+                <a:solidFill>
+                  <a:srgbClr val="0070C0"/>
+                </a:solidFill>
+              </a:rPr>
+              <a:t>type</a:t>
+            </a:r>
+            <a:endParaRPr lang="en-GB" sz="2400" dirty="0" smtClean="0">
               <a:solidFill>
                 <a:srgbClr val="0070C0"/>
               </a:solidFill>
             </a:endParaRPr>
           </a:p>
           <a:p>
-            <a:r>
-              <a:rPr lang="pl-PL" sz="2400" dirty="0">
-                <a:solidFill>
-                  <a:srgbClr val="0070C0"/>
-                </a:solidFill>
-              </a:rPr>
-              <a:t>(too) many options for each type</a:t>
-            </a:r>
-            <a:endParaRPr lang="en-GB" sz="2400" dirty="0" err="1">
+            <a:endParaRPr lang="en-GB" sz="2400" dirty="0">
+              <a:solidFill>
+                <a:srgbClr val="0070C0"/>
+              </a:solidFill>
+            </a:endParaRPr>
+          </a:p>
+          <a:p>
+            <a:r>
+              <a:rPr lang="en-GB" sz="2400" dirty="0" smtClean="0">
+                <a:solidFill>
+                  <a:srgbClr val="0070C0"/>
+                </a:solidFill>
+              </a:rPr>
+              <a:t>-Inventory of identified trusted repositories (ERCEA)</a:t>
+            </a:r>
+          </a:p>
+          <a:p>
+            <a:r>
+              <a:rPr lang="en-GB" sz="2400" dirty="0" smtClean="0">
+                <a:solidFill>
+                  <a:srgbClr val="0070C0"/>
+                </a:solidFill>
+                <a:hlinkClick r:id="rId2"/>
+              </a:rPr>
+              <a:t>https</a:t>
+            </a:r>
+            <a:r>
+              <a:rPr lang="en-GB" sz="2400" dirty="0">
+                <a:solidFill>
+                  <a:srgbClr val="0070C0"/>
+                </a:solidFill>
+                <a:hlinkClick r:id="rId2"/>
+              </a:rPr>
+              <a:t>://zenodo.org/record/7728016#.ZCWRkXbMKUm</a:t>
+            </a:r>
+            <a:endParaRPr lang="en-GB" sz="2400" dirty="0">
               <a:solidFill>
                 <a:srgbClr val="0070C0"/>
               </a:solidFill>
@@ -6692,6 +6752,13 @@
   <p:clrMapOvr>
     <a:masterClrMapping/>
   </p:clrMapOvr>
+  <p:timing>
+    <p:tnLst>
+      <p:par>
+        <p:cTn id="1" dur="indefinite" restart="never" nodeType="tmRoot"/>
+      </p:par>
+    </p:tnLst>
+  </p:timing>
 </p:sld>
 </file>
 
@@ -8574,7 +8641,7 @@
         </p:nvSpPr>
         <p:spPr>
           <a:xfrm>
-            <a:off x="7523922" y="4444831"/>
+            <a:off x="7352472" y="4571050"/>
             <a:ext cx="6094324" cy="369332"/>
           </a:xfrm>
           <a:prstGeom prst="rect">
@@ -9118,7 +9185,7 @@
                 <a14:useLocalDpi xmlns:a14="http://schemas.microsoft.com/office/drawing/2010/main" val="0"/>
               </a:ext>
               <a:ext uri="{96DAC541-7B7A-43D3-8B79-37D633B846F1}">
-                <asvg:svgBlip xmlns="" xmlns:asvg="http://schemas.microsoft.com/office/drawing/2016/SVG/main" r:embed="rId3"/>
+                <asvg:svgBlip xmlns:asvg="http://schemas.microsoft.com/office/drawing/2016/SVG/main" xmlns="" r:embed="rId3"/>
               </a:ext>
             </a:extLst>
           </a:blip>
@@ -9157,7 +9224,7 @@
                 <a14:useLocalDpi xmlns:a14="http://schemas.microsoft.com/office/drawing/2010/main" val="0"/>
               </a:ext>
               <a:ext uri="{96DAC541-7B7A-43D3-8B79-37D633B846F1}">
-                <asvg:svgBlip xmlns="" xmlns:asvg="http://schemas.microsoft.com/office/drawing/2016/SVG/main" r:embed="rId5"/>
+                <asvg:svgBlip xmlns:asvg="http://schemas.microsoft.com/office/drawing/2016/SVG/main" xmlns="" r:embed="rId5"/>
               </a:ext>
             </a:extLst>
           </a:blip>
@@ -9196,7 +9263,7 @@
                 <a14:useLocalDpi xmlns:a14="http://schemas.microsoft.com/office/drawing/2010/main" val="0"/>
               </a:ext>
               <a:ext uri="{96DAC541-7B7A-43D3-8B79-37D633B846F1}">
-                <asvg:svgBlip xmlns="" xmlns:asvg="http://schemas.microsoft.com/office/drawing/2016/SVG/main" r:embed="rId7"/>
+                <asvg:svgBlip xmlns:asvg="http://schemas.microsoft.com/office/drawing/2016/SVG/main" xmlns="" r:embed="rId7"/>
               </a:ext>
             </a:extLst>
           </a:blip>
@@ -9224,6 +9291,13 @@
   <p:clrMapOvr>
     <a:masterClrMapping/>
   </p:clrMapOvr>
+  <p:timing>
+    <p:tnLst>
+      <p:par>
+        <p:cTn id="1" dur="indefinite" restart="never" nodeType="tmRoot"/>
+      </p:par>
+    </p:tnLst>
+  </p:timing>
 </p:sld>
 </file>
 
@@ -9326,6 +9400,13 @@
   <p:clrMapOvr>
     <a:masterClrMapping/>
   </p:clrMapOvr>
+  <p:timing>
+    <p:tnLst>
+      <p:par>
+        <p:cTn id="1" dur="indefinite" restart="never" nodeType="tmRoot"/>
+      </p:par>
+    </p:tnLst>
+  </p:timing>
 </p:sld>
 </file>
 
@@ -9402,7 +9483,7 @@
         <p:spPr>
           <a:xfrm>
             <a:off x="624689" y="1774196"/>
-            <a:ext cx="10601608" cy="2943563"/>
+            <a:ext cx="10601608" cy="3046988"/>
           </a:xfrm>
           <a:prstGeom prst="rect">
             <a:avLst/>
@@ -9845,6 +9926,13 @@
   <p:clrMapOvr>
     <a:masterClrMapping/>
   </p:clrMapOvr>
+  <p:timing>
+    <p:tnLst>
+      <p:par>
+        <p:cTn id="1" dur="indefinite" restart="never" nodeType="tmRoot"/>
+      </p:par>
+    </p:tnLst>
+  </p:timing>
 </p:sld>
 </file>
 
@@ -10377,6 +10465,13 @@
   <p:clrMapOvr>
     <a:masterClrMapping/>
   </p:clrMapOvr>
+  <p:timing>
+    <p:tnLst>
+      <p:par>
+        <p:cTn id="1" dur="indefinite" restart="never" nodeType="tmRoot"/>
+      </p:par>
+    </p:tnLst>
+  </p:timing>
 </p:sld>
 </file>
 

--- a/instructors/13-Repositories_v3.1.pptx
+++ b/instructors/13-Repositories_v3.1.pptx
@@ -5,36 +5,35 @@
     <p:sldMasterId id="2147483648" r:id="rId1"/>
   </p:sldMasterIdLst>
   <p:notesMasterIdLst>
-    <p:notesMasterId r:id="rId29"/>
+    <p:notesMasterId r:id="rId28"/>
   </p:notesMasterIdLst>
   <p:sldIdLst>
     <p:sldId id="280" r:id="rId2"/>
-    <p:sldId id="293" r:id="rId3"/>
-    <p:sldId id="259" r:id="rId4"/>
-    <p:sldId id="309" r:id="rId5"/>
-    <p:sldId id="292" r:id="rId6"/>
-    <p:sldId id="310" r:id="rId7"/>
-    <p:sldId id="295" r:id="rId8"/>
-    <p:sldId id="311" r:id="rId9"/>
-    <p:sldId id="312" r:id="rId10"/>
-    <p:sldId id="313" r:id="rId11"/>
-    <p:sldId id="314" r:id="rId12"/>
-    <p:sldId id="298" r:id="rId13"/>
-    <p:sldId id="315" r:id="rId14"/>
-    <p:sldId id="299" r:id="rId15"/>
-    <p:sldId id="301" r:id="rId16"/>
-    <p:sldId id="300" r:id="rId17"/>
-    <p:sldId id="316" r:id="rId18"/>
-    <p:sldId id="302" r:id="rId19"/>
-    <p:sldId id="303" r:id="rId20"/>
-    <p:sldId id="308" r:id="rId21"/>
-    <p:sldId id="317" r:id="rId22"/>
-    <p:sldId id="304" r:id="rId23"/>
-    <p:sldId id="307" r:id="rId24"/>
-    <p:sldId id="318" r:id="rId25"/>
-    <p:sldId id="319" r:id="rId26"/>
-    <p:sldId id="306" r:id="rId27"/>
-    <p:sldId id="296" r:id="rId28"/>
+    <p:sldId id="259" r:id="rId3"/>
+    <p:sldId id="293" r:id="rId4"/>
+    <p:sldId id="292" r:id="rId5"/>
+    <p:sldId id="310" r:id="rId6"/>
+    <p:sldId id="295" r:id="rId7"/>
+    <p:sldId id="311" r:id="rId8"/>
+    <p:sldId id="312" r:id="rId9"/>
+    <p:sldId id="313" r:id="rId10"/>
+    <p:sldId id="314" r:id="rId11"/>
+    <p:sldId id="298" r:id="rId12"/>
+    <p:sldId id="315" r:id="rId13"/>
+    <p:sldId id="299" r:id="rId14"/>
+    <p:sldId id="301" r:id="rId15"/>
+    <p:sldId id="300" r:id="rId16"/>
+    <p:sldId id="316" r:id="rId17"/>
+    <p:sldId id="302" r:id="rId18"/>
+    <p:sldId id="303" r:id="rId19"/>
+    <p:sldId id="308" r:id="rId20"/>
+    <p:sldId id="317" r:id="rId21"/>
+    <p:sldId id="304" r:id="rId22"/>
+    <p:sldId id="307" r:id="rId23"/>
+    <p:sldId id="318" r:id="rId24"/>
+    <p:sldId id="319" r:id="rId25"/>
+    <p:sldId id="306" r:id="rId26"/>
+    <p:sldId id="296" r:id="rId27"/>
   </p:sldIdLst>
   <p:sldSz cx="12192000" cy="6858000"/>
   <p:notesSz cx="6858000" cy="9144000"/>
@@ -223,7 +222,7 @@
           <a:p>
             <a:fld id="{585C48AE-4A1E-9A43-835F-510354165F99}" type="datetimeFigureOut">
               <a:rPr lang="en-GB" smtClean="0"/>
-              <a:t>30/03/2023</a:t>
+              <a:t>29/01/2024</a:t>
             </a:fld>
             <a:endParaRPr lang="en-GB"/>
           </a:p>
@@ -615,7 +614,7 @@
           <a:p>
             <a:fld id="{B361C124-7373-F149-A166-BB8240B9FE77}" type="slidenum">
               <a:rPr lang="en-GB" smtClean="0"/>
-              <a:t>2</a:t>
+              <a:t>3</a:t>
             </a:fld>
             <a:endParaRPr lang="en-GB"/>
           </a:p>
@@ -688,22 +687,10 @@
             </a:r>
             <a:r>
               <a:rPr lang="en-GB" dirty="0"/>
-              <a:t> organization that provides long-term access to its contents at no cost to users. The base DPC per data submission is $</a:t>
-            </a:r>
-            <a:r>
-              <a:rPr lang="en-GB" dirty="0" smtClean="0"/>
-              <a:t>150 </a:t>
-            </a:r>
-            <a:r>
-              <a:rPr lang="en-GB" dirty="0"/>
-              <a:t>USD</a:t>
-            </a:r>
-            <a:r>
-              <a:rPr lang="en-GB" dirty="0" smtClean="0"/>
-              <a:t>. </a:t>
-            </a:r>
-            <a:r>
-              <a:rPr lang="en-GB" sz="1200" b="0" i="0" kern="1200" dirty="0" smtClean="0">
+              <a:t> organization that provides long-term access to its contents at no cost to users. The base DPC per data submission is $150 USD. </a:t>
+            </a:r>
+            <a:r>
+              <a:rPr lang="en-GB" sz="1200" b="0" i="0" kern="1200" dirty="0">
                 <a:solidFill>
                   <a:schemeClr val="tx1"/>
                 </a:solidFill>
@@ -715,7 +702,7 @@
               <a:t>Fee waivers are automatically granted for submissions originating from researchers based in countries classified by the </a:t>
             </a:r>
             <a:r>
-              <a:rPr lang="en-GB" sz="1200" b="0" i="0" kern="1200" dirty="0" smtClean="0">
+              <a:rPr lang="en-GB" sz="1200" b="0" i="0" kern="1200" dirty="0">
                 <a:solidFill>
                   <a:schemeClr val="tx1"/>
                 </a:solidFill>
@@ -728,7 +715,7 @@
               <a:t>World Bank</a:t>
             </a:r>
             <a:r>
-              <a:rPr lang="en-GB" sz="1200" b="0" i="0" kern="1200" dirty="0" smtClean="0">
+              <a:rPr lang="en-GB" sz="1200" b="0" i="0" kern="1200" dirty="0">
                 <a:solidFill>
                   <a:schemeClr val="tx1"/>
                 </a:solidFill>
@@ -740,12 +727,8 @@
               <a:t> as low-income or lower-middle-income economies. </a:t>
             </a:r>
             <a:r>
-              <a:rPr lang="en-GB" dirty="0" smtClean="0"/>
-              <a:t> </a:t>
-            </a:r>
-            <a:r>
               <a:rPr lang="en-GB" dirty="0"/>
-              <a:t>Access is free.</a:t>
+              <a:t> Access is free.</a:t>
             </a:r>
           </a:p>
           <a:p>
@@ -822,7 +805,7 @@
           <a:p>
             <a:fld id="{B361C124-7373-F149-A166-BB8240B9FE77}" type="slidenum">
               <a:rPr lang="en-GB" smtClean="0"/>
-              <a:t>5</a:t>
+              <a:t>4</a:t>
             </a:fld>
             <a:endParaRPr lang="en-GB"/>
           </a:p>
@@ -912,7 +895,7 @@
           <a:p>
             <a:fld id="{B361C124-7373-F149-A166-BB8240B9FE77}" type="slidenum">
               <a:rPr lang="en-GB" smtClean="0"/>
-              <a:t>24</a:t>
+              <a:t>23</a:t>
             </a:fld>
             <a:endParaRPr lang="en-GB"/>
           </a:p>
@@ -1080,7 +1063,7 @@
           <a:p>
             <a:fld id="{5913FB77-D8DB-4AB9-8EA5-EE8C3B57A5E1}" type="datetimeFigureOut">
               <a:rPr lang="en-GB" smtClean="0"/>
-              <a:t>30/03/2023</a:t>
+              <a:t>29/01/2024</a:t>
             </a:fld>
             <a:endParaRPr lang="en-GB"/>
           </a:p>
@@ -1327,7 +1310,7 @@
           <a:p>
             <a:fld id="{5913FB77-D8DB-4AB9-8EA5-EE8C3B57A5E1}" type="datetimeFigureOut">
               <a:rPr lang="en-GB" smtClean="0"/>
-              <a:t>30/03/2023</a:t>
+              <a:t>29/01/2024</a:t>
             </a:fld>
             <a:endParaRPr lang="en-GB"/>
           </a:p>
@@ -1537,7 +1520,7 @@
           <a:p>
             <a:fld id="{5913FB77-D8DB-4AB9-8EA5-EE8C3B57A5E1}" type="datetimeFigureOut">
               <a:rPr lang="en-GB" smtClean="0"/>
-              <a:t>30/03/2023</a:t>
+              <a:t>29/01/2024</a:t>
             </a:fld>
             <a:endParaRPr lang="en-GB"/>
           </a:p>
@@ -1737,7 +1720,7 @@
           <a:p>
             <a:fld id="{5913FB77-D8DB-4AB9-8EA5-EE8C3B57A5E1}" type="datetimeFigureOut">
               <a:rPr lang="en-GB" smtClean="0"/>
-              <a:t>30/03/2023</a:t>
+              <a:t>29/01/2024</a:t>
             </a:fld>
             <a:endParaRPr lang="en-GB"/>
           </a:p>
@@ -2013,7 +1996,7 @@
           <a:p>
             <a:fld id="{5913FB77-D8DB-4AB9-8EA5-EE8C3B57A5E1}" type="datetimeFigureOut">
               <a:rPr lang="en-GB" smtClean="0"/>
-              <a:t>30/03/2023</a:t>
+              <a:t>29/01/2024</a:t>
             </a:fld>
             <a:endParaRPr lang="en-GB"/>
           </a:p>
@@ -2281,7 +2264,7 @@
           <a:p>
             <a:fld id="{5913FB77-D8DB-4AB9-8EA5-EE8C3B57A5E1}" type="datetimeFigureOut">
               <a:rPr lang="en-GB" smtClean="0"/>
-              <a:t>30/03/2023</a:t>
+              <a:t>29/01/2024</a:t>
             </a:fld>
             <a:endParaRPr lang="en-GB"/>
           </a:p>
@@ -2696,7 +2679,7 @@
           <a:p>
             <a:fld id="{5913FB77-D8DB-4AB9-8EA5-EE8C3B57A5E1}" type="datetimeFigureOut">
               <a:rPr lang="en-GB" smtClean="0"/>
-              <a:t>30/03/2023</a:t>
+              <a:t>29/01/2024</a:t>
             </a:fld>
             <a:endParaRPr lang="en-GB"/>
           </a:p>
@@ -2838,7 +2821,7 @@
           <a:p>
             <a:fld id="{5913FB77-D8DB-4AB9-8EA5-EE8C3B57A5E1}" type="datetimeFigureOut">
               <a:rPr lang="en-GB" smtClean="0"/>
-              <a:t>30/03/2023</a:t>
+              <a:t>29/01/2024</a:t>
             </a:fld>
             <a:endParaRPr lang="en-GB"/>
           </a:p>
@@ -2951,7 +2934,7 @@
           <a:p>
             <a:fld id="{5913FB77-D8DB-4AB9-8EA5-EE8C3B57A5E1}" type="datetimeFigureOut">
               <a:rPr lang="en-GB" smtClean="0"/>
-              <a:t>30/03/2023</a:t>
+              <a:t>29/01/2024</a:t>
             </a:fld>
             <a:endParaRPr lang="en-GB"/>
           </a:p>
@@ -3264,7 +3247,7 @@
           <a:p>
             <a:fld id="{5913FB77-D8DB-4AB9-8EA5-EE8C3B57A5E1}" type="datetimeFigureOut">
               <a:rPr lang="en-GB" smtClean="0"/>
-              <a:t>30/03/2023</a:t>
+              <a:t>29/01/2024</a:t>
             </a:fld>
             <a:endParaRPr lang="en-GB"/>
           </a:p>
@@ -3553,7 +3536,7 @@
           <a:p>
             <a:fld id="{5913FB77-D8DB-4AB9-8EA5-EE8C3B57A5E1}" type="datetimeFigureOut">
               <a:rPr lang="en-GB" smtClean="0"/>
-              <a:t>30/03/2023</a:t>
+              <a:t>29/01/2024</a:t>
             </a:fld>
             <a:endParaRPr lang="en-GB"/>
           </a:p>
@@ -3795,7 +3778,7 @@
             <a:fld id="{5913FB77-D8DB-4AB9-8EA5-EE8C3B57A5E1}" type="datetimeFigureOut">
               <a:rPr lang="en-GB" smtClean="0"/>
               <a:pPr/>
-              <a:t>30/03/2023</a:t>
+              <a:t>29/01/2024</a:t>
             </a:fld>
             <a:endParaRPr lang="en-GB"/>
           </a:p>
@@ -4399,13 +4382,6 @@
   <p:clrMapOvr>
     <a:masterClrMapping/>
   </p:clrMapOvr>
-  <p:timing>
-    <p:tnLst>
-      <p:par>
-        <p:cTn id="1" dur="indefinite" restart="never" nodeType="tmRoot"/>
-      </p:par>
-    </p:tnLst>
-  </p:timing>
 </p:sld>
 </file>
 
@@ -4485,8 +4461,8 @@
         </p:nvSpPr>
         <p:spPr>
           <a:xfrm>
-            <a:off x="1117041" y="1957980"/>
-            <a:ext cx="9957917" cy="2805063"/>
+            <a:off x="1085825" y="1674496"/>
+            <a:ext cx="10267975" cy="4467057"/>
           </a:xfrm>
           <a:prstGeom prst="rect">
             <a:avLst/>
@@ -4512,7 +4488,7 @@
                 <a:effectLst/>
                 <a:latin typeface="Ubuntu"/>
               </a:rPr>
-              <a:t>Interoperable:</a:t>
+              <a:t>Reusable:</a:t>
             </a:r>
           </a:p>
           <a:p>
@@ -4531,11 +4507,11 @@
                 <a:effectLst/>
                 <a:latin typeface="Ubuntu"/>
               </a:rPr>
-              <a:t>I1. (Meta)data use a formal, accessible, shared, and broadly applicable language for knowledge representation. - YES</a:t>
-            </a:r>
-          </a:p>
-          <a:p>
-            <a:pPr algn="l">
+              <a:t>R1. (Meta)data are richly described with a plurality of accurate and relevant attributes - YES</a:t>
+            </a:r>
+          </a:p>
+          <a:p>
+            <a:pPr marL="742950" lvl="1" indent="-285750" algn="l">
               <a:lnSpc>
                 <a:spcPct val="150000"/>
               </a:lnSpc>
@@ -4550,11 +4526,11 @@
                 <a:effectLst/>
                 <a:latin typeface="Ubuntu"/>
               </a:rPr>
-              <a:t>I2. (Meta)data use vocabularies that follow FAIR principles - PARTIALLY</a:t>
-            </a:r>
-          </a:p>
-          <a:p>
-            <a:pPr algn="l">
+              <a:t>R1.1. (Meta)data are released with a clear and accessible data usage license - YES</a:t>
+            </a:r>
+          </a:p>
+          <a:p>
+            <a:pPr marL="742950" lvl="1" indent="-285750" algn="l">
               <a:lnSpc>
                 <a:spcPct val="150000"/>
               </a:lnSpc>
@@ -4569,7 +4545,26 @@
                 <a:effectLst/>
                 <a:latin typeface="Ubuntu"/>
               </a:rPr>
-              <a:t>I3. (Meta)data include qualified references to other (meta)data - YES</a:t>
+              <a:t>R1.2. (Meta)data are associated with detailed provenance - YES</a:t>
+            </a:r>
+          </a:p>
+          <a:p>
+            <a:pPr marL="742950" lvl="1" indent="-285750" algn="l">
+              <a:lnSpc>
+                <a:spcPct val="150000"/>
+              </a:lnSpc>
+              <a:buFont typeface="Arial" panose="020B0604020202020204" pitchFamily="34" charset="0"/>
+              <a:buChar char="•"/>
+            </a:pPr>
+            <a:r>
+              <a:rPr lang="en-GB" sz="2400" b="0" i="0" dirty="0">
+                <a:solidFill>
+                  <a:srgbClr val="333333"/>
+                </a:solidFill>
+                <a:effectLst/>
+                <a:latin typeface="Ubuntu"/>
+              </a:rPr>
+              <a:t>R1.3. (Meta)data meet domain-relevant community standards - YES/PARTIALLY</a:t>
             </a:r>
           </a:p>
         </p:txBody>
@@ -4577,7 +4572,7 @@
     </p:spTree>
     <p:extLst>
       <p:ext uri="{BB962C8B-B14F-4D97-AF65-F5344CB8AC3E}">
-        <p14:creationId xmlns:p14="http://schemas.microsoft.com/office/powerpoint/2010/main" val="829891487"/>
+        <p14:creationId xmlns:p14="http://schemas.microsoft.com/office/powerpoint/2010/main" val="2471381770"/>
       </p:ext>
     </p:extLst>
   </p:cSld>
@@ -4606,6 +4601,38 @@
       </p:grpSpPr>
       <p:sp>
         <p:nvSpPr>
+          <p:cNvPr id="2" name="Rectangle 1"/>
+          <p:cNvSpPr/>
+          <p:nvPr/>
+        </p:nvSpPr>
+        <p:spPr>
+          <a:xfrm>
+            <a:off x="3413663" y="3198167"/>
+            <a:ext cx="5364674" cy="461665"/>
+          </a:xfrm>
+          <a:prstGeom prst="rect">
+            <a:avLst/>
+          </a:prstGeom>
+        </p:spPr>
+        <p:txBody>
+          <a:bodyPr wrap="none">
+            <a:spAutoFit/>
+          </a:bodyPr>
+          <a:lstStyle/>
+          <a:p>
+            <a:r>
+              <a:rPr lang="en-GB" sz="2400" dirty="0">
+                <a:solidFill>
+                  <a:srgbClr val="0070C0"/>
+                </a:solidFill>
+              </a:rPr>
+              <a:t>https://doi.org/10.5281/zenodo.5045374</a:t>
+            </a:r>
+          </a:p>
+        </p:txBody>
+      </p:sp>
+      <p:sp>
+        <p:nvSpPr>
           <p:cNvPr id="5" name="Title 1">
             <a:extLst>
               <a:ext uri="{FF2B5EF4-FFF2-40B4-BE49-F238E27FC236}">
@@ -4636,40 +4663,36 @@
                   <a:srgbClr val="0070C0"/>
                 </a:solidFill>
               </a:rPr>
-              <a:t>Public record</a:t>
-            </a:r>
-            <a:r>
-              <a:rPr lang="en-GB" dirty="0">
-                <a:solidFill>
-                  <a:srgbClr val="0070C0"/>
-                </a:solidFill>
-              </a:rPr>
-              <a:t> - Solutions</a:t>
-            </a:r>
-          </a:p>
-        </p:txBody>
-      </p:sp>
-      <p:sp>
-        <p:nvSpPr>
-          <p:cNvPr id="6" name="TextBox 5">
-            <a:extLst>
-              <a:ext uri="{FF2B5EF4-FFF2-40B4-BE49-F238E27FC236}">
-                <a16:creationId xmlns:a16="http://schemas.microsoft.com/office/drawing/2014/main" id="{216805BD-FE46-4237-9C78-2FA56E8B599C}"/>
-              </a:ext>
-            </a:extLst>
-          </p:cNvPr>
-          <p:cNvSpPr txBox="1"/>
+              <a:t>Dataset discovery</a:t>
+            </a:r>
+            <a:endParaRPr lang="en-GB" dirty="0">
+              <a:solidFill>
+                <a:srgbClr val="0070C0"/>
+              </a:solidFill>
+            </a:endParaRPr>
+          </a:p>
+        </p:txBody>
+      </p:sp>
+      <p:sp>
+        <p:nvSpPr>
+          <p:cNvPr id="4" name="Rectangle 3">
+            <a:extLst>
+              <a:ext uri="{FF2B5EF4-FFF2-40B4-BE49-F238E27FC236}">
+                <a16:creationId xmlns:a16="http://schemas.microsoft.com/office/drawing/2014/main" id="{CAA0BFB8-30CB-4548-8596-047DD833C1C6}"/>
+              </a:ext>
+            </a:extLst>
+          </p:cNvPr>
+          <p:cNvSpPr/>
           <p:nvPr/>
         </p:nvSpPr>
         <p:spPr>
           <a:xfrm>
-            <a:off x="1085825" y="1674496"/>
-            <a:ext cx="10267975" cy="4467057"/>
+            <a:off x="605073" y="1977256"/>
+            <a:ext cx="10981854" cy="1323439"/>
           </a:xfrm>
           <a:prstGeom prst="rect">
             <a:avLst/>
           </a:prstGeom>
-          <a:noFill/>
         </p:spPr>
         <p:txBody>
           <a:bodyPr wrap="square">
@@ -4677,104 +4700,46 @@
           </a:bodyPr>
           <a:lstStyle/>
           <a:p>
-            <a:pPr algn="l">
-              <a:lnSpc>
-                <a:spcPct val="150000"/>
-              </a:lnSpc>
-            </a:pPr>
-            <a:r>
-              <a:rPr lang="en-GB" sz="2400" b="1" i="0" dirty="0">
-                <a:solidFill>
-                  <a:srgbClr val="333333"/>
-                </a:solidFill>
-                <a:effectLst/>
-                <a:latin typeface="Ubuntu"/>
-              </a:rPr>
-              <a:t>Reusable:</a:t>
-            </a:r>
-          </a:p>
-          <a:p>
-            <a:pPr algn="l">
-              <a:lnSpc>
-                <a:spcPct val="150000"/>
-              </a:lnSpc>
+            <a:pPr algn="ctr"/>
+            <a:r>
+              <a:rPr lang="pl-PL" sz="4000" dirty="0">
+                <a:solidFill>
+                  <a:srgbClr val="0070C0"/>
+                </a:solidFill>
+              </a:rPr>
+              <a:t>Exercise</a:t>
+            </a:r>
+            <a:r>
+              <a:rPr lang="en-GB" sz="4000" dirty="0">
+                <a:solidFill>
+                  <a:srgbClr val="0070C0"/>
+                </a:solidFill>
+              </a:rPr>
+              <a:t> 2</a:t>
+            </a:r>
+            <a:endParaRPr lang="pl-PL" sz="4000" dirty="0">
+              <a:solidFill>
+                <a:srgbClr val="0070C0"/>
+              </a:solidFill>
+            </a:endParaRPr>
+          </a:p>
+          <a:p>
+            <a:pPr marL="285750" indent="-285750" algn="ctr">
               <a:buFont typeface="Arial" panose="020B0604020202020204" pitchFamily="34" charset="0"/>
               <a:buChar char="•"/>
             </a:pPr>
-            <a:r>
-              <a:rPr lang="en-GB" sz="2400" b="0" i="0" dirty="0">
-                <a:solidFill>
-                  <a:srgbClr val="333333"/>
-                </a:solidFill>
-                <a:effectLst/>
-                <a:latin typeface="Ubuntu"/>
-              </a:rPr>
-              <a:t>R1. (Meta)data are richly described with a plurality of accurate and relevant attributes - YES</a:t>
-            </a:r>
-          </a:p>
-          <a:p>
-            <a:pPr marL="742950" lvl="1" indent="-285750" algn="l">
-              <a:lnSpc>
-                <a:spcPct val="150000"/>
-              </a:lnSpc>
-              <a:buFont typeface="Arial" panose="020B0604020202020204" pitchFamily="34" charset="0"/>
-              <a:buChar char="•"/>
-            </a:pPr>
-            <a:r>
-              <a:rPr lang="en-GB" sz="2400" b="0" i="0" dirty="0">
-                <a:solidFill>
-                  <a:srgbClr val="333333"/>
-                </a:solidFill>
-                <a:effectLst/>
-                <a:latin typeface="Ubuntu"/>
-              </a:rPr>
-              <a:t>R1.1. (Meta)data are released with a clear and accessible data usage license - YES</a:t>
-            </a:r>
-          </a:p>
-          <a:p>
-            <a:pPr marL="742950" lvl="1" indent="-285750" algn="l">
-              <a:lnSpc>
-                <a:spcPct val="150000"/>
-              </a:lnSpc>
-              <a:buFont typeface="Arial" panose="020B0604020202020204" pitchFamily="34" charset="0"/>
-              <a:buChar char="•"/>
-            </a:pPr>
-            <a:r>
-              <a:rPr lang="en-GB" sz="2400" b="0" i="0" dirty="0">
-                <a:solidFill>
-                  <a:srgbClr val="333333"/>
-                </a:solidFill>
-                <a:effectLst/>
-                <a:latin typeface="Ubuntu"/>
-              </a:rPr>
-              <a:t>R1.2. (Meta)data are associated with detailed provenance - YES</a:t>
-            </a:r>
-          </a:p>
-          <a:p>
-            <a:pPr marL="742950" lvl="1" indent="-285750" algn="l">
-              <a:lnSpc>
-                <a:spcPct val="150000"/>
-              </a:lnSpc>
-              <a:buFont typeface="Arial" panose="020B0604020202020204" pitchFamily="34" charset="0"/>
-              <a:buChar char="•"/>
-            </a:pPr>
-            <a:r>
-              <a:rPr lang="en-GB" sz="2400" b="0" i="0" dirty="0">
-                <a:solidFill>
-                  <a:srgbClr val="333333"/>
-                </a:solidFill>
-                <a:effectLst/>
-                <a:latin typeface="Ubuntu"/>
-              </a:rPr>
-              <a:t>R1.3. (Meta)data meet domain-relevant community standards - YES/PARTIALLY</a:t>
-            </a:r>
+            <a:endParaRPr lang="en-GB" sz="4000" dirty="0">
+              <a:solidFill>
+                <a:srgbClr val="0070C0"/>
+              </a:solidFill>
+            </a:endParaRPr>
           </a:p>
         </p:txBody>
       </p:sp>
     </p:spTree>
     <p:extLst>
       <p:ext uri="{BB962C8B-B14F-4D97-AF65-F5344CB8AC3E}">
-        <p14:creationId xmlns:p14="http://schemas.microsoft.com/office/powerpoint/2010/main" val="2471381770"/>
+        <p14:creationId xmlns:p14="http://schemas.microsoft.com/office/powerpoint/2010/main" val="3474192978"/>
       </p:ext>
     </p:extLst>
   </p:cSld>
@@ -4803,42 +4768,96 @@
       </p:grpSpPr>
       <p:sp>
         <p:nvSpPr>
-          <p:cNvPr id="2" name="Rectangle 1"/>
-          <p:cNvSpPr/>
+          <p:cNvPr id="5" name="TextBox 4">
+            <a:extLst>
+              <a:ext uri="{FF2B5EF4-FFF2-40B4-BE49-F238E27FC236}">
+                <a16:creationId xmlns:a16="http://schemas.microsoft.com/office/drawing/2014/main" id="{AADF90D3-6D01-481A-8133-6B0A81743C1D}"/>
+              </a:ext>
+            </a:extLst>
+          </p:cNvPr>
+          <p:cNvSpPr txBox="1"/>
           <p:nvPr/>
         </p:nvSpPr>
         <p:spPr>
           <a:xfrm>
-            <a:off x="3413663" y="3198167"/>
-            <a:ext cx="5364674" cy="461665"/>
+            <a:off x="838200" y="2649841"/>
+            <a:ext cx="10883900" cy="2308324"/>
           </a:xfrm>
           <a:prstGeom prst="rect">
             <a:avLst/>
           </a:prstGeom>
+          <a:solidFill>
+            <a:schemeClr val="accent1">
+              <a:lumMod val="20000"/>
+              <a:lumOff val="80000"/>
+            </a:schemeClr>
+          </a:solidFill>
         </p:spPr>
         <p:txBody>
-          <a:bodyPr wrap="none">
+          <a:bodyPr wrap="square">
             <a:spAutoFit/>
           </a:bodyPr>
           <a:lstStyle/>
           <a:p>
             <a:r>
-              <a:rPr lang="en-GB" sz="2400" dirty="0">
-                <a:solidFill>
-                  <a:srgbClr val="0070C0"/>
-                </a:solidFill>
-              </a:rPr>
-              <a:t>https://doi.org/10.5281/zenodo.5045374</a:t>
-            </a:r>
-          </a:p>
-        </p:txBody>
-      </p:sp>
-      <p:sp>
-        <p:nvSpPr>
-          <p:cNvPr id="5" name="Title 1">
-            <a:extLst>
-              <a:ext uri="{FF2B5EF4-FFF2-40B4-BE49-F238E27FC236}">
-                <a16:creationId xmlns:a16="http://schemas.microsoft.com/office/drawing/2014/main" id="{775BFE92-9990-4094-B7B2-01514614F16E}"/>
+              <a:rPr lang="en-GB" sz="2400" b="0" i="0" dirty="0">
+                <a:solidFill>
+                  <a:srgbClr val="333333"/>
+                </a:solidFill>
+                <a:effectLst/>
+                <a:latin typeface="Ubuntu"/>
+              </a:rPr>
+              <a:t>Zenodo is a good place to keep your data separate from paper.</a:t>
+            </a:r>
+          </a:p>
+          <a:p>
+            <a:r>
+              <a:rPr lang="en-GB" sz="2400" b="0" i="0" dirty="0">
+                <a:solidFill>
+                  <a:srgbClr val="333333"/>
+                </a:solidFill>
+                <a:effectLst/>
+                <a:latin typeface="Ubuntu"/>
+              </a:rPr>
+              <a:t>It gives access to all files, allowing you to cite the data as well (or instead of) the paper.</a:t>
+            </a:r>
+            <a:br>
+              <a:rPr lang="en-GB" sz="2400" dirty="0"/>
+            </a:br>
+            <a:endParaRPr lang="en-GB" sz="2400" dirty="0"/>
+          </a:p>
+          <a:p>
+            <a:r>
+              <a:rPr lang="en-GB" sz="2400" b="0" i="0" dirty="0">
+                <a:solidFill>
+                  <a:srgbClr val="333333"/>
+                </a:solidFill>
+                <a:effectLst/>
+                <a:latin typeface="Ubuntu"/>
+                <a:sym typeface="Wingdings" panose="05000000000000000000" pitchFamily="2" charset="2"/>
+              </a:rPr>
+              <a:t> </a:t>
+            </a:r>
+            <a:r>
+              <a:rPr lang="en-GB" sz="2400" b="0" i="0" dirty="0">
+                <a:solidFill>
+                  <a:srgbClr val="333333"/>
+                </a:solidFill>
+                <a:effectLst/>
+                <a:latin typeface="Ubuntu"/>
+              </a:rPr>
+              <a:t>However, it is not (always) good for discovery, and does not enforce most metadata!</a:t>
+            </a:r>
+            <a:endParaRPr lang="en-GB" sz="2400" dirty="0"/>
+          </a:p>
+        </p:txBody>
+      </p:sp>
+      <p:sp>
+        <p:nvSpPr>
+          <p:cNvPr id="6" name="Title 1">
+            <a:extLst>
+              <a:ext uri="{FF2B5EF4-FFF2-40B4-BE49-F238E27FC236}">
+                <a16:creationId xmlns:a16="http://schemas.microsoft.com/office/drawing/2014/main" id="{666F9E5E-D8A2-49C1-876A-84EDD1D6D868}"/>
               </a:ext>
             </a:extLst>
           </p:cNvPr>
@@ -4867,81 +4886,21 @@
               </a:rPr>
               <a:t>Dataset discovery</a:t>
             </a:r>
-            <a:endParaRPr lang="en-GB" dirty="0">
-              <a:solidFill>
-                <a:srgbClr val="0070C0"/>
-              </a:solidFill>
-            </a:endParaRPr>
-          </a:p>
-        </p:txBody>
-      </p:sp>
-      <p:sp>
-        <p:nvSpPr>
-          <p:cNvPr id="4" name="Rectangle 3">
-            <a:extLst>
-              <a:ext uri="{FF2B5EF4-FFF2-40B4-BE49-F238E27FC236}">
-                <a16:creationId xmlns:a16="http://schemas.microsoft.com/office/drawing/2014/main" id="{CAA0BFB8-30CB-4548-8596-047DD833C1C6}"/>
-              </a:ext>
-            </a:extLst>
-          </p:cNvPr>
-          <p:cNvSpPr/>
-          <p:nvPr/>
-        </p:nvSpPr>
-        <p:spPr>
-          <a:xfrm>
-            <a:off x="605073" y="1977256"/>
-            <a:ext cx="10981854" cy="1323439"/>
-          </a:xfrm>
-          <a:prstGeom prst="rect">
-            <a:avLst/>
-          </a:prstGeom>
-        </p:spPr>
-        <p:txBody>
-          <a:bodyPr wrap="square">
-            <a:spAutoFit/>
-          </a:bodyPr>
-          <a:lstStyle/>
-          <a:p>
-            <a:pPr algn="ctr"/>
-            <a:r>
-              <a:rPr lang="pl-PL" sz="4000" dirty="0">
-                <a:solidFill>
-                  <a:srgbClr val="0070C0"/>
-                </a:solidFill>
-              </a:rPr>
-              <a:t>Exercise</a:t>
-            </a:r>
-            <a:r>
-              <a:rPr lang="en-GB" sz="4000" dirty="0">
-                <a:solidFill>
-                  <a:srgbClr val="0070C0"/>
-                </a:solidFill>
-              </a:rPr>
-              <a:t> 2</a:t>
-            </a:r>
-            <a:endParaRPr lang="pl-PL" sz="4000" dirty="0">
-              <a:solidFill>
-                <a:srgbClr val="0070C0"/>
-              </a:solidFill>
-            </a:endParaRPr>
-          </a:p>
-          <a:p>
-            <a:pPr marL="285750" indent="-285750" algn="ctr">
-              <a:buFont typeface="Arial" panose="020B0604020202020204" pitchFamily="34" charset="0"/>
-              <a:buChar char="•"/>
-            </a:pPr>
-            <a:endParaRPr lang="en-GB" sz="4000" dirty="0">
-              <a:solidFill>
-                <a:srgbClr val="0070C0"/>
-              </a:solidFill>
-            </a:endParaRPr>
+            <a:r>
+              <a:rPr lang="en-GB" dirty="0">
+                <a:solidFill>
+                  <a:srgbClr val="0070C0"/>
+                </a:solidFill>
+              </a:rPr>
+              <a:t> - Solution</a:t>
+            </a:r>
           </a:p>
         </p:txBody>
       </p:sp>
     </p:spTree>
     <p:extLst>
       <p:ext uri="{BB962C8B-B14F-4D97-AF65-F5344CB8AC3E}">
-        <p14:creationId xmlns:p14="http://schemas.microsoft.com/office/powerpoint/2010/main" val="3474192978"/>
+        <p14:creationId xmlns:p14="http://schemas.microsoft.com/office/powerpoint/2010/main" val="2135189893"/>
       </p:ext>
     </p:extLst>
   </p:cSld>
@@ -4970,30 +4929,18 @@
       </p:grpSpPr>
       <p:sp>
         <p:nvSpPr>
-          <p:cNvPr id="5" name="TextBox 4">
-            <a:extLst>
-              <a:ext uri="{FF2B5EF4-FFF2-40B4-BE49-F238E27FC236}">
-                <a16:creationId xmlns:a16="http://schemas.microsoft.com/office/drawing/2014/main" id="{AADF90D3-6D01-481A-8133-6B0A81743C1D}"/>
-              </a:ext>
-            </a:extLst>
-          </p:cNvPr>
-          <p:cNvSpPr txBox="1"/>
+          <p:cNvPr id="2" name="Rectangle 1"/>
+          <p:cNvSpPr/>
           <p:nvPr/>
         </p:nvSpPr>
         <p:spPr>
           <a:xfrm>
-            <a:off x="838200" y="2649841"/>
-            <a:ext cx="10883900" cy="2308324"/>
+            <a:off x="838200" y="1599228"/>
+            <a:ext cx="10515600" cy="4893647"/>
           </a:xfrm>
           <a:prstGeom prst="rect">
             <a:avLst/>
           </a:prstGeom>
-          <a:solidFill>
-            <a:schemeClr val="accent1">
-              <a:lumMod val="20000"/>
-              <a:lumOff val="80000"/>
-            </a:schemeClr>
-          </a:solidFill>
         </p:spPr>
         <p:txBody>
           <a:bodyPr wrap="square">
@@ -5002,98 +4949,159 @@
           <a:lstStyle/>
           <a:p>
             <a:r>
-              <a:rPr lang="en-GB" sz="2400" b="0" i="0" dirty="0">
-                <a:solidFill>
-                  <a:srgbClr val="333333"/>
-                </a:solidFill>
-                <a:effectLst/>
-                <a:latin typeface="Ubuntu"/>
-              </a:rPr>
-              <a:t>Zenodo is a good place to keep your data separate from paper</a:t>
-            </a:r>
-            <a:r>
-              <a:rPr lang="en-GB" sz="2400" b="0" i="0" dirty="0" smtClean="0">
-                <a:solidFill>
-                  <a:srgbClr val="333333"/>
-                </a:solidFill>
-                <a:effectLst/>
-                <a:latin typeface="Ubuntu"/>
+              <a:rPr lang="pl-PL" sz="2400" dirty="0">
+                <a:solidFill>
+                  <a:srgbClr val="0070C0"/>
+                </a:solidFill>
+              </a:rPr>
+              <a:t>M</a:t>
+            </a:r>
+            <a:r>
+              <a:rPr lang="en-GB" sz="2400" dirty="0" err="1">
+                <a:solidFill>
+                  <a:srgbClr val="0070C0"/>
+                </a:solidFill>
+              </a:rPr>
+              <a:t>inimal</a:t>
+            </a:r>
+            <a:r>
+              <a:rPr lang="en-GB" sz="2400" dirty="0">
+                <a:solidFill>
+                  <a:srgbClr val="0070C0"/>
+                </a:solidFill>
+              </a:rPr>
+              <a:t> data set to consist of the data required to replicate all study findings reported in the article, as well as related metadata and methods</a:t>
+            </a:r>
+            <a:r>
+              <a:rPr lang="pl-PL" sz="2400" dirty="0">
+                <a:solidFill>
+                  <a:srgbClr val="0070C0"/>
+                </a:solidFill>
               </a:rPr>
               <a:t>.</a:t>
             </a:r>
           </a:p>
           <a:p>
-            <a:r>
-              <a:rPr lang="en-GB" sz="2400" b="0" i="0" dirty="0" smtClean="0">
-                <a:solidFill>
-                  <a:srgbClr val="333333"/>
-                </a:solidFill>
-                <a:effectLst/>
-                <a:latin typeface="Ubuntu"/>
-              </a:rPr>
-              <a:t>It </a:t>
-            </a:r>
-            <a:r>
-              <a:rPr lang="en-GB" sz="2400" b="0" i="0" dirty="0">
-                <a:solidFill>
-                  <a:srgbClr val="333333"/>
-                </a:solidFill>
-                <a:effectLst/>
-                <a:latin typeface="Ubuntu"/>
-              </a:rPr>
-              <a:t>gives access to all files, allowing you to cite the data as well (or instead of) the paper.</a:t>
-            </a:r>
-            <a:r>
-              <a:rPr lang="en-GB" sz="2400" dirty="0"/>
-              <a:t/>
-            </a:r>
-            <a:br>
-              <a:rPr lang="en-GB" sz="2400" dirty="0"/>
-            </a:br>
-            <a:endParaRPr lang="en-GB" sz="2400" dirty="0" smtClean="0"/>
-          </a:p>
-          <a:p>
-            <a:r>
-              <a:rPr lang="en-GB" sz="2400" b="0" i="0" dirty="0" smtClean="0">
-                <a:solidFill>
-                  <a:srgbClr val="333333"/>
-                </a:solidFill>
-                <a:effectLst/>
-                <a:latin typeface="Ubuntu"/>
-                <a:sym typeface="Wingdings" panose="05000000000000000000" pitchFamily="2" charset="2"/>
-              </a:rPr>
-              <a:t> </a:t>
-            </a:r>
-            <a:r>
-              <a:rPr lang="en-GB" sz="2400" b="0" i="0" dirty="0" smtClean="0">
-                <a:solidFill>
-                  <a:srgbClr val="333333"/>
-                </a:solidFill>
-                <a:effectLst/>
-                <a:latin typeface="Ubuntu"/>
-              </a:rPr>
-              <a:t>However</a:t>
-            </a:r>
-            <a:r>
-              <a:rPr lang="en-GB" sz="2400" b="0" i="0" dirty="0">
-                <a:solidFill>
-                  <a:srgbClr val="333333"/>
-                </a:solidFill>
-                <a:effectLst/>
-                <a:latin typeface="Ubuntu"/>
-              </a:rPr>
-              <a:t>, it is not (always) good for discovery, and does not enforce most metadata!</a:t>
-            </a:r>
-            <a:endParaRPr lang="en-GB" sz="2400" dirty="0"/>
-          </a:p>
-        </p:txBody>
-      </p:sp>
-      <p:sp>
-        <p:nvSpPr>
-          <p:cNvPr id="6" name="Title 1">
-            <a:extLst>
-              <a:ext uri="{FF2B5EF4-FFF2-40B4-BE49-F238E27FC236}">
-                <a16:creationId xmlns:a16="http://schemas.microsoft.com/office/drawing/2014/main" id="{666F9E5E-D8A2-49C1-876A-84EDD1D6D868}"/>
+            <a:endParaRPr lang="pl-PL" sz="2400" dirty="0">
+              <a:solidFill>
+                <a:srgbClr val="0070C0"/>
+              </a:solidFill>
+            </a:endParaRPr>
+          </a:p>
+          <a:p>
+            <a:endParaRPr lang="pl-PL" sz="2400" dirty="0">
+              <a:solidFill>
+                <a:srgbClr val="0070C0"/>
+              </a:solidFill>
+            </a:endParaRPr>
+          </a:p>
+          <a:p>
+            <a:pPr marL="285750" indent="-285750">
+              <a:buFont typeface="Arial" panose="020B0604020202020204" pitchFamily="34" charset="0"/>
+              <a:buChar char="•"/>
+            </a:pPr>
+            <a:r>
+              <a:rPr lang="en-GB" sz="2400" dirty="0">
+                <a:solidFill>
+                  <a:srgbClr val="0070C0"/>
+                </a:solidFill>
+              </a:rPr>
+              <a:t>The values behind the means, standard deviations and other measures reported</a:t>
+            </a:r>
+          </a:p>
+          <a:p>
+            <a:pPr marL="285750" indent="-285750">
+              <a:buFont typeface="Arial" panose="020B0604020202020204" pitchFamily="34" charset="0"/>
+              <a:buChar char="•"/>
+            </a:pPr>
+            <a:r>
+              <a:rPr lang="en-GB" sz="2400" dirty="0">
+                <a:solidFill>
+                  <a:srgbClr val="0070C0"/>
+                </a:solidFill>
+              </a:rPr>
+              <a:t>The values used to build graphs</a:t>
+            </a:r>
+          </a:p>
+          <a:p>
+            <a:pPr marL="285750" indent="-285750">
+              <a:buFont typeface="Arial" panose="020B0604020202020204" pitchFamily="34" charset="0"/>
+              <a:buChar char="•"/>
+            </a:pPr>
+            <a:r>
+              <a:rPr lang="en-GB" sz="2400" dirty="0">
+                <a:solidFill>
+                  <a:srgbClr val="0070C0"/>
+                </a:solidFill>
+              </a:rPr>
+              <a:t>The points extracted from images for analysis.</a:t>
+            </a:r>
+          </a:p>
+          <a:p>
+            <a:endParaRPr lang="pl-PL" sz="2400" dirty="0">
+              <a:solidFill>
+                <a:srgbClr val="0070C0"/>
+              </a:solidFill>
+            </a:endParaRPr>
+          </a:p>
+          <a:p>
+            <a:r>
+              <a:rPr lang="pl-PL" sz="2400" dirty="0">
+                <a:solidFill>
+                  <a:srgbClr val="0070C0"/>
+                </a:solidFill>
+              </a:rPr>
+              <a:t>(no need for </a:t>
+            </a:r>
+            <a:r>
+              <a:rPr lang="en-GB" sz="2400" dirty="0">
+                <a:solidFill>
+                  <a:srgbClr val="0070C0"/>
+                </a:solidFill>
+              </a:rPr>
+              <a:t>raw data if the standard in the field is to share data that have been processed</a:t>
+            </a:r>
+            <a:r>
+              <a:rPr lang="pl-PL" sz="2400" dirty="0">
+                <a:solidFill>
+                  <a:srgbClr val="0070C0"/>
+                </a:solidFill>
+              </a:rPr>
+              <a:t>)</a:t>
+            </a:r>
+          </a:p>
+          <a:p>
+            <a:endParaRPr lang="pl-PL" sz="2400" dirty="0">
+              <a:solidFill>
+                <a:srgbClr val="0070C0"/>
+              </a:solidFill>
+            </a:endParaRPr>
+          </a:p>
+          <a:p>
+            <a:endParaRPr lang="pl-PL" sz="2400" dirty="0">
+              <a:solidFill>
+                <a:srgbClr val="0070C0"/>
+              </a:solidFill>
+            </a:endParaRPr>
+          </a:p>
+          <a:p>
+            <a:r>
+              <a:rPr lang="en-GB" sz="2400" dirty="0">
+                <a:solidFill>
+                  <a:srgbClr val="0070C0"/>
+                </a:solidFill>
+              </a:rPr>
+              <a:t>https://journals.plos.org/plosbiology/s/data-availability</a:t>
+            </a:r>
+          </a:p>
+        </p:txBody>
+      </p:sp>
+      <p:sp>
+        <p:nvSpPr>
+          <p:cNvPr id="5" name="Title 1">
+            <a:extLst>
+              <a:ext uri="{FF2B5EF4-FFF2-40B4-BE49-F238E27FC236}">
+                <a16:creationId xmlns:a16="http://schemas.microsoft.com/office/drawing/2014/main" id="{775BFE92-9990-4094-B7B2-01514614F16E}"/>
               </a:ext>
             </a:extLst>
           </p:cNvPr>
@@ -5120,23 +5128,20 @@
                   <a:srgbClr val="0070C0"/>
                 </a:solidFill>
               </a:rPr>
-              <a:t>Dataset discovery</a:t>
-            </a:r>
-            <a:r>
-              <a:rPr lang="en-GB" dirty="0">
-                <a:solidFill>
-                  <a:srgbClr val="0070C0"/>
-                </a:solidFill>
-              </a:rPr>
-              <a:t> - Solution</a:t>
-            </a:r>
+              <a:t>Minimal data set (after PLOS)</a:t>
+            </a:r>
+            <a:endParaRPr lang="en-GB" dirty="0">
+              <a:solidFill>
+                <a:srgbClr val="0070C0"/>
+              </a:solidFill>
+            </a:endParaRPr>
           </a:p>
         </p:txBody>
       </p:sp>
     </p:spTree>
     <p:extLst>
       <p:ext uri="{BB962C8B-B14F-4D97-AF65-F5344CB8AC3E}">
-        <p14:creationId xmlns:p14="http://schemas.microsoft.com/office/powerpoint/2010/main" val="2135189893"/>
+        <p14:creationId xmlns:p14="http://schemas.microsoft.com/office/powerpoint/2010/main" val="757247184"/>
       </p:ext>
     </p:extLst>
   </p:cSld>
@@ -5163,6 +5168,53 @@
           <a:chExt cx="0" cy="0"/>
         </a:xfrm>
       </p:grpSpPr>
+      <p:pic>
+        <p:nvPicPr>
+          <p:cNvPr id="4" name="Picture 2" descr="Ed_DaSH">
+            <a:extLst>
+              <a:ext uri="{FF2B5EF4-FFF2-40B4-BE49-F238E27FC236}">
+                <a16:creationId xmlns:a16="http://schemas.microsoft.com/office/drawing/2014/main" id="{A783256F-E39E-4712-96B0-240BD611CFEB}"/>
+              </a:ext>
+            </a:extLst>
+          </p:cNvPr>
+          <p:cNvPicPr>
+            <a:picLocks noChangeAspect="1" noChangeArrowheads="1"/>
+          </p:cNvPicPr>
+          <p:nvPr/>
+        </p:nvPicPr>
+        <p:blipFill>
+          <a:blip r:embed="rId2" cstate="hqprint">
+            <a:extLst>
+              <a:ext uri="{28A0092B-C50C-407E-A947-70E740481C1C}">
+                <a14:useLocalDpi xmlns:a14="http://schemas.microsoft.com/office/drawing/2010/main" val="0"/>
+              </a:ext>
+            </a:extLst>
+          </a:blip>
+          <a:srcRect/>
+          <a:stretch>
+            <a:fillRect/>
+          </a:stretch>
+        </p:blipFill>
+        <p:spPr bwMode="auto">
+          <a:xfrm>
+            <a:off x="10820670" y="5458691"/>
+            <a:ext cx="1289214" cy="1325418"/>
+          </a:xfrm>
+          <a:prstGeom prst="rect">
+            <a:avLst/>
+          </a:prstGeom>
+          <a:noFill/>
+          <a:extLst>
+            <a:ext uri="{909E8E84-426E-40DD-AFC4-6F175D3DCCD1}">
+              <a14:hiddenFill xmlns:a14="http://schemas.microsoft.com/office/drawing/2010/main">
+                <a:solidFill>
+                  <a:srgbClr val="FFFFFF"/>
+                </a:solidFill>
+              </a14:hiddenFill>
+            </a:ext>
+          </a:extLst>
+        </p:spPr>
+      </p:pic>
       <p:sp>
         <p:nvSpPr>
           <p:cNvPr id="2" name="Rectangle 1"/>
@@ -5171,8 +5223,8 @@
         </p:nvSpPr>
         <p:spPr>
           <a:xfrm>
-            <a:off x="838200" y="1599228"/>
-            <a:ext cx="10515600" cy="4893647"/>
+            <a:off x="742384" y="2064189"/>
+            <a:ext cx="10981854" cy="2677656"/>
           </a:xfrm>
           <a:prstGeom prst="rect">
             <a:avLst/>
@@ -5184,40 +5236,18 @@
           </a:bodyPr>
           <a:lstStyle/>
           <a:p>
-            <a:r>
-              <a:rPr lang="pl-PL" sz="2400" dirty="0">
-                <a:solidFill>
-                  <a:srgbClr val="0070C0"/>
-                </a:solidFill>
-              </a:rPr>
-              <a:t>M</a:t>
-            </a:r>
-            <a:r>
-              <a:rPr lang="en-GB" sz="2400" dirty="0" err="1">
-                <a:solidFill>
-                  <a:srgbClr val="0070C0"/>
-                </a:solidFill>
-              </a:rPr>
-              <a:t>inimal</a:t>
-            </a:r>
+            <a:pPr marL="285750" indent="-285750">
+              <a:buFont typeface="Arial" panose="020B0604020202020204" pitchFamily="34" charset="0"/>
+              <a:buChar char="•"/>
+            </a:pPr>
             <a:r>
               <a:rPr lang="en-GB" sz="2400" dirty="0">
                 <a:solidFill>
                   <a:srgbClr val="0070C0"/>
                 </a:solidFill>
               </a:rPr>
-              <a:t> data set to consist of the data required to replicate all study findings reported in the article, as well as related metadata and methods</a:t>
-            </a:r>
-            <a:r>
-              <a:rPr lang="pl-PL" sz="2400" dirty="0">
-                <a:solidFill>
-                  <a:srgbClr val="0070C0"/>
-                </a:solidFill>
-              </a:rPr>
-              <a:t>.</a:t>
-            </a:r>
-          </a:p>
-          <a:p>
+              <a:t>Higher exposure</a:t>
+            </a:r>
             <a:endParaRPr lang="pl-PL" sz="2400" dirty="0">
               <a:solidFill>
                 <a:srgbClr val="0070C0"/>
@@ -5225,110 +5255,101 @@
             </a:endParaRPr>
           </a:p>
           <a:p>
+            <a:pPr marL="285750" indent="-285750">
+              <a:buFont typeface="Arial" panose="020B0604020202020204" pitchFamily="34" charset="0"/>
+              <a:buChar char="•"/>
+            </a:pPr>
+            <a:r>
+              <a:rPr lang="pl-PL" sz="2400" dirty="0">
+                <a:solidFill>
+                  <a:srgbClr val="0070C0"/>
+                </a:solidFill>
+              </a:rPr>
+              <a:t>Data specific features (e.g. Visulization)</a:t>
+            </a:r>
+          </a:p>
+          <a:p>
+            <a:pPr marL="285750" indent="-285750">
+              <a:buFont typeface="Arial" panose="020B0604020202020204" pitchFamily="34" charset="0"/>
+              <a:buChar char="•"/>
+            </a:pPr>
+            <a:r>
+              <a:rPr lang="pl-PL" sz="2400" dirty="0">
+                <a:solidFill>
+                  <a:srgbClr val="0070C0"/>
+                </a:solidFill>
+              </a:rPr>
+              <a:t>Enforced minimal metadata</a:t>
+            </a:r>
+          </a:p>
+          <a:p>
+            <a:pPr marL="285750" indent="-285750">
+              <a:buFont typeface="Arial" panose="020B0604020202020204" pitchFamily="34" charset="0"/>
+              <a:buChar char="•"/>
+            </a:pPr>
+            <a:r>
+              <a:rPr lang="pl-PL" sz="2400" dirty="0">
+                <a:solidFill>
+                  <a:srgbClr val="0070C0"/>
+                </a:solidFill>
+              </a:rPr>
+              <a:t>API for data retrival / agregation /searching</a:t>
+            </a:r>
+          </a:p>
+          <a:p>
+            <a:pPr marL="285750" indent="-285750">
+              <a:buFont typeface="Arial" panose="020B0604020202020204" pitchFamily="34" charset="0"/>
+              <a:buChar char="•"/>
+            </a:pPr>
+            <a:r>
+              <a:rPr lang="pl-PL" sz="2400" dirty="0">
+                <a:solidFill>
+                  <a:srgbClr val="0070C0"/>
+                </a:solidFill>
+              </a:rPr>
+              <a:t>Curated data</a:t>
+            </a:r>
+          </a:p>
+          <a:p>
+            <a:pPr marL="285750" indent="-285750">
+              <a:buFont typeface="Arial" panose="020B0604020202020204" pitchFamily="34" charset="0"/>
+              <a:buChar char="•"/>
+            </a:pPr>
+            <a:r>
+              <a:rPr lang="pl-PL" sz="2400" dirty="0">
+                <a:solidFill>
+                  <a:srgbClr val="0070C0"/>
+                </a:solidFill>
+              </a:rPr>
+              <a:t>Better searching</a:t>
+            </a:r>
+          </a:p>
+          <a:p>
+            <a:pPr marL="285750" indent="-285750">
+              <a:buFont typeface="Arial" panose="020B0604020202020204" pitchFamily="34" charset="0"/>
+              <a:buChar char="•"/>
+            </a:pPr>
+            <a:r>
+              <a:rPr lang="pl-PL" sz="2400" dirty="0">
+                <a:solidFill>
+                  <a:srgbClr val="0070C0"/>
+                </a:solidFill>
+              </a:rPr>
+              <a:t>Interlinking between data </a:t>
+            </a:r>
+            <a:r>
+              <a:rPr lang="pl-PL" sz="2400" dirty="0" err="1">
+                <a:solidFill>
+                  <a:srgbClr val="0070C0"/>
+                </a:solidFill>
+              </a:rPr>
+              <a:t>types</a:t>
+            </a:r>
             <a:endParaRPr lang="pl-PL" sz="2400" dirty="0">
               <a:solidFill>
                 <a:srgbClr val="0070C0"/>
               </a:solidFill>
             </a:endParaRPr>
-          </a:p>
-          <a:p>
-            <a:pPr marL="285750" indent="-285750">
-              <a:buFont typeface="Arial" panose="020B0604020202020204" pitchFamily="34" charset="0"/>
-              <a:buChar char="•"/>
-            </a:pPr>
-            <a:r>
-              <a:rPr lang="en-GB" sz="2400" dirty="0">
-                <a:solidFill>
-                  <a:srgbClr val="0070C0"/>
-                </a:solidFill>
-              </a:rPr>
-              <a:t>The values behind the means, standard deviations and other measures reported</a:t>
-            </a:r>
-          </a:p>
-          <a:p>
-            <a:pPr marL="285750" indent="-285750">
-              <a:buFont typeface="Arial" panose="020B0604020202020204" pitchFamily="34" charset="0"/>
-              <a:buChar char="•"/>
-            </a:pPr>
-            <a:r>
-              <a:rPr lang="en-GB" sz="2400" dirty="0">
-                <a:solidFill>
-                  <a:srgbClr val="0070C0"/>
-                </a:solidFill>
-              </a:rPr>
-              <a:t>The values used to build graphs</a:t>
-            </a:r>
-          </a:p>
-          <a:p>
-            <a:pPr marL="285750" indent="-285750">
-              <a:buFont typeface="Arial" panose="020B0604020202020204" pitchFamily="34" charset="0"/>
-              <a:buChar char="•"/>
-            </a:pPr>
-            <a:r>
-              <a:rPr lang="en-GB" sz="2400" dirty="0">
-                <a:solidFill>
-                  <a:srgbClr val="0070C0"/>
-                </a:solidFill>
-              </a:rPr>
-              <a:t>The points extracted from images for analysis.</a:t>
-            </a:r>
-          </a:p>
-          <a:p>
-            <a:endParaRPr lang="pl-PL" sz="2400" dirty="0">
-              <a:solidFill>
-                <a:srgbClr val="0070C0"/>
-              </a:solidFill>
-            </a:endParaRPr>
-          </a:p>
-          <a:p>
-            <a:r>
-              <a:rPr lang="pl-PL" sz="2400" dirty="0">
-                <a:solidFill>
-                  <a:srgbClr val="0070C0"/>
-                </a:solidFill>
-              </a:rPr>
-              <a:t>(no need for </a:t>
-            </a:r>
-            <a:r>
-              <a:rPr lang="en-GB" sz="2400" dirty="0">
-                <a:solidFill>
-                  <a:srgbClr val="0070C0"/>
-                </a:solidFill>
-              </a:rPr>
-              <a:t>raw data if the standard in the field is to share data that have been processed</a:t>
-            </a:r>
-            <a:r>
-              <a:rPr lang="pl-PL" sz="2400" dirty="0">
-                <a:solidFill>
-                  <a:srgbClr val="0070C0"/>
-                </a:solidFill>
-              </a:rPr>
-              <a:t>)</a:t>
-            </a:r>
-          </a:p>
-          <a:p>
-            <a:endParaRPr lang="pl-PL" sz="2400" dirty="0">
-              <a:solidFill>
-                <a:srgbClr val="0070C0"/>
-              </a:solidFill>
-            </a:endParaRPr>
-          </a:p>
-          <a:p>
-            <a:endParaRPr lang="pl-PL" sz="2400" dirty="0">
-              <a:solidFill>
-                <a:srgbClr val="0070C0"/>
-              </a:solidFill>
-            </a:endParaRPr>
-          </a:p>
-          <a:p>
-            <a:r>
-              <a:rPr lang="en-GB" sz="2400" dirty="0">
-                <a:solidFill>
-                  <a:srgbClr val="0070C0"/>
-                </a:solidFill>
-              </a:rPr>
-              <a:t>https://journals.plos.org/plosbiology/s/data-availability</a:t>
-            </a:r>
           </a:p>
         </p:txBody>
       </p:sp>
@@ -5364,7 +5385,7 @@
                   <a:srgbClr val="0070C0"/>
                 </a:solidFill>
               </a:rPr>
-              <a:t>Minimal data set (after PLOS)</a:t>
+              <a:t>Domain specific repositories</a:t>
             </a:r>
             <a:endParaRPr lang="en-GB" dirty="0">
               <a:solidFill>
@@ -5377,7 +5398,7 @@
     </p:spTree>
     <p:extLst>
       <p:ext uri="{BB962C8B-B14F-4D97-AF65-F5344CB8AC3E}">
-        <p14:creationId xmlns:p14="http://schemas.microsoft.com/office/powerpoint/2010/main" val="757247184"/>
+        <p14:creationId xmlns:p14="http://schemas.microsoft.com/office/powerpoint/2010/main" val="1646562172"/>
       </p:ext>
     </p:extLst>
   </p:cSld>
@@ -5453,144 +5474,6 @@
       </p:pic>
       <p:sp>
         <p:nvSpPr>
-          <p:cNvPr id="2" name="Rectangle 1"/>
-          <p:cNvSpPr/>
-          <p:nvPr/>
-        </p:nvSpPr>
-        <p:spPr>
-          <a:xfrm>
-            <a:off x="742384" y="2064189"/>
-            <a:ext cx="10981854" cy="2677656"/>
-          </a:xfrm>
-          <a:prstGeom prst="rect">
-            <a:avLst/>
-          </a:prstGeom>
-        </p:spPr>
-        <p:txBody>
-          <a:bodyPr wrap="square">
-            <a:spAutoFit/>
-          </a:bodyPr>
-          <a:lstStyle/>
-          <a:p>
-            <a:pPr marL="285750" indent="-285750">
-              <a:buFont typeface="Arial" panose="020B0604020202020204" pitchFamily="34" charset="0"/>
-              <a:buChar char="•"/>
-            </a:pPr>
-            <a:r>
-              <a:rPr lang="en-GB" sz="2400" dirty="0">
-                <a:solidFill>
-                  <a:srgbClr val="0070C0"/>
-                </a:solidFill>
-              </a:rPr>
-              <a:t>Higher exposure</a:t>
-            </a:r>
-            <a:endParaRPr lang="pl-PL" sz="2400" dirty="0">
-              <a:solidFill>
-                <a:srgbClr val="0070C0"/>
-              </a:solidFill>
-            </a:endParaRPr>
-          </a:p>
-          <a:p>
-            <a:pPr marL="285750" indent="-285750">
-              <a:buFont typeface="Arial" panose="020B0604020202020204" pitchFamily="34" charset="0"/>
-              <a:buChar char="•"/>
-            </a:pPr>
-            <a:r>
-              <a:rPr lang="pl-PL" sz="2400" dirty="0">
-                <a:solidFill>
-                  <a:srgbClr val="0070C0"/>
-                </a:solidFill>
-              </a:rPr>
-              <a:t>Data specific features (e.g. Visulization)</a:t>
-            </a:r>
-          </a:p>
-          <a:p>
-            <a:pPr marL="285750" indent="-285750">
-              <a:buFont typeface="Arial" panose="020B0604020202020204" pitchFamily="34" charset="0"/>
-              <a:buChar char="•"/>
-            </a:pPr>
-            <a:r>
-              <a:rPr lang="pl-PL" sz="2400" dirty="0">
-                <a:solidFill>
-                  <a:srgbClr val="0070C0"/>
-                </a:solidFill>
-              </a:rPr>
-              <a:t>Enforced minimal metadata</a:t>
-            </a:r>
-          </a:p>
-          <a:p>
-            <a:pPr marL="285750" indent="-285750">
-              <a:buFont typeface="Arial" panose="020B0604020202020204" pitchFamily="34" charset="0"/>
-              <a:buChar char="•"/>
-            </a:pPr>
-            <a:r>
-              <a:rPr lang="pl-PL" sz="2400" dirty="0">
-                <a:solidFill>
-                  <a:srgbClr val="0070C0"/>
-                </a:solidFill>
-              </a:rPr>
-              <a:t>API for data retrival / agregation /searching</a:t>
-            </a:r>
-          </a:p>
-          <a:p>
-            <a:pPr marL="285750" indent="-285750">
-              <a:buFont typeface="Arial" panose="020B0604020202020204" pitchFamily="34" charset="0"/>
-              <a:buChar char="•"/>
-            </a:pPr>
-            <a:r>
-              <a:rPr lang="pl-PL" sz="2400" dirty="0">
-                <a:solidFill>
-                  <a:srgbClr val="0070C0"/>
-                </a:solidFill>
-              </a:rPr>
-              <a:t>Curated data</a:t>
-            </a:r>
-          </a:p>
-          <a:p>
-            <a:pPr marL="285750" indent="-285750">
-              <a:buFont typeface="Arial" panose="020B0604020202020204" pitchFamily="34" charset="0"/>
-              <a:buChar char="•"/>
-            </a:pPr>
-            <a:r>
-              <a:rPr lang="pl-PL" sz="2400" dirty="0">
-                <a:solidFill>
-                  <a:srgbClr val="0070C0"/>
-                </a:solidFill>
-              </a:rPr>
-              <a:t>Better searching</a:t>
-            </a:r>
-          </a:p>
-          <a:p>
-            <a:pPr marL="285750" indent="-285750">
-              <a:buFont typeface="Arial" panose="020B0604020202020204" pitchFamily="34" charset="0"/>
-              <a:buChar char="•"/>
-            </a:pPr>
-            <a:r>
-              <a:rPr lang="pl-PL" sz="2400" dirty="0">
-                <a:solidFill>
-                  <a:srgbClr val="0070C0"/>
-                </a:solidFill>
-              </a:rPr>
-              <a:t>Interlinking between data </a:t>
-            </a:r>
-            <a:r>
-              <a:rPr lang="pl-PL" sz="2400" dirty="0" err="1">
-                <a:solidFill>
-                  <a:srgbClr val="0070C0"/>
-                </a:solidFill>
-              </a:rPr>
-              <a:t>types</a:t>
-            </a:r>
-            <a:endParaRPr lang="pl-PL" sz="2400" dirty="0">
-              <a:solidFill>
-                <a:srgbClr val="0070C0"/>
-              </a:solidFill>
-            </a:endParaRPr>
-          </a:p>
-        </p:txBody>
-      </p:sp>
-      <p:sp>
-        <p:nvSpPr>
           <p:cNvPr id="5" name="Title 1">
             <a:extLst>
               <a:ext uri="{FF2B5EF4-FFF2-40B4-BE49-F238E27FC236}">
@@ -5631,10 +5514,67 @@
           </a:p>
         </p:txBody>
       </p:sp>
+      <p:sp>
+        <p:nvSpPr>
+          <p:cNvPr id="6" name="Rectangle 5"/>
+          <p:cNvSpPr/>
+          <p:nvPr/>
+        </p:nvSpPr>
+        <p:spPr>
+          <a:xfrm>
+            <a:off x="605073" y="1977256"/>
+            <a:ext cx="10981854" cy="1323439"/>
+          </a:xfrm>
+          <a:prstGeom prst="rect">
+            <a:avLst/>
+          </a:prstGeom>
+        </p:spPr>
+        <p:txBody>
+          <a:bodyPr wrap="square">
+            <a:spAutoFit/>
+          </a:bodyPr>
+          <a:lstStyle/>
+          <a:p>
+            <a:pPr algn="ctr"/>
+            <a:r>
+              <a:rPr lang="pl-PL" sz="4000" dirty="0">
+                <a:solidFill>
+                  <a:srgbClr val="0070C0"/>
+                </a:solidFill>
+              </a:rPr>
+              <a:t>Exercise</a:t>
+            </a:r>
+            <a:r>
+              <a:rPr lang="en-GB" sz="4000" dirty="0">
+                <a:solidFill>
+                  <a:srgbClr val="0070C0"/>
+                </a:solidFill>
+              </a:rPr>
+              <a:t> 3</a:t>
+            </a:r>
+            <a:endParaRPr lang="pl-PL" sz="4000" dirty="0">
+              <a:solidFill>
+                <a:srgbClr val="0070C0"/>
+              </a:solidFill>
+            </a:endParaRPr>
+          </a:p>
+          <a:p>
+            <a:pPr marL="285750" indent="-285750" algn="ctr">
+              <a:buFont typeface="Arial" panose="020B0604020202020204" pitchFamily="34" charset="0"/>
+              <a:buChar char="•"/>
+            </a:pPr>
+            <a:endParaRPr lang="en-GB" sz="4000" dirty="0">
+              <a:solidFill>
+                <a:srgbClr val="0070C0"/>
+              </a:solidFill>
+            </a:endParaRPr>
+          </a:p>
+        </p:txBody>
+      </p:sp>
     </p:spTree>
     <p:extLst>
       <p:ext uri="{BB962C8B-B14F-4D97-AF65-F5344CB8AC3E}">
-        <p14:creationId xmlns:p14="http://schemas.microsoft.com/office/powerpoint/2010/main" val="1646562172"/>
+        <p14:creationId xmlns:p14="http://schemas.microsoft.com/office/powerpoint/2010/main" val="4258755406"/>
       </p:ext>
     </p:extLst>
   </p:cSld>
@@ -5661,156 +5601,176 @@
           <a:chExt cx="0" cy="0"/>
         </a:xfrm>
       </p:grpSpPr>
-      <p:pic>
-        <p:nvPicPr>
-          <p:cNvPr id="4" name="Picture 2" descr="Ed_DaSH">
-            <a:extLst>
-              <a:ext uri="{FF2B5EF4-FFF2-40B4-BE49-F238E27FC236}">
-                <a16:creationId xmlns:a16="http://schemas.microsoft.com/office/drawing/2014/main" id="{A783256F-E39E-4712-96B0-240BD611CFEB}"/>
-              </a:ext>
-            </a:extLst>
-          </p:cNvPr>
-          <p:cNvPicPr>
-            <a:picLocks noChangeAspect="1" noChangeArrowheads="1"/>
-          </p:cNvPicPr>
+      <p:sp>
+        <p:nvSpPr>
+          <p:cNvPr id="4" name="Title 1">
+            <a:extLst>
+              <a:ext uri="{FF2B5EF4-FFF2-40B4-BE49-F238E27FC236}">
+                <a16:creationId xmlns:a16="http://schemas.microsoft.com/office/drawing/2014/main" id="{A11E7DE7-A0AD-425E-8044-DF65BF838ED7}"/>
+              </a:ext>
+            </a:extLst>
+          </p:cNvPr>
+          <p:cNvSpPr txBox="1">
+            <a:spLocks/>
+          </p:cNvSpPr>
           <p:nvPr/>
-        </p:nvPicPr>
-        <p:blipFill>
-          <a:blip r:embed="rId2" cstate="hqprint">
-            <a:extLst>
-              <a:ext uri="{28A0092B-C50C-407E-A947-70E740481C1C}">
-                <a14:useLocalDpi xmlns:a14="http://schemas.microsoft.com/office/drawing/2010/main" val="0"/>
-              </a:ext>
-            </a:extLst>
-          </a:blip>
-          <a:srcRect/>
-          <a:stretch>
-            <a:fillRect/>
-          </a:stretch>
-        </p:blipFill>
-        <p:spPr bwMode="auto">
-          <a:xfrm>
-            <a:off x="10820670" y="5458691"/>
-            <a:ext cx="1289214" cy="1325418"/>
-          </a:xfrm>
-          <a:prstGeom prst="rect">
-            <a:avLst/>
-          </a:prstGeom>
-          <a:noFill/>
-          <a:extLst>
-            <a:ext uri="{909E8E84-426E-40DD-AFC4-6F175D3DCCD1}">
-              <a14:hiddenFill xmlns:a14="http://schemas.microsoft.com/office/drawing/2010/main">
-                <a:solidFill>
-                  <a:srgbClr val="FFFFFF"/>
-                </a:solidFill>
-              </a14:hiddenFill>
-            </a:ext>
-          </a:extLst>
-        </p:spPr>
-      </p:pic>
-      <p:sp>
-        <p:nvSpPr>
-          <p:cNvPr id="5" name="Title 1">
-            <a:extLst>
-              <a:ext uri="{FF2B5EF4-FFF2-40B4-BE49-F238E27FC236}">
-                <a16:creationId xmlns:a16="http://schemas.microsoft.com/office/drawing/2014/main" id="{775BFE92-9990-4094-B7B2-01514614F16E}"/>
-              </a:ext>
-            </a:extLst>
-          </p:cNvPr>
-          <p:cNvSpPr>
-            <a:spLocks noGrp="1"/>
-          </p:cNvSpPr>
-          <p:nvPr>
-            <p:ph type="title"/>
-          </p:nvPr>
         </p:nvSpPr>
         <p:spPr>
           <a:xfrm>
-            <a:off x="838200" y="365125"/>
+            <a:off x="990600" y="517525"/>
             <a:ext cx="10515600" cy="1325563"/>
-          </a:xfrm>
-        </p:spPr>
-        <p:txBody>
-          <a:bodyPr/>
-          <a:lstStyle/>
-          <a:p>
-            <a:r>
-              <a:rPr lang="pl-PL" dirty="0">
-                <a:solidFill>
-                  <a:srgbClr val="0070C0"/>
-                </a:solidFill>
-              </a:rPr>
-              <a:t>Domain specific repositories</a:t>
-            </a:r>
-            <a:endParaRPr lang="en-GB" dirty="0">
-              <a:solidFill>
-                <a:srgbClr val="0070C0"/>
-              </a:solidFill>
-            </a:endParaRPr>
-          </a:p>
-        </p:txBody>
-      </p:sp>
-      <p:sp>
-        <p:nvSpPr>
-          <p:cNvPr id="6" name="Rectangle 5"/>
-          <p:cNvSpPr/>
-          <p:nvPr/>
-        </p:nvSpPr>
-        <p:spPr>
-          <a:xfrm>
-            <a:off x="605073" y="1977256"/>
-            <a:ext cx="10981854" cy="1323439"/>
           </a:xfrm>
           <a:prstGeom prst="rect">
             <a:avLst/>
           </a:prstGeom>
         </p:spPr>
         <p:txBody>
+          <a:bodyPr vert="horz" lIns="91440" tIns="45720" rIns="91440" bIns="45720" rtlCol="0" anchor="ctr">
+            <a:normAutofit/>
+          </a:bodyPr>
+          <a:lstStyle>
+            <a:lvl1pPr algn="l" defTabSz="914400" rtl="0" eaLnBrk="1" latinLnBrk="0" hangingPunct="1">
+              <a:lnSpc>
+                <a:spcPct val="90000"/>
+              </a:lnSpc>
+              <a:spcBef>
+                <a:spcPct val="0"/>
+              </a:spcBef>
+              <a:buNone/>
+              <a:defRPr sz="4400" kern="1200">
+                <a:solidFill>
+                  <a:srgbClr val="0070C0"/>
+                </a:solidFill>
+                <a:latin typeface="+mj-lt"/>
+                <a:ea typeface="+mj-ea"/>
+                <a:cs typeface="+mj-cs"/>
+              </a:defRPr>
+            </a:lvl1pPr>
+          </a:lstStyle>
+          <a:p>
+            <a:r>
+              <a:rPr lang="pl-PL" dirty="0"/>
+              <a:t>Dataset discovery</a:t>
+            </a:r>
+            <a:r>
+              <a:rPr lang="en-GB" dirty="0"/>
+              <a:t> - Solution</a:t>
+            </a:r>
+          </a:p>
+        </p:txBody>
+      </p:sp>
+      <p:sp>
+        <p:nvSpPr>
+          <p:cNvPr id="5" name="TextBox 4">
+            <a:extLst>
+              <a:ext uri="{FF2B5EF4-FFF2-40B4-BE49-F238E27FC236}">
+                <a16:creationId xmlns:a16="http://schemas.microsoft.com/office/drawing/2014/main" id="{1C55261F-33BF-4ECB-A99F-446565AB2E20}"/>
+              </a:ext>
+            </a:extLst>
+          </p:cNvPr>
+          <p:cNvSpPr txBox="1"/>
+          <p:nvPr/>
+        </p:nvSpPr>
+        <p:spPr>
+          <a:xfrm>
+            <a:off x="1168958" y="2209850"/>
+            <a:ext cx="10158884" cy="2805063"/>
+          </a:xfrm>
+          <a:prstGeom prst="rect">
+            <a:avLst/>
+          </a:prstGeom>
+          <a:solidFill>
+            <a:schemeClr val="accent1">
+              <a:lumMod val="20000"/>
+              <a:lumOff val="80000"/>
+            </a:schemeClr>
+          </a:solidFill>
+        </p:spPr>
+        <p:txBody>
           <a:bodyPr wrap="square">
             <a:spAutoFit/>
           </a:bodyPr>
           <a:lstStyle/>
           <a:p>
-            <a:pPr algn="ctr"/>
-            <a:r>
-              <a:rPr lang="pl-PL" sz="4000" dirty="0">
-                <a:solidFill>
-                  <a:srgbClr val="0070C0"/>
-                </a:solidFill>
-              </a:rPr>
-              <a:t>Exercise</a:t>
-            </a:r>
-            <a:r>
-              <a:rPr lang="en-GB" sz="4000" dirty="0">
-                <a:solidFill>
-                  <a:srgbClr val="0070C0"/>
-                </a:solidFill>
-              </a:rPr>
-              <a:t> 3</a:t>
-            </a:r>
-            <a:endParaRPr lang="pl-PL" sz="4000" dirty="0">
-              <a:solidFill>
-                <a:srgbClr val="0070C0"/>
-              </a:solidFill>
-            </a:endParaRPr>
-          </a:p>
-          <a:p>
-            <a:pPr marL="285750" indent="-285750" algn="ctr">
+            <a:pPr algn="l">
+              <a:lnSpc>
+                <a:spcPct val="150000"/>
+              </a:lnSpc>
+            </a:pPr>
+            <a:r>
+              <a:rPr lang="en-GB" sz="2400" b="1" i="0" dirty="0">
+                <a:solidFill>
+                  <a:srgbClr val="333333"/>
+                </a:solidFill>
+                <a:effectLst/>
+                <a:latin typeface="Ubuntu"/>
+              </a:rPr>
+              <a:t>Some advantages are:</a:t>
+            </a:r>
+          </a:p>
+          <a:p>
+            <a:pPr algn="l">
+              <a:lnSpc>
+                <a:spcPct val="150000"/>
+              </a:lnSpc>
               <a:buFont typeface="Arial" panose="020B0604020202020204" pitchFamily="34" charset="0"/>
               <a:buChar char="•"/>
             </a:pPr>
-            <a:endParaRPr lang="en-GB" sz="4000" dirty="0">
-              <a:solidFill>
-                <a:srgbClr val="0070C0"/>
-              </a:solidFill>
-            </a:endParaRPr>
+            <a:r>
+              <a:rPr lang="en-GB" sz="2400" b="0" i="0" dirty="0">
+                <a:solidFill>
+                  <a:srgbClr val="333333"/>
+                </a:solidFill>
+                <a:effectLst/>
+                <a:latin typeface="Ubuntu"/>
+              </a:rPr>
+              <a:t>The repository is more relevant to your discipline than a generalist one.</a:t>
+            </a:r>
+          </a:p>
+          <a:p>
+            <a:pPr algn="l">
+              <a:lnSpc>
+                <a:spcPct val="150000"/>
+              </a:lnSpc>
+              <a:buFont typeface="Arial" panose="020B0604020202020204" pitchFamily="34" charset="0"/>
+              <a:buChar char="•"/>
+            </a:pPr>
+            <a:r>
+              <a:rPr lang="en-GB" sz="2400" b="0" i="0" dirty="0">
+                <a:solidFill>
+                  <a:srgbClr val="333333"/>
+                </a:solidFill>
+                <a:effectLst/>
+                <a:latin typeface="Ubuntu"/>
+              </a:rPr>
+              <a:t>Higher exposure (people looking for those specific types of data will usually first look at the specific repository).</a:t>
+            </a:r>
+          </a:p>
+          <a:p>
+            <a:pPr algn="l">
+              <a:lnSpc>
+                <a:spcPct val="150000"/>
+              </a:lnSpc>
+              <a:buFont typeface="Arial" panose="020B0604020202020204" pitchFamily="34" charset="0"/>
+              <a:buChar char="•"/>
+            </a:pPr>
+            <a:r>
+              <a:rPr lang="en-GB" sz="2400" b="0" i="0" dirty="0">
+                <a:solidFill>
+                  <a:srgbClr val="333333"/>
+                </a:solidFill>
+                <a:effectLst/>
+                <a:latin typeface="Ubuntu"/>
+              </a:rPr>
+              <a:t>Higher number of citations (see above).</a:t>
+            </a:r>
           </a:p>
         </p:txBody>
       </p:sp>
     </p:spTree>
     <p:extLst>
       <p:ext uri="{BB962C8B-B14F-4D97-AF65-F5344CB8AC3E}">
-        <p14:creationId xmlns:p14="http://schemas.microsoft.com/office/powerpoint/2010/main" val="4258755406"/>
+        <p14:creationId xmlns:p14="http://schemas.microsoft.com/office/powerpoint/2010/main" val="1656222730"/>
       </p:ext>
     </p:extLst>
   </p:cSld>
@@ -5839,174 +5799,366 @@
       </p:grpSpPr>
       <p:sp>
         <p:nvSpPr>
-          <p:cNvPr id="4" name="Title 1">
-            <a:extLst>
-              <a:ext uri="{FF2B5EF4-FFF2-40B4-BE49-F238E27FC236}">
-                <a16:creationId xmlns:a16="http://schemas.microsoft.com/office/drawing/2014/main" id="{A11E7DE7-A0AD-425E-8044-DF65BF838ED7}"/>
-              </a:ext>
-            </a:extLst>
-          </p:cNvPr>
-          <p:cNvSpPr txBox="1">
-            <a:spLocks/>
-          </p:cNvSpPr>
+          <p:cNvPr id="2" name="Rectangle 1"/>
+          <p:cNvSpPr/>
           <p:nvPr/>
         </p:nvSpPr>
         <p:spPr>
           <a:xfrm>
-            <a:off x="990600" y="517525"/>
-            <a:ext cx="10515600" cy="1325563"/>
+            <a:off x="838200" y="1483424"/>
+            <a:ext cx="10981854" cy="4708981"/>
           </a:xfrm>
           <a:prstGeom prst="rect">
             <a:avLst/>
           </a:prstGeom>
         </p:spPr>
         <p:txBody>
-          <a:bodyPr vert="horz" lIns="91440" tIns="45720" rIns="91440" bIns="45720" rtlCol="0" anchor="ctr">
-            <a:normAutofit/>
-          </a:bodyPr>
-          <a:lstStyle>
-            <a:lvl1pPr algn="l" defTabSz="914400" rtl="0" eaLnBrk="1" latinLnBrk="0" hangingPunct="1">
-              <a:lnSpc>
-                <a:spcPct val="90000"/>
-              </a:lnSpc>
-              <a:spcBef>
-                <a:spcPct val="0"/>
-              </a:spcBef>
-              <a:buNone/>
-              <a:defRPr sz="4400" kern="1200">
-                <a:solidFill>
-                  <a:srgbClr val="0070C0"/>
-                </a:solidFill>
-                <a:latin typeface="+mj-lt"/>
-                <a:ea typeface="+mj-ea"/>
-                <a:cs typeface="+mj-cs"/>
-              </a:defRPr>
-            </a:lvl1pPr>
-          </a:lstStyle>
-          <a:p>
-            <a:r>
-              <a:rPr lang="pl-PL" dirty="0"/>
-              <a:t>Dataset discovery</a:t>
-            </a:r>
-            <a:r>
-              <a:rPr lang="en-GB" dirty="0"/>
-              <a:t> - Solution</a:t>
-            </a:r>
-          </a:p>
-        </p:txBody>
-      </p:sp>
-      <p:sp>
-        <p:nvSpPr>
-          <p:cNvPr id="5" name="TextBox 4">
-            <a:extLst>
-              <a:ext uri="{FF2B5EF4-FFF2-40B4-BE49-F238E27FC236}">
-                <a16:creationId xmlns:a16="http://schemas.microsoft.com/office/drawing/2014/main" id="{1C55261F-33BF-4ECB-A99F-446565AB2E20}"/>
-              </a:ext>
-            </a:extLst>
-          </p:cNvPr>
-          <p:cNvSpPr txBox="1"/>
-          <p:nvPr/>
-        </p:nvSpPr>
-        <p:spPr>
-          <a:xfrm>
-            <a:off x="1168958" y="2209850"/>
-            <a:ext cx="10158884" cy="2805063"/>
-          </a:xfrm>
-          <a:prstGeom prst="rect">
-            <a:avLst/>
-          </a:prstGeom>
-          <a:solidFill>
-            <a:schemeClr val="accent1">
-              <a:lumMod val="20000"/>
-              <a:lumOff val="80000"/>
-            </a:schemeClr>
-          </a:solidFill>
-        </p:spPr>
-        <p:txBody>
           <a:bodyPr wrap="square">
             <a:spAutoFit/>
           </a:bodyPr>
           <a:lstStyle/>
           <a:p>
-            <a:pPr algn="l">
-              <a:lnSpc>
-                <a:spcPct val="150000"/>
-              </a:lnSpc>
-            </a:pPr>
-            <a:r>
-              <a:rPr lang="en-GB" sz="2400" b="1" i="0" dirty="0">
-                <a:solidFill>
-                  <a:srgbClr val="333333"/>
-                </a:solidFill>
-                <a:effectLst/>
-                <a:latin typeface="Ubuntu"/>
-              </a:rPr>
-              <a:t>Some advantages are:</a:t>
-            </a:r>
-          </a:p>
-          <a:p>
-            <a:pPr algn="l">
-              <a:lnSpc>
-                <a:spcPct val="150000"/>
-              </a:lnSpc>
+            <a:pPr marL="285750" indent="-285750">
               <a:buFont typeface="Arial" panose="020B0604020202020204" pitchFamily="34" charset="0"/>
               <a:buChar char="•"/>
             </a:pPr>
             <a:r>
-              <a:rPr lang="en-GB" sz="2400" b="0" i="0" dirty="0">
-                <a:solidFill>
-                  <a:srgbClr val="333333"/>
-                </a:solidFill>
-                <a:effectLst/>
-                <a:latin typeface="Ubuntu"/>
-              </a:rPr>
-              <a:t>The repository is more relevant to your discipline than a generalist one.</a:t>
-            </a:r>
-          </a:p>
-          <a:p>
-            <a:pPr algn="l">
-              <a:lnSpc>
-                <a:spcPct val="150000"/>
-              </a:lnSpc>
+              <a:rPr lang="en-GB" sz="2000" dirty="0">
+                <a:solidFill>
+                  <a:srgbClr val="0070C0"/>
+                </a:solidFill>
+              </a:rPr>
+              <a:t>[BioMed Central / Springer Nature] - (https://www.springernature.com/gp/authors/research-data-policy/recommended-repositories)</a:t>
+            </a:r>
+          </a:p>
+          <a:p>
+            <a:pPr marL="285750" indent="-285750">
               <a:buFont typeface="Arial" panose="020B0604020202020204" pitchFamily="34" charset="0"/>
               <a:buChar char="•"/>
             </a:pPr>
             <a:r>
-              <a:rPr lang="en-GB" sz="2400" b="0" i="0" dirty="0">
-                <a:solidFill>
-                  <a:srgbClr val="333333"/>
-                </a:solidFill>
-                <a:effectLst/>
-                <a:latin typeface="Ubuntu"/>
-              </a:rPr>
-              <a:t>Higher exposure (people looking for those specific types of data will usually first look at the specific repository).</a:t>
-            </a:r>
-          </a:p>
-          <a:p>
-            <a:pPr algn="l">
-              <a:lnSpc>
-                <a:spcPct val="150000"/>
-              </a:lnSpc>
+              <a:rPr lang="en-GB" sz="2000" dirty="0">
+                <a:solidFill>
+                  <a:srgbClr val="0070C0"/>
+                </a:solidFill>
+              </a:rPr>
+              <a:t>[</a:t>
+            </a:r>
+            <a:r>
+              <a:rPr lang="en-GB" sz="2000" dirty="0" err="1">
+                <a:solidFill>
+                  <a:srgbClr val="0070C0"/>
+                </a:solidFill>
+              </a:rPr>
+              <a:t>eLife</a:t>
+            </a:r>
+            <a:r>
+              <a:rPr lang="en-GB" sz="2000" dirty="0">
+                <a:solidFill>
+                  <a:srgbClr val="0070C0"/>
+                </a:solidFill>
+              </a:rPr>
+              <a:t>] - (https://submit.elifesciences.org/html/elife_author_instructions.html#policies)</a:t>
+            </a:r>
+          </a:p>
+          <a:p>
+            <a:pPr marL="285750" indent="-285750">
               <a:buFont typeface="Arial" panose="020B0604020202020204" pitchFamily="34" charset="0"/>
               <a:buChar char="•"/>
             </a:pPr>
             <a:r>
-              <a:rPr lang="en-GB" sz="2400" b="0" i="0" dirty="0">
-                <a:solidFill>
-                  <a:srgbClr val="333333"/>
-                </a:solidFill>
-                <a:effectLst/>
-                <a:latin typeface="Ubuntu"/>
-              </a:rPr>
-              <a:t>Higher number of citations (see above).</a:t>
-            </a:r>
+              <a:rPr lang="en-GB" sz="2000" dirty="0">
+                <a:solidFill>
+                  <a:srgbClr val="0070C0"/>
+                </a:solidFill>
+              </a:rPr>
+              <a:t>[Elsevier] - (https://www.elsevier.com/about/policies/research-data)</a:t>
+            </a:r>
+          </a:p>
+          <a:p>
+            <a:pPr marL="285750" indent="-285750">
+              <a:buFont typeface="Arial" panose="020B0604020202020204" pitchFamily="34" charset="0"/>
+              <a:buChar char="•"/>
+            </a:pPr>
+            <a:r>
+              <a:rPr lang="en-GB" sz="2000" dirty="0">
+                <a:solidFill>
+                  <a:srgbClr val="0070C0"/>
+                </a:solidFill>
+              </a:rPr>
+              <a:t>[EMBO Press] - (https://www.embopress.org/page/journal/14602075/authorguide#datadeposition)</a:t>
+            </a:r>
+          </a:p>
+          <a:p>
+            <a:pPr marL="285750" indent="-285750">
+              <a:buFont typeface="Arial" panose="020B0604020202020204" pitchFamily="34" charset="0"/>
+              <a:buChar char="•"/>
+            </a:pPr>
+            <a:r>
+              <a:rPr lang="en-GB" sz="2000" dirty="0">
+                <a:solidFill>
+                  <a:srgbClr val="0070C0"/>
+                </a:solidFill>
+              </a:rPr>
+              <a:t>[F1000 Research] - (https://f1000research.com/for-authors/data-guidelines)</a:t>
+            </a:r>
+          </a:p>
+          <a:p>
+            <a:pPr marL="285750" indent="-285750">
+              <a:buFont typeface="Arial" panose="020B0604020202020204" pitchFamily="34" charset="0"/>
+              <a:buChar char="•"/>
+            </a:pPr>
+            <a:r>
+              <a:rPr lang="en-GB" sz="2000" dirty="0">
+                <a:solidFill>
+                  <a:srgbClr val="0070C0"/>
+                </a:solidFill>
+              </a:rPr>
+              <a:t>[</a:t>
+            </a:r>
+            <a:r>
+              <a:rPr lang="en-GB" sz="2000" dirty="0" err="1">
+                <a:solidFill>
+                  <a:srgbClr val="0070C0"/>
+                </a:solidFill>
+              </a:rPr>
+              <a:t>GIGAscience</a:t>
+            </a:r>
+            <a:r>
+              <a:rPr lang="en-GB" sz="2000" dirty="0">
+                <a:solidFill>
+                  <a:srgbClr val="0070C0"/>
+                </a:solidFill>
+              </a:rPr>
+              <a:t> - OUP] - (https://academic.oup.com/gigascience/pages/instructions_to_authors)</a:t>
+            </a:r>
+          </a:p>
+          <a:p>
+            <a:pPr marL="285750" indent="-285750">
+              <a:buFont typeface="Arial" panose="020B0604020202020204" pitchFamily="34" charset="0"/>
+              <a:buChar char="•"/>
+            </a:pPr>
+            <a:r>
+              <a:rPr lang="en-GB" sz="2000" dirty="0">
+                <a:solidFill>
+                  <a:srgbClr val="0070C0"/>
+                </a:solidFill>
+              </a:rPr>
+              <a:t>[</a:t>
+            </a:r>
+            <a:r>
+              <a:rPr lang="en-GB" sz="2000" dirty="0" err="1">
+                <a:solidFill>
+                  <a:srgbClr val="0070C0"/>
+                </a:solidFill>
+              </a:rPr>
+              <a:t>PLoS</a:t>
+            </a:r>
+            <a:r>
+              <a:rPr lang="en-GB" sz="2000" dirty="0">
+                <a:solidFill>
+                  <a:srgbClr val="0070C0"/>
+                </a:solidFill>
+              </a:rPr>
+              <a:t>] - (https://journals.plos.org/plosbiology/s/recommended-repositories)</a:t>
+            </a:r>
+          </a:p>
+          <a:p>
+            <a:pPr marL="285750" indent="-285750">
+              <a:buFont typeface="Arial" panose="020B0604020202020204" pitchFamily="34" charset="0"/>
+              <a:buChar char="•"/>
+            </a:pPr>
+            <a:r>
+              <a:rPr lang="en-GB" sz="2000" dirty="0">
+                <a:solidFill>
+                  <a:srgbClr val="0070C0"/>
+                </a:solidFill>
+              </a:rPr>
+              <a:t>[Scientific Data - Nature] - (https://www.nature.com/sdata/policies/repositories)</a:t>
+            </a:r>
+          </a:p>
+          <a:p>
+            <a:pPr marL="285750" indent="-285750">
+              <a:buFont typeface="Arial" panose="020B0604020202020204" pitchFamily="34" charset="0"/>
+              <a:buChar char="•"/>
+            </a:pPr>
+            <a:r>
+              <a:rPr lang="en-GB" sz="2000" dirty="0">
+                <a:solidFill>
+                  <a:srgbClr val="0070C0"/>
+                </a:solidFill>
+              </a:rPr>
+              <a:t>[Taylor and Francis] - (https://authorservices.taylorandfrancis.com/data-sharing-policies/repositories/)</a:t>
+            </a:r>
+          </a:p>
+          <a:p>
+            <a:pPr marL="285750" indent="-285750">
+              <a:buFont typeface="Arial" panose="020B0604020202020204" pitchFamily="34" charset="0"/>
+              <a:buChar char="•"/>
+            </a:pPr>
+            <a:r>
+              <a:rPr lang="en-GB" sz="2000" dirty="0">
+                <a:solidFill>
+                  <a:srgbClr val="0070C0"/>
+                </a:solidFill>
+              </a:rPr>
+              <a:t>[BBSRC] - (https://bbsrc.ukri.org/research/resources/)</a:t>
+            </a:r>
+          </a:p>
+          <a:p>
+            <a:pPr marL="285750" indent="-285750">
+              <a:buFont typeface="Arial" panose="020B0604020202020204" pitchFamily="34" charset="0"/>
+              <a:buChar char="•"/>
+            </a:pPr>
+            <a:r>
+              <a:rPr lang="en-GB" sz="2000" dirty="0">
+                <a:solidFill>
+                  <a:srgbClr val="0070C0"/>
+                </a:solidFill>
+              </a:rPr>
+              <a:t>[NERC] - (https://nerc.ukri.org/research/sites/environmental-data-service-eds/policy/)</a:t>
+            </a:r>
+          </a:p>
+          <a:p>
+            <a:pPr marL="285750" indent="-285750">
+              <a:buFont typeface="Arial" panose="020B0604020202020204" pitchFamily="34" charset="0"/>
+              <a:buChar char="•"/>
+            </a:pPr>
+            <a:r>
+              <a:rPr lang="en-GB" sz="2000" dirty="0">
+                <a:solidFill>
+                  <a:srgbClr val="0070C0"/>
+                </a:solidFill>
+              </a:rPr>
+              <a:t>[Royal Society] - (https://royalsociety.org/journals/ethics-policies/data-sharing-mining/)</a:t>
+            </a:r>
+          </a:p>
+          <a:p>
+            <a:pPr marL="285750" indent="-285750">
+              <a:buFont typeface="Arial" panose="020B0604020202020204" pitchFamily="34" charset="0"/>
+              <a:buChar char="•"/>
+            </a:pPr>
+            <a:r>
+              <a:rPr lang="en-GB" sz="2000" dirty="0">
+                <a:solidFill>
+                  <a:srgbClr val="0070C0"/>
+                </a:solidFill>
+              </a:rPr>
+              <a:t>[</a:t>
+            </a:r>
+            <a:r>
+              <a:rPr lang="en-GB" sz="2000" dirty="0" err="1">
+                <a:solidFill>
+                  <a:srgbClr val="0070C0"/>
+                </a:solidFill>
+              </a:rPr>
+              <a:t>Wellcome</a:t>
+            </a:r>
+            <a:r>
+              <a:rPr lang="en-GB" sz="2000" dirty="0">
+                <a:solidFill>
+                  <a:srgbClr val="0070C0"/>
+                </a:solidFill>
+              </a:rPr>
+              <a:t> Open Research] - (https://wellcomeopenresearch.org/for-authors/data-guidelines) </a:t>
+            </a:r>
+          </a:p>
+        </p:txBody>
+      </p:sp>
+      <p:sp>
+        <p:nvSpPr>
+          <p:cNvPr id="5" name="Title 1">
+            <a:extLst>
+              <a:ext uri="{FF2B5EF4-FFF2-40B4-BE49-F238E27FC236}">
+                <a16:creationId xmlns:a16="http://schemas.microsoft.com/office/drawing/2014/main" id="{775BFE92-9990-4094-B7B2-01514614F16E}"/>
+              </a:ext>
+            </a:extLst>
+          </p:cNvPr>
+          <p:cNvSpPr>
+            <a:spLocks noGrp="1"/>
+          </p:cNvSpPr>
+          <p:nvPr>
+            <p:ph type="title"/>
+          </p:nvPr>
+        </p:nvSpPr>
+        <p:spPr>
+          <a:xfrm>
+            <a:off x="838200" y="365125"/>
+            <a:ext cx="10515600" cy="1325563"/>
+          </a:xfrm>
+        </p:spPr>
+        <p:txBody>
+          <a:bodyPr/>
+          <a:lstStyle/>
+          <a:p>
+            <a:r>
+              <a:rPr lang="pl-PL" dirty="0" err="1">
+                <a:solidFill>
+                  <a:srgbClr val="0070C0"/>
+                </a:solidFill>
+              </a:rPr>
+              <a:t>Finding</a:t>
+            </a:r>
+            <a:r>
+              <a:rPr lang="pl-PL" dirty="0">
+                <a:solidFill>
+                  <a:srgbClr val="0070C0"/>
+                </a:solidFill>
+              </a:rPr>
+              <a:t> </a:t>
+            </a:r>
+            <a:r>
+              <a:rPr lang="pl-PL" dirty="0" err="1">
+                <a:solidFill>
+                  <a:srgbClr val="0070C0"/>
+                </a:solidFill>
+              </a:rPr>
+              <a:t>repositories</a:t>
+            </a:r>
+            <a:r>
+              <a:rPr lang="pl-PL" dirty="0">
+                <a:solidFill>
+                  <a:srgbClr val="0070C0"/>
+                </a:solidFill>
+              </a:rPr>
+              <a:t> – </a:t>
+            </a:r>
+            <a:r>
+              <a:rPr lang="pl-PL" dirty="0" err="1">
+                <a:solidFill>
+                  <a:srgbClr val="0070C0"/>
+                </a:solidFill>
+              </a:rPr>
+              <a:t>use</a:t>
+            </a:r>
+            <a:r>
+              <a:rPr lang="pl-PL" dirty="0">
+                <a:solidFill>
+                  <a:srgbClr val="0070C0"/>
+                </a:solidFill>
+              </a:rPr>
+              <a:t> </a:t>
+            </a:r>
+            <a:r>
+              <a:rPr lang="pl-PL" dirty="0" err="1">
+                <a:solidFill>
+                  <a:srgbClr val="0070C0"/>
+                </a:solidFill>
+              </a:rPr>
+              <a:t>recommendations</a:t>
+            </a:r>
+            <a:endParaRPr lang="en-GB" dirty="0">
+              <a:solidFill>
+                <a:srgbClr val="0070C0"/>
+              </a:solidFill>
+            </a:endParaRPr>
           </a:p>
         </p:txBody>
       </p:sp>
     </p:spTree>
     <p:extLst>
       <p:ext uri="{BB962C8B-B14F-4D97-AF65-F5344CB8AC3E}">
-        <p14:creationId xmlns:p14="http://schemas.microsoft.com/office/powerpoint/2010/main" val="1656222730"/>
+        <p14:creationId xmlns:p14="http://schemas.microsoft.com/office/powerpoint/2010/main" val="2392727602"/>
       </p:ext>
     </p:extLst>
   </p:cSld>
@@ -6041,8 +6193,8 @@
         </p:nvSpPr>
         <p:spPr>
           <a:xfrm>
-            <a:off x="838200" y="1483424"/>
-            <a:ext cx="10981854" cy="4708981"/>
+            <a:off x="742384" y="2064189"/>
+            <a:ext cx="10981854" cy="3785652"/>
           </a:xfrm>
           <a:prstGeom prst="rect">
             <a:avLst/>
@@ -6054,250 +6206,130 @@
           </a:bodyPr>
           <a:lstStyle/>
           <a:p>
-            <a:pPr marL="285750" indent="-285750">
+            <a:r>
+              <a:rPr lang="en-GB" sz="2400" dirty="0">
+                <a:solidFill>
+                  <a:srgbClr val="0070C0"/>
+                </a:solidFill>
+              </a:rPr>
+              <a:t>-</a:t>
+            </a:r>
+            <a:r>
+              <a:rPr lang="pl-PL" sz="2400" dirty="0">
+                <a:solidFill>
+                  <a:srgbClr val="0070C0"/>
+                </a:solidFill>
+              </a:rPr>
+              <a:t>FAIRSharing.org – search engine</a:t>
+            </a:r>
+          </a:p>
+          <a:p>
+            <a:endParaRPr lang="pl-PL" sz="2400" dirty="0">
+              <a:solidFill>
+                <a:srgbClr val="0070C0"/>
+              </a:solidFill>
+            </a:endParaRPr>
+          </a:p>
+          <a:p>
+            <a:pPr marL="342900" indent="-342900">
               <a:buFont typeface="Arial" panose="020B0604020202020204" pitchFamily="34" charset="0"/>
               <a:buChar char="•"/>
             </a:pPr>
             <a:r>
-              <a:rPr lang="en-GB" sz="2000" dirty="0">
-                <a:solidFill>
-                  <a:srgbClr val="0070C0"/>
-                </a:solidFill>
-              </a:rPr>
-              <a:t>[BioMed Central / Springer Nature] - (https://www.springernature.com/gp/authors/research-data-policy/recommended-repositories)</a:t>
-            </a:r>
-          </a:p>
-          <a:p>
-            <a:pPr marL="285750" indent="-285750">
+              <a:rPr lang="pl-PL" sz="2400" dirty="0">
+                <a:solidFill>
+                  <a:srgbClr val="0070C0"/>
+                </a:solidFill>
+              </a:rPr>
+              <a:t>Repositories</a:t>
+            </a:r>
+          </a:p>
+          <a:p>
+            <a:pPr marL="342900" indent="-342900">
               <a:buFont typeface="Arial" panose="020B0604020202020204" pitchFamily="34" charset="0"/>
               <a:buChar char="•"/>
             </a:pPr>
             <a:r>
-              <a:rPr lang="en-GB" sz="2000" dirty="0">
-                <a:solidFill>
-                  <a:srgbClr val="0070C0"/>
-                </a:solidFill>
-              </a:rPr>
-              <a:t>[</a:t>
-            </a:r>
-            <a:r>
-              <a:rPr lang="en-GB" sz="2000" dirty="0" err="1">
-                <a:solidFill>
-                  <a:srgbClr val="0070C0"/>
-                </a:solidFill>
-              </a:rPr>
-              <a:t>eLife</a:t>
-            </a:r>
-            <a:r>
-              <a:rPr lang="en-GB" sz="2000" dirty="0">
-                <a:solidFill>
-                  <a:srgbClr val="0070C0"/>
-                </a:solidFill>
-              </a:rPr>
-              <a:t>] - (https://submit.elifesciences.org/html/elife_author_instructions.html#policies)</a:t>
-            </a:r>
-          </a:p>
-          <a:p>
-            <a:pPr marL="285750" indent="-285750">
+              <a:rPr lang="pl-PL" sz="2400" dirty="0">
+                <a:solidFill>
+                  <a:srgbClr val="0070C0"/>
+                </a:solidFill>
+              </a:rPr>
+              <a:t>Data standards</a:t>
+            </a:r>
+          </a:p>
+          <a:p>
+            <a:pPr marL="342900" indent="-342900">
               <a:buFont typeface="Arial" panose="020B0604020202020204" pitchFamily="34" charset="0"/>
               <a:buChar char="•"/>
             </a:pPr>
             <a:r>
-              <a:rPr lang="en-GB" sz="2000" dirty="0">
-                <a:solidFill>
-                  <a:srgbClr val="0070C0"/>
-                </a:solidFill>
-              </a:rPr>
-              <a:t>[Elsevier] - (https://www.elsevier.com/about/policies/research-data)</a:t>
+              <a:rPr lang="pl-PL" sz="2400" dirty="0">
+                <a:solidFill>
+                  <a:srgbClr val="0070C0"/>
+                </a:solidFill>
+              </a:rPr>
+              <a:t>Policies</a:t>
             </a:r>
           </a:p>
           <a:p>
             <a:pPr marL="285750" indent="-285750">
-              <a:buFont typeface="Arial" panose="020B0604020202020204" pitchFamily="34" charset="0"/>
-              <a:buChar char="•"/>
+              <a:buFontTx/>
+              <a:buChar char="-"/>
             </a:pPr>
-            <a:r>
-              <a:rPr lang="en-GB" sz="2000" dirty="0">
-                <a:solidFill>
-                  <a:srgbClr val="0070C0"/>
-                </a:solidFill>
-              </a:rPr>
-              <a:t>[EMBO Press] - (https://www.embopress.org/page/journal/14602075/authorguide#datadeposition)</a:t>
-            </a:r>
-          </a:p>
-          <a:p>
-            <a:pPr marL="285750" indent="-285750">
-              <a:buFont typeface="Arial" panose="020B0604020202020204" pitchFamily="34" charset="0"/>
-              <a:buChar char="•"/>
-            </a:pPr>
-            <a:r>
-              <a:rPr lang="en-GB" sz="2000" dirty="0">
-                <a:solidFill>
-                  <a:srgbClr val="0070C0"/>
-                </a:solidFill>
-              </a:rPr>
-              <a:t>[F1000 Research] - (https://f1000research.com/for-authors/data-guidelines)</a:t>
-            </a:r>
-          </a:p>
-          <a:p>
-            <a:pPr marL="285750" indent="-285750">
-              <a:buFont typeface="Arial" panose="020B0604020202020204" pitchFamily="34" charset="0"/>
-              <a:buChar char="•"/>
-            </a:pPr>
-            <a:r>
-              <a:rPr lang="en-GB" sz="2000" dirty="0">
-                <a:solidFill>
-                  <a:srgbClr val="0070C0"/>
-                </a:solidFill>
-              </a:rPr>
-              <a:t>[</a:t>
-            </a:r>
-            <a:r>
-              <a:rPr lang="en-GB" sz="2000" dirty="0" err="1">
-                <a:solidFill>
-                  <a:srgbClr val="0070C0"/>
-                </a:solidFill>
-              </a:rPr>
-              <a:t>GIGAscience</a:t>
-            </a:r>
-            <a:r>
-              <a:rPr lang="en-GB" sz="2000" dirty="0">
-                <a:solidFill>
-                  <a:srgbClr val="0070C0"/>
-                </a:solidFill>
-              </a:rPr>
-              <a:t> - OUP] - (https://academic.oup.com/gigascience/pages/instructions_to_authors)</a:t>
-            </a:r>
-          </a:p>
-          <a:p>
-            <a:pPr marL="285750" indent="-285750">
-              <a:buFont typeface="Arial" panose="020B0604020202020204" pitchFamily="34" charset="0"/>
-              <a:buChar char="•"/>
-            </a:pPr>
-            <a:r>
-              <a:rPr lang="en-GB" sz="2000" dirty="0">
-                <a:solidFill>
-                  <a:srgbClr val="0070C0"/>
-                </a:solidFill>
-              </a:rPr>
-              <a:t>[</a:t>
-            </a:r>
-            <a:r>
-              <a:rPr lang="en-GB" sz="2000" dirty="0" err="1">
-                <a:solidFill>
-                  <a:srgbClr val="0070C0"/>
-                </a:solidFill>
-              </a:rPr>
-              <a:t>PLoS</a:t>
-            </a:r>
-            <a:r>
-              <a:rPr lang="en-GB" sz="2000" dirty="0">
-                <a:solidFill>
-                  <a:srgbClr val="0070C0"/>
-                </a:solidFill>
-              </a:rPr>
-              <a:t>] - (https://journals.plos.org/plosbiology/s/recommended-repositories)</a:t>
-            </a:r>
-          </a:p>
-          <a:p>
-            <a:pPr marL="285750" indent="-285750">
-              <a:buFont typeface="Arial" panose="020B0604020202020204" pitchFamily="34" charset="0"/>
-              <a:buChar char="•"/>
-            </a:pPr>
-            <a:r>
-              <a:rPr lang="en-GB" sz="2000" dirty="0">
-                <a:solidFill>
-                  <a:srgbClr val="0070C0"/>
-                </a:solidFill>
-              </a:rPr>
-              <a:t>[Scientific Data - Nature] - (https://www.nature.com/sdata/policies/repositories)</a:t>
-            </a:r>
-          </a:p>
-          <a:p>
-            <a:pPr marL="285750" indent="-285750">
-              <a:buFont typeface="Arial" panose="020B0604020202020204" pitchFamily="34" charset="0"/>
-              <a:buChar char="•"/>
-            </a:pPr>
-            <a:r>
-              <a:rPr lang="en-GB" sz="2000" dirty="0">
-                <a:solidFill>
-                  <a:srgbClr val="0070C0"/>
-                </a:solidFill>
-              </a:rPr>
-              <a:t>[Taylor and Francis] - (https://authorservices.taylorandfrancis.com/data-sharing-policies/repositories/)</a:t>
-            </a:r>
-          </a:p>
-          <a:p>
-            <a:pPr marL="285750" indent="-285750">
-              <a:buFont typeface="Arial" panose="020B0604020202020204" pitchFamily="34" charset="0"/>
-              <a:buChar char="•"/>
-            </a:pPr>
-            <a:r>
-              <a:rPr lang="en-GB" sz="2000" dirty="0">
-                <a:solidFill>
-                  <a:srgbClr val="0070C0"/>
-                </a:solidFill>
-              </a:rPr>
-              <a:t>[BBSRC] - (https://bbsrc.ukri.org/research/resources/)</a:t>
-            </a:r>
-          </a:p>
-          <a:p>
-            <a:pPr marL="285750" indent="-285750">
-              <a:buFont typeface="Arial" panose="020B0604020202020204" pitchFamily="34" charset="0"/>
-              <a:buChar char="•"/>
-            </a:pPr>
-            <a:r>
-              <a:rPr lang="en-GB" sz="2000" dirty="0">
-                <a:solidFill>
-                  <a:srgbClr val="0070C0"/>
-                </a:solidFill>
-              </a:rPr>
-              <a:t>[NERC] - (https://nerc.ukri.org/research/sites/environmental-data-service-eds/policy/)</a:t>
-            </a:r>
-          </a:p>
-          <a:p>
-            <a:pPr marL="285750" indent="-285750">
-              <a:buFont typeface="Arial" panose="020B0604020202020204" pitchFamily="34" charset="0"/>
-              <a:buChar char="•"/>
-            </a:pPr>
-            <a:r>
-              <a:rPr lang="en-GB" sz="2000" dirty="0">
-                <a:solidFill>
-                  <a:srgbClr val="0070C0"/>
-                </a:solidFill>
-              </a:rPr>
-              <a:t>[Royal Society] - (https://royalsociety.org/journals/ethics-policies/data-sharing-mining/)</a:t>
-            </a:r>
-          </a:p>
-          <a:p>
-            <a:pPr marL="285750" indent="-285750">
-              <a:buFont typeface="Arial" panose="020B0604020202020204" pitchFamily="34" charset="0"/>
-              <a:buChar char="•"/>
-            </a:pPr>
-            <a:r>
-              <a:rPr lang="en-GB" sz="2000" dirty="0">
-                <a:solidFill>
-                  <a:srgbClr val="0070C0"/>
-                </a:solidFill>
-              </a:rPr>
-              <a:t>[</a:t>
-            </a:r>
-            <a:r>
-              <a:rPr lang="en-GB" sz="2000" dirty="0" err="1">
-                <a:solidFill>
-                  <a:srgbClr val="0070C0"/>
-                </a:solidFill>
-              </a:rPr>
-              <a:t>Wellcome</a:t>
-            </a:r>
-            <a:r>
-              <a:rPr lang="en-GB" sz="2000" dirty="0">
-                <a:solidFill>
-                  <a:srgbClr val="0070C0"/>
-                </a:solidFill>
-              </a:rPr>
-              <a:t> Open Research] - (https://wellcomeopenresearch.org/for-authors/data-guidelines) </a:t>
-            </a:r>
+            <a:endParaRPr lang="pl-PL" sz="2400" dirty="0">
+              <a:solidFill>
+                <a:srgbClr val="0070C0"/>
+              </a:solidFill>
+            </a:endParaRPr>
+          </a:p>
+          <a:p>
+            <a:r>
+              <a:rPr lang="pl-PL" sz="2400" dirty="0">
+                <a:solidFill>
+                  <a:srgbClr val="0070C0"/>
+                </a:solidFill>
+              </a:rPr>
+              <a:t>(too) many options for each type</a:t>
+            </a:r>
+            <a:endParaRPr lang="en-GB" sz="2400" dirty="0">
+              <a:solidFill>
+                <a:srgbClr val="0070C0"/>
+              </a:solidFill>
+            </a:endParaRPr>
+          </a:p>
+          <a:p>
+            <a:endParaRPr lang="en-GB" sz="2400" dirty="0">
+              <a:solidFill>
+                <a:srgbClr val="0070C0"/>
+              </a:solidFill>
+            </a:endParaRPr>
+          </a:p>
+          <a:p>
+            <a:r>
+              <a:rPr lang="en-GB" sz="2400" dirty="0">
+                <a:solidFill>
+                  <a:srgbClr val="0070C0"/>
+                </a:solidFill>
+              </a:rPr>
+              <a:t>-Inventory of identified trusted repositories (ERCEA)</a:t>
+            </a:r>
+          </a:p>
+          <a:p>
+            <a:r>
+              <a:rPr lang="en-GB" sz="2400" dirty="0">
+                <a:solidFill>
+                  <a:srgbClr val="0070C0"/>
+                </a:solidFill>
+                <a:hlinkClick r:id="rId2"/>
+              </a:rPr>
+              <a:t>https://zenodo.org/record/7728016#.ZCWRkXbMKUm</a:t>
+            </a:r>
+            <a:endParaRPr lang="en-GB" sz="2400" dirty="0">
+              <a:solidFill>
+                <a:srgbClr val="0070C0"/>
+              </a:solidFill>
+            </a:endParaRPr>
           </a:p>
         </p:txBody>
       </p:sp>
@@ -6351,38 +6383,6 @@
               </a:rPr>
               <a:t>repositories</a:t>
             </a:r>
-            <a:r>
-              <a:rPr lang="pl-PL" dirty="0">
-                <a:solidFill>
-                  <a:srgbClr val="0070C0"/>
-                </a:solidFill>
-              </a:rPr>
-              <a:t> – </a:t>
-            </a:r>
-            <a:r>
-              <a:rPr lang="pl-PL" dirty="0" err="1">
-                <a:solidFill>
-                  <a:srgbClr val="0070C0"/>
-                </a:solidFill>
-              </a:rPr>
-              <a:t>use</a:t>
-            </a:r>
-            <a:r>
-              <a:rPr lang="pl-PL" dirty="0">
-                <a:solidFill>
-                  <a:srgbClr val="0070C0"/>
-                </a:solidFill>
-              </a:rPr>
-              <a:t> </a:t>
-            </a:r>
-            <a:r>
-              <a:rPr lang="pl-PL" dirty="0" err="1">
-                <a:solidFill>
-                  <a:srgbClr val="0070C0"/>
-                </a:solidFill>
-              </a:rPr>
-              <a:t>recommendations</a:t>
-            </a:r>
             <a:endParaRPr lang="en-GB" dirty="0">
               <a:solidFill>
                 <a:srgbClr val="0070C0"/>
@@ -6394,7 +6394,7 @@
     </p:spTree>
     <p:extLst>
       <p:ext uri="{BB962C8B-B14F-4D97-AF65-F5344CB8AC3E}">
-        <p14:creationId xmlns:p14="http://schemas.microsoft.com/office/powerpoint/2010/main" val="2392727602"/>
+        <p14:creationId xmlns:p14="http://schemas.microsoft.com/office/powerpoint/2010/main" val="1889911849"/>
       </p:ext>
     </p:extLst>
   </p:cSld>
@@ -6423,192 +6423,6 @@
       </p:grpSpPr>
       <p:sp>
         <p:nvSpPr>
-          <p:cNvPr id="2" name="Rectangle 1"/>
-          <p:cNvSpPr/>
-          <p:nvPr/>
-        </p:nvSpPr>
-        <p:spPr>
-          <a:xfrm>
-            <a:off x="742384" y="2064189"/>
-            <a:ext cx="10981854" cy="3785652"/>
-          </a:xfrm>
-          <a:prstGeom prst="rect">
-            <a:avLst/>
-          </a:prstGeom>
-        </p:spPr>
-        <p:txBody>
-          <a:bodyPr wrap="square">
-            <a:spAutoFit/>
-          </a:bodyPr>
-          <a:lstStyle/>
-          <a:p>
-            <a:r>
-              <a:rPr lang="en-GB" sz="2400" dirty="0" smtClean="0">
-                <a:solidFill>
-                  <a:srgbClr val="0070C0"/>
-                </a:solidFill>
-              </a:rPr>
-              <a:t>-</a:t>
-            </a:r>
-            <a:r>
-              <a:rPr lang="pl-PL" sz="2400" dirty="0" smtClean="0">
-                <a:solidFill>
-                  <a:srgbClr val="0070C0"/>
-                </a:solidFill>
-              </a:rPr>
-              <a:t>FAIRSharing.org </a:t>
-            </a:r>
-            <a:r>
-              <a:rPr lang="pl-PL" sz="2400" dirty="0">
-                <a:solidFill>
-                  <a:srgbClr val="0070C0"/>
-                </a:solidFill>
-              </a:rPr>
-              <a:t>– search engine</a:t>
-            </a:r>
-          </a:p>
-          <a:p>
-            <a:endParaRPr lang="pl-PL" sz="2400" dirty="0">
-              <a:solidFill>
-                <a:srgbClr val="0070C0"/>
-              </a:solidFill>
-            </a:endParaRPr>
-          </a:p>
-          <a:p>
-            <a:pPr marL="342900" indent="-342900">
-              <a:buFont typeface="Arial" panose="020B0604020202020204" pitchFamily="34" charset="0"/>
-              <a:buChar char="•"/>
-            </a:pPr>
-            <a:r>
-              <a:rPr lang="pl-PL" sz="2400" dirty="0" smtClean="0">
-                <a:solidFill>
-                  <a:srgbClr val="0070C0"/>
-                </a:solidFill>
-              </a:rPr>
-              <a:t>Repositories</a:t>
-            </a:r>
-            <a:endParaRPr lang="pl-PL" sz="2400" dirty="0">
-              <a:solidFill>
-                <a:srgbClr val="0070C0"/>
-              </a:solidFill>
-            </a:endParaRPr>
-          </a:p>
-          <a:p>
-            <a:pPr marL="342900" indent="-342900">
-              <a:buFont typeface="Arial" panose="020B0604020202020204" pitchFamily="34" charset="0"/>
-              <a:buChar char="•"/>
-            </a:pPr>
-            <a:r>
-              <a:rPr lang="pl-PL" sz="2400" dirty="0">
-                <a:solidFill>
-                  <a:srgbClr val="0070C0"/>
-                </a:solidFill>
-              </a:rPr>
-              <a:t>Data standards</a:t>
-            </a:r>
-          </a:p>
-          <a:p>
-            <a:pPr marL="342900" indent="-342900">
-              <a:buFont typeface="Arial" panose="020B0604020202020204" pitchFamily="34" charset="0"/>
-              <a:buChar char="•"/>
-            </a:pPr>
-            <a:r>
-              <a:rPr lang="pl-PL" sz="2400" dirty="0">
-                <a:solidFill>
-                  <a:srgbClr val="0070C0"/>
-                </a:solidFill>
-              </a:rPr>
-              <a:t>Policies</a:t>
-            </a:r>
-          </a:p>
-          <a:p>
-            <a:pPr marL="285750" indent="-285750">
-              <a:buFontTx/>
-              <a:buChar char="-"/>
-            </a:pPr>
-            <a:endParaRPr lang="pl-PL" sz="2400" dirty="0">
-              <a:solidFill>
-                <a:srgbClr val="0070C0"/>
-              </a:solidFill>
-            </a:endParaRPr>
-          </a:p>
-          <a:p>
-            <a:r>
-              <a:rPr lang="pl-PL" sz="2400" dirty="0" smtClean="0">
-                <a:solidFill>
-                  <a:srgbClr val="0070C0"/>
-                </a:solidFill>
-              </a:rPr>
-              <a:t>(</a:t>
-            </a:r>
-            <a:r>
-              <a:rPr lang="pl-PL" sz="2400" dirty="0">
-                <a:solidFill>
-                  <a:srgbClr val="0070C0"/>
-                </a:solidFill>
-              </a:rPr>
-              <a:t>too) many options for each </a:t>
-            </a:r>
-            <a:r>
-              <a:rPr lang="pl-PL" sz="2400" dirty="0" smtClean="0">
-                <a:solidFill>
-                  <a:srgbClr val="0070C0"/>
-                </a:solidFill>
-              </a:rPr>
-              <a:t>type</a:t>
-            </a:r>
-            <a:endParaRPr lang="en-GB" sz="2400" dirty="0" smtClean="0">
-              <a:solidFill>
-                <a:srgbClr val="0070C0"/>
-              </a:solidFill>
-            </a:endParaRPr>
-          </a:p>
-          <a:p>
-            <a:endParaRPr lang="en-GB" sz="2400" dirty="0">
-              <a:solidFill>
-                <a:srgbClr val="0070C0"/>
-              </a:solidFill>
-            </a:endParaRPr>
-          </a:p>
-          <a:p>
-            <a:r>
-              <a:rPr lang="en-GB" sz="2400" dirty="0" smtClean="0">
-                <a:solidFill>
-                  <a:srgbClr val="0070C0"/>
-                </a:solidFill>
-              </a:rPr>
-              <a:t>-Inventory of identified trusted repositories (ERCEA)</a:t>
-            </a:r>
-          </a:p>
-          <a:p>
-            <a:r>
-              <a:rPr lang="en-GB" sz="2400" dirty="0" smtClean="0">
-                <a:solidFill>
-                  <a:srgbClr val="0070C0"/>
-                </a:solidFill>
-                <a:hlinkClick r:id="rId2"/>
-              </a:rPr>
-              <a:t>https</a:t>
-            </a:r>
-            <a:r>
-              <a:rPr lang="en-GB" sz="2400" dirty="0">
-                <a:solidFill>
-                  <a:srgbClr val="0070C0"/>
-                </a:solidFill>
-                <a:hlinkClick r:id="rId2"/>
-              </a:rPr>
-              <a:t>://zenodo.org/record/7728016#.ZCWRkXbMKUm</a:t>
-            </a:r>
-            <a:endParaRPr lang="en-GB" sz="2400" dirty="0">
-              <a:solidFill>
-                <a:srgbClr val="0070C0"/>
-              </a:solidFill>
-            </a:endParaRPr>
-          </a:p>
-        </p:txBody>
-      </p:sp>
-      <p:sp>
-        <p:nvSpPr>
           <p:cNvPr id="5" name="Title 1">
             <a:extLst>
               <a:ext uri="{FF2B5EF4-FFF2-40B4-BE49-F238E27FC236}">
@@ -6634,28 +6448,12 @@
           <a:lstStyle/>
           <a:p>
             <a:r>
-              <a:rPr lang="pl-PL" dirty="0" err="1">
-                <a:solidFill>
-                  <a:srgbClr val="0070C0"/>
-                </a:solidFill>
-              </a:rPr>
-              <a:t>Finding</a:t>
-            </a:r>
-            <a:r>
               <a:rPr lang="pl-PL" dirty="0">
                 <a:solidFill>
                   <a:srgbClr val="0070C0"/>
                 </a:solidFill>
               </a:rPr>
-              <a:t> </a:t>
-            </a:r>
-            <a:r>
-              <a:rPr lang="pl-PL" dirty="0" err="1">
-                <a:solidFill>
-                  <a:srgbClr val="0070C0"/>
-                </a:solidFill>
-              </a:rPr>
-              <a:t>repositories</a:t>
+              <a:t>Finding repository</a:t>
             </a:r>
             <a:endParaRPr lang="en-GB" dirty="0">
               <a:solidFill>
@@ -6665,10 +6463,73 @@
           </a:p>
         </p:txBody>
       </p:sp>
+      <p:sp>
+        <p:nvSpPr>
+          <p:cNvPr id="6" name="Rectangle 5">
+            <a:extLst>
+              <a:ext uri="{FF2B5EF4-FFF2-40B4-BE49-F238E27FC236}">
+                <a16:creationId xmlns:a16="http://schemas.microsoft.com/office/drawing/2014/main" id="{22F34A1D-F400-3A41-84C5-6FDD05616677}"/>
+              </a:ext>
+            </a:extLst>
+          </p:cNvPr>
+          <p:cNvSpPr/>
+          <p:nvPr/>
+        </p:nvSpPr>
+        <p:spPr>
+          <a:xfrm>
+            <a:off x="693616" y="2951946"/>
+            <a:ext cx="10981854" cy="1323439"/>
+          </a:xfrm>
+          <a:prstGeom prst="rect">
+            <a:avLst/>
+          </a:prstGeom>
+        </p:spPr>
+        <p:txBody>
+          <a:bodyPr wrap="square">
+            <a:spAutoFit/>
+          </a:bodyPr>
+          <a:lstStyle/>
+          <a:p>
+            <a:pPr algn="ctr"/>
+            <a:r>
+              <a:rPr lang="pl-PL" sz="4000" dirty="0">
+                <a:solidFill>
+                  <a:srgbClr val="0070C0"/>
+                </a:solidFill>
+              </a:rPr>
+              <a:t>Exercise</a:t>
+            </a:r>
+            <a:r>
+              <a:rPr lang="en-GB" sz="4000" dirty="0">
+                <a:solidFill>
+                  <a:srgbClr val="0070C0"/>
+                </a:solidFill>
+              </a:rPr>
+              <a:t> 4</a:t>
+            </a:r>
+            <a:endParaRPr lang="pl-PL" sz="4000" dirty="0">
+              <a:solidFill>
+                <a:srgbClr val="0070C0"/>
+              </a:solidFill>
+            </a:endParaRPr>
+          </a:p>
+          <a:p>
+            <a:pPr marL="285750" indent="-285750" algn="ctr">
+              <a:buFont typeface="Arial" panose="020B0604020202020204" pitchFamily="34" charset="0"/>
+              <a:buChar char="•"/>
+            </a:pPr>
+            <a:endParaRPr lang="en-GB" sz="4000" dirty="0">
+              <a:solidFill>
+                <a:srgbClr val="0070C0"/>
+              </a:solidFill>
+            </a:endParaRPr>
+          </a:p>
+        </p:txBody>
+      </p:sp>
     </p:spTree>
     <p:extLst>
       <p:ext uri="{BB962C8B-B14F-4D97-AF65-F5344CB8AC3E}">
-        <p14:creationId xmlns:p14="http://schemas.microsoft.com/office/powerpoint/2010/main" val="1889911849"/>
+        <p14:creationId xmlns:p14="http://schemas.microsoft.com/office/powerpoint/2010/main" val="213822311"/>
       </p:ext>
     </p:extLst>
   </p:cSld>
@@ -6695,70 +6556,254 @@
           <a:chExt cx="0" cy="0"/>
         </a:xfrm>
       </p:grpSpPr>
-      <p:pic>
-        <p:nvPicPr>
-          <p:cNvPr id="3" name="Picture 2" descr="http://2.bp.blogspot.com/-pSVlRf9P_q0/V-zHNtoNHmI/AAAAAAAALGU/mVlaYp0n1DMtmp9rRMtAwV_a0Jj-MD2fwCK4B/s1600/FAIR.png">
-            <a:extLst>
-              <a:ext uri="{FF2B5EF4-FFF2-40B4-BE49-F238E27FC236}">
-                <a16:creationId xmlns:a16="http://schemas.microsoft.com/office/drawing/2014/main" id="{F1145B5C-E672-4E3C-B4D6-B2EC43366A16}"/>
-              </a:ext>
-            </a:extLst>
-          </p:cNvPr>
-          <p:cNvPicPr>
-            <a:picLocks noChangeAspect="1" noChangeArrowheads="1"/>
-          </p:cNvPicPr>
+      <p:sp>
+        <p:nvSpPr>
+          <p:cNvPr id="5" name="TextBox 4">
+            <a:extLst>
+              <a:ext uri="{FF2B5EF4-FFF2-40B4-BE49-F238E27FC236}">
+                <a16:creationId xmlns:a16="http://schemas.microsoft.com/office/drawing/2014/main" id="{3A7A1F5C-9C70-4DE3-BA39-7835B2935EB3}"/>
+              </a:ext>
+            </a:extLst>
+          </p:cNvPr>
+          <p:cNvSpPr txBox="1"/>
           <p:nvPr/>
-        </p:nvPicPr>
-        <p:blipFill>
-          <a:blip r:embed="rId3">
-            <a:extLst>
-              <a:ext uri="{28A0092B-C50C-407E-A947-70E740481C1C}">
-                <a14:useLocalDpi xmlns:a14="http://schemas.microsoft.com/office/drawing/2010/main" val="0"/>
-              </a:ext>
-            </a:extLst>
-          </a:blip>
-          <a:srcRect/>
-          <a:stretch>
-            <a:fillRect/>
-          </a:stretch>
-        </p:blipFill>
-        <p:spPr bwMode="auto">
+        </p:nvSpPr>
+        <p:spPr>
           <a:xfrm>
-            <a:off x="1326968" y="2190209"/>
-            <a:ext cx="9036496" cy="3066791"/>
+            <a:off x="948099" y="1355649"/>
+            <a:ext cx="8837169" cy="3970318"/>
           </a:xfrm>
           <a:prstGeom prst="rect">
             <a:avLst/>
           </a:prstGeom>
           <a:noFill/>
-          <a:extLst>
-            <a:ext uri="{909E8E84-426E-40DD-AFC4-6F175D3DCCD1}">
-              <a14:hiddenFill xmlns:a14="http://schemas.microsoft.com/office/drawing/2010/main">
-                <a:solidFill>
-                  <a:srgbClr val="FFFFFF"/>
-                </a:solidFill>
-              </a14:hiddenFill>
-            </a:ext>
-          </a:extLst>
+        </p:spPr>
+        <p:txBody>
+          <a:bodyPr wrap="square">
+            <a:spAutoFit/>
+          </a:bodyPr>
+          <a:lstStyle/>
+          <a:p>
+            <a:r>
+              <a:rPr lang="en-GB" sz="2800" dirty="0">
+                <a:solidFill>
+                  <a:srgbClr val="0070C0"/>
+                </a:solidFill>
+              </a:rPr>
+              <a:t>Research data repositories are online repositories that enable the preservation, curation and publication of research ‘products’:</a:t>
+            </a:r>
+            <a:endParaRPr lang="pl-PL" sz="2800" dirty="0">
+              <a:solidFill>
+                <a:srgbClr val="0070C0"/>
+              </a:solidFill>
+            </a:endParaRPr>
+          </a:p>
+          <a:p>
+            <a:endParaRPr lang="en-GB" sz="2800" dirty="0">
+              <a:solidFill>
+                <a:srgbClr val="0070C0"/>
+              </a:solidFill>
+            </a:endParaRPr>
+          </a:p>
+          <a:p>
+            <a:pPr marL="457200" indent="-457200">
+              <a:buFont typeface="Arial" panose="020B0604020202020204" pitchFamily="34" charset="0"/>
+              <a:buChar char="•"/>
+            </a:pPr>
+            <a:r>
+              <a:rPr lang="pl-PL" sz="2800" dirty="0">
+                <a:solidFill>
+                  <a:srgbClr val="0070C0"/>
+                </a:solidFill>
+              </a:rPr>
+              <a:t>data</a:t>
+            </a:r>
+            <a:endParaRPr lang="en-GB" sz="2800" dirty="0">
+              <a:solidFill>
+                <a:srgbClr val="0070C0"/>
+              </a:solidFill>
+            </a:endParaRPr>
+          </a:p>
+          <a:p>
+            <a:pPr marL="457200" indent="-457200">
+              <a:buFont typeface="Arial" panose="020B0604020202020204" pitchFamily="34" charset="0"/>
+              <a:buChar char="•"/>
+            </a:pPr>
+            <a:r>
+              <a:rPr lang="pl-PL" sz="2800" dirty="0">
+                <a:solidFill>
+                  <a:srgbClr val="0070C0"/>
+                </a:solidFill>
+              </a:rPr>
+              <a:t>code</a:t>
+            </a:r>
+          </a:p>
+          <a:p>
+            <a:pPr marL="457200" indent="-457200">
+              <a:buFont typeface="Arial" panose="020B0604020202020204" pitchFamily="34" charset="0"/>
+              <a:buChar char="•"/>
+            </a:pPr>
+            <a:r>
+              <a:rPr lang="pl-PL" sz="2800" dirty="0">
+                <a:solidFill>
+                  <a:srgbClr val="0070C0"/>
+                </a:solidFill>
+              </a:rPr>
+              <a:t>protocols</a:t>
+            </a:r>
+            <a:endParaRPr lang="en-GB" sz="2800" dirty="0">
+              <a:solidFill>
+                <a:srgbClr val="0070C0"/>
+              </a:solidFill>
+            </a:endParaRPr>
+          </a:p>
+          <a:p>
+            <a:pPr marL="457200" indent="-457200">
+              <a:buFont typeface="Arial" panose="020B0604020202020204" pitchFamily="34" charset="0"/>
+              <a:buChar char="•"/>
+            </a:pPr>
+            <a:endParaRPr lang="en-GB" sz="2800" dirty="0">
+              <a:solidFill>
+                <a:srgbClr val="0070C0"/>
+              </a:solidFill>
+            </a:endParaRPr>
+          </a:p>
+          <a:p>
+            <a:endParaRPr lang="en-GB" sz="2800" dirty="0">
+              <a:solidFill>
+                <a:srgbClr val="0070C0"/>
+              </a:solidFill>
+            </a:endParaRPr>
+          </a:p>
+        </p:txBody>
+      </p:sp>
+      <p:pic>
+        <p:nvPicPr>
+          <p:cNvPr id="3" name="Graphic 2" descr="Usb Stick with solid fill">
+            <a:extLst>
+              <a:ext uri="{FF2B5EF4-FFF2-40B4-BE49-F238E27FC236}">
+                <a16:creationId xmlns:a16="http://schemas.microsoft.com/office/drawing/2014/main" id="{CED09855-7FFC-C248-84D7-0014A731526B}"/>
+              </a:ext>
+            </a:extLst>
+          </p:cNvPr>
+          <p:cNvPicPr>
+            <a:picLocks noChangeAspect="1"/>
+          </p:cNvPicPr>
+          <p:nvPr/>
+        </p:nvPicPr>
+        <p:blipFill>
+          <a:blip r:embed="rId2" cstate="hqprint">
+            <a:extLst>
+              <a:ext uri="{28A0092B-C50C-407E-A947-70E740481C1C}">
+                <a14:useLocalDpi xmlns:a14="http://schemas.microsoft.com/office/drawing/2010/main" val="0"/>
+              </a:ext>
+              <a:ext uri="{96DAC541-7B7A-43D3-8B79-37D633B846F1}">
+                <asvg:svgBlip xmlns:asvg="http://schemas.microsoft.com/office/drawing/2016/SVG/main" r:embed="rId3"/>
+              </a:ext>
+            </a:extLst>
+          </a:blip>
+          <a:stretch>
+            <a:fillRect/>
+          </a:stretch>
+        </p:blipFill>
+        <p:spPr>
+          <a:xfrm>
+            <a:off x="3027845" y="2794705"/>
+            <a:ext cx="634295" cy="634295"/>
+          </a:xfrm>
+          <a:prstGeom prst="rect">
+            <a:avLst/>
+          </a:prstGeom>
+        </p:spPr>
+      </p:pic>
+      <p:pic>
+        <p:nvPicPr>
+          <p:cNvPr id="7" name="Graphic 6" descr="Cmd Terminal outline">
+            <a:extLst>
+              <a:ext uri="{FF2B5EF4-FFF2-40B4-BE49-F238E27FC236}">
+                <a16:creationId xmlns:a16="http://schemas.microsoft.com/office/drawing/2014/main" id="{FC126C71-DC0E-F149-A3AA-1A73419575CF}"/>
+              </a:ext>
+            </a:extLst>
+          </p:cNvPr>
+          <p:cNvPicPr>
+            <a:picLocks noChangeAspect="1"/>
+          </p:cNvPicPr>
+          <p:nvPr/>
+        </p:nvPicPr>
+        <p:blipFill>
+          <a:blip r:embed="rId4" cstate="hqprint">
+            <a:extLst>
+              <a:ext uri="{28A0092B-C50C-407E-A947-70E740481C1C}">
+                <a14:useLocalDpi xmlns:a14="http://schemas.microsoft.com/office/drawing/2010/main" val="0"/>
+              </a:ext>
+              <a:ext uri="{96DAC541-7B7A-43D3-8B79-37D633B846F1}">
+                <asvg:svgBlip xmlns:asvg="http://schemas.microsoft.com/office/drawing/2016/SVG/main" r:embed="rId5"/>
+              </a:ext>
+            </a:extLst>
+          </a:blip>
+          <a:stretch>
+            <a:fillRect/>
+          </a:stretch>
+        </p:blipFill>
+        <p:spPr>
+          <a:xfrm>
+            <a:off x="2952667" y="3340808"/>
+            <a:ext cx="709473" cy="709473"/>
+          </a:xfrm>
+          <a:prstGeom prst="rect">
+            <a:avLst/>
+          </a:prstGeom>
+        </p:spPr>
+      </p:pic>
+      <p:pic>
+        <p:nvPicPr>
+          <p:cNvPr id="9" name="Graphic 8" descr="Document outline">
+            <a:extLst>
+              <a:ext uri="{FF2B5EF4-FFF2-40B4-BE49-F238E27FC236}">
+                <a16:creationId xmlns:a16="http://schemas.microsoft.com/office/drawing/2014/main" id="{BC7F7B91-F570-D340-8806-56918934776B}"/>
+              </a:ext>
+            </a:extLst>
+          </p:cNvPr>
+          <p:cNvPicPr>
+            <a:picLocks noChangeAspect="1"/>
+          </p:cNvPicPr>
+          <p:nvPr/>
+        </p:nvPicPr>
+        <p:blipFill>
+          <a:blip r:embed="rId6" cstate="hqprint">
+            <a:extLst>
+              <a:ext uri="{28A0092B-C50C-407E-A947-70E740481C1C}">
+                <a14:useLocalDpi xmlns:a14="http://schemas.microsoft.com/office/drawing/2010/main" val="0"/>
+              </a:ext>
+              <a:ext uri="{96DAC541-7B7A-43D3-8B79-37D633B846F1}">
+                <asvg:svgBlip xmlns:asvg="http://schemas.microsoft.com/office/drawing/2016/SVG/main" r:embed="rId7"/>
+              </a:ext>
+            </a:extLst>
+          </a:blip>
+          <a:stretch>
+            <a:fillRect/>
+          </a:stretch>
+        </p:blipFill>
+        <p:spPr>
+          <a:xfrm>
+            <a:off x="3662140" y="3735321"/>
+            <a:ext cx="709473" cy="709473"/>
+          </a:xfrm>
+          <a:prstGeom prst="rect">
+            <a:avLst/>
+          </a:prstGeom>
         </p:spPr>
       </p:pic>
     </p:spTree>
     <p:extLst>
       <p:ext uri="{BB962C8B-B14F-4D97-AF65-F5344CB8AC3E}">
-        <p14:creationId xmlns:p14="http://schemas.microsoft.com/office/powerpoint/2010/main" val="2808499447"/>
+        <p14:creationId xmlns:p14="http://schemas.microsoft.com/office/powerpoint/2010/main" val="4286087962"/>
       </p:ext>
     </p:extLst>
   </p:cSld>
   <p:clrMapOvr>
     <a:masterClrMapping/>
   </p:clrMapOvr>
-  <p:timing>
-    <p:tnLst>
-      <p:par>
-        <p:cTn id="1" dur="indefinite" restart="never" nodeType="tmRoot"/>
-      </p:par>
-    </p:tnLst>
-  </p:timing>
 </p:sld>
 </file>
 
@@ -6813,34 +6858,38 @@
               </a:rPr>
               <a:t>Finding repository</a:t>
             </a:r>
-            <a:endParaRPr lang="en-GB" dirty="0">
-              <a:solidFill>
-                <a:srgbClr val="0070C0"/>
-              </a:solidFill>
-            </a:endParaRPr>
-          </a:p>
-        </p:txBody>
-      </p:sp>
-      <p:sp>
-        <p:nvSpPr>
-          <p:cNvPr id="6" name="Rectangle 5">
-            <a:extLst>
-              <a:ext uri="{FF2B5EF4-FFF2-40B4-BE49-F238E27FC236}">
-                <a16:creationId xmlns:a16="http://schemas.microsoft.com/office/drawing/2014/main" id="{22F34A1D-F400-3A41-84C5-6FDD05616677}"/>
-              </a:ext>
-            </a:extLst>
-          </p:cNvPr>
-          <p:cNvSpPr/>
+            <a:r>
+              <a:rPr lang="en-GB" dirty="0">
+                <a:solidFill>
+                  <a:srgbClr val="0070C0"/>
+                </a:solidFill>
+              </a:rPr>
+              <a:t> - Solution</a:t>
+            </a:r>
+          </a:p>
+        </p:txBody>
+      </p:sp>
+      <p:sp>
+        <p:nvSpPr>
+          <p:cNvPr id="7" name="TextBox 6">
+            <a:extLst>
+              <a:ext uri="{FF2B5EF4-FFF2-40B4-BE49-F238E27FC236}">
+                <a16:creationId xmlns:a16="http://schemas.microsoft.com/office/drawing/2014/main" id="{20AB0459-2566-4B4F-B318-FA9C6A08F0E4}"/>
+              </a:ext>
+            </a:extLst>
+          </p:cNvPr>
+          <p:cNvSpPr txBox="1"/>
           <p:nvPr/>
         </p:nvSpPr>
         <p:spPr>
           <a:xfrm>
-            <a:off x="693616" y="2951946"/>
-            <a:ext cx="10981854" cy="1323439"/>
+            <a:off x="1831311" y="2021691"/>
+            <a:ext cx="7754815" cy="1429622"/>
           </a:xfrm>
           <a:prstGeom prst="rect">
             <a:avLst/>
           </a:prstGeom>
+          <a:noFill/>
         </p:spPr>
         <p:txBody>
           <a:bodyPr wrap="square">
@@ -6848,46 +6897,65 @@
           </a:bodyPr>
           <a:lstStyle/>
           <a:p>
-            <a:pPr algn="ctr"/>
-            <a:r>
-              <a:rPr lang="pl-PL" sz="4000" dirty="0">
-                <a:solidFill>
-                  <a:srgbClr val="0070C0"/>
-                </a:solidFill>
-              </a:rPr>
-              <a:t>Exercise</a:t>
-            </a:r>
-            <a:r>
-              <a:rPr lang="en-GB" sz="4000" dirty="0">
-                <a:solidFill>
-                  <a:srgbClr val="0070C0"/>
-                </a:solidFill>
-              </a:rPr>
-              <a:t> 4</a:t>
-            </a:r>
-            <a:endParaRPr lang="pl-PL" sz="4000" dirty="0">
-              <a:solidFill>
-                <a:srgbClr val="0070C0"/>
-              </a:solidFill>
-            </a:endParaRPr>
-          </a:p>
-          <a:p>
-            <a:pPr marL="285750" indent="-285750" algn="ctr">
-              <a:buFont typeface="Arial" panose="020B0604020202020204" pitchFamily="34" charset="0"/>
-              <a:buChar char="•"/>
+            <a:pPr>
+              <a:lnSpc>
+                <a:spcPct val="150000"/>
+              </a:lnSpc>
             </a:pPr>
-            <a:endParaRPr lang="en-GB" sz="4000" dirty="0">
-              <a:solidFill>
-                <a:srgbClr val="0070C0"/>
-              </a:solidFill>
-            </a:endParaRPr>
+            <a:r>
+              <a:rPr lang="en-GB" sz="2000" b="1" i="0" dirty="0">
+                <a:solidFill>
+                  <a:srgbClr val="333333"/>
+                </a:solidFill>
+                <a:effectLst/>
+                <a:latin typeface="Ubuntu"/>
+              </a:rPr>
+              <a:t>Find a repo for genomics data:</a:t>
+            </a:r>
+          </a:p>
+          <a:p>
+            <a:pPr>
+              <a:lnSpc>
+                <a:spcPct val="150000"/>
+              </a:lnSpc>
+            </a:pPr>
+            <a:r>
+              <a:rPr lang="en-GB" sz="2000" b="0" i="0" dirty="0">
+                <a:solidFill>
+                  <a:srgbClr val="333333"/>
+                </a:solidFill>
+                <a:effectLst/>
+                <a:latin typeface="Ubuntu"/>
+              </a:rPr>
+              <a:t>GEO/SRA and ENA/</a:t>
+            </a:r>
+            <a:r>
+              <a:rPr lang="en-GB" sz="2000" b="0" i="0" dirty="0" err="1">
+                <a:solidFill>
+                  <a:srgbClr val="333333"/>
+                </a:solidFill>
+                <a:effectLst/>
+                <a:latin typeface="Ubuntu"/>
+              </a:rPr>
+              <a:t>ArrayExpress</a:t>
+            </a:r>
+            <a:r>
+              <a:rPr lang="en-GB" sz="2000" b="0" i="0" dirty="0">
+                <a:solidFill>
+                  <a:srgbClr val="333333"/>
+                </a:solidFill>
+                <a:effectLst/>
+                <a:latin typeface="Ubuntu"/>
+              </a:rPr>
+              <a:t> are good examples. Interestingly these repositories do not issue a DOI.</a:t>
+            </a:r>
           </a:p>
         </p:txBody>
       </p:sp>
     </p:spTree>
     <p:extLst>
       <p:ext uri="{BB962C8B-B14F-4D97-AF65-F5344CB8AC3E}">
-        <p14:creationId xmlns:p14="http://schemas.microsoft.com/office/powerpoint/2010/main" val="213822311"/>
+        <p14:creationId xmlns:p14="http://schemas.microsoft.com/office/powerpoint/2010/main" val="489845771"/>
       </p:ext>
     </p:extLst>
   </p:cSld>
@@ -6916,6 +6984,480 @@
       </p:grpSpPr>
       <p:sp>
         <p:nvSpPr>
+          <p:cNvPr id="2" name="Rectangle 1"/>
+          <p:cNvSpPr/>
+          <p:nvPr/>
+        </p:nvSpPr>
+        <p:spPr>
+          <a:xfrm>
+            <a:off x="742384" y="1451031"/>
+            <a:ext cx="10981854" cy="5016758"/>
+          </a:xfrm>
+          <a:prstGeom prst="rect">
+            <a:avLst/>
+          </a:prstGeom>
+        </p:spPr>
+        <p:txBody>
+          <a:bodyPr wrap="square">
+            <a:spAutoFit/>
+          </a:bodyPr>
+          <a:lstStyle/>
+          <a:p>
+            <a:r>
+              <a:rPr lang="pl-PL" sz="2000" b="1" dirty="0">
+                <a:solidFill>
+                  <a:srgbClr val="0070C0"/>
+                </a:solidFill>
+              </a:rPr>
+              <a:t>1. </a:t>
+            </a:r>
+            <a:r>
+              <a:rPr lang="pl-PL" sz="2000" b="1" dirty="0" err="1">
+                <a:solidFill>
+                  <a:srgbClr val="0070C0"/>
+                </a:solidFill>
+              </a:rPr>
+              <a:t>Who</a:t>
+            </a:r>
+            <a:r>
+              <a:rPr lang="pl-PL" sz="2000" b="1" dirty="0">
+                <a:solidFill>
+                  <a:srgbClr val="0070C0"/>
+                </a:solidFill>
+              </a:rPr>
+              <a:t> is behind it? What is its funding?</a:t>
+            </a:r>
+          </a:p>
+          <a:p>
+            <a:endParaRPr lang="pl-PL" sz="2000" dirty="0">
+              <a:solidFill>
+                <a:srgbClr val="0070C0"/>
+              </a:solidFill>
+            </a:endParaRPr>
+          </a:p>
+          <a:p>
+            <a:r>
+              <a:rPr lang="pl-PL" sz="2000" b="1" dirty="0">
+                <a:solidFill>
+                  <a:srgbClr val="0070C0"/>
+                </a:solidFill>
+              </a:rPr>
+              <a:t>2. Q</a:t>
+            </a:r>
+            <a:r>
+              <a:rPr lang="en-GB" sz="2000" b="1" dirty="0" err="1">
+                <a:solidFill>
+                  <a:srgbClr val="0070C0"/>
+                </a:solidFill>
+              </a:rPr>
+              <a:t>uality</a:t>
+            </a:r>
+            <a:r>
+              <a:rPr lang="en-GB" sz="2000" b="1" dirty="0">
+                <a:solidFill>
+                  <a:srgbClr val="0070C0"/>
+                </a:solidFill>
+              </a:rPr>
+              <a:t> of interaction</a:t>
+            </a:r>
+            <a:r>
+              <a:rPr lang="pl-PL" sz="2000" b="1" dirty="0">
+                <a:solidFill>
+                  <a:srgbClr val="0070C0"/>
+                </a:solidFill>
+              </a:rPr>
+              <a:t>/interface</a:t>
+            </a:r>
+            <a:r>
+              <a:rPr lang="en-GB" sz="2000" b="1" dirty="0">
+                <a:solidFill>
+                  <a:srgbClr val="0070C0"/>
+                </a:solidFill>
+              </a:rPr>
+              <a:t>: </a:t>
+            </a:r>
+            <a:br>
+              <a:rPr lang="pl-PL" sz="2000" dirty="0">
+                <a:solidFill>
+                  <a:srgbClr val="0070C0"/>
+                </a:solidFill>
+              </a:rPr>
+            </a:br>
+            <a:r>
+              <a:rPr lang="pl-PL" sz="2000" dirty="0">
+                <a:solidFill>
+                  <a:srgbClr val="0070C0"/>
+                </a:solidFill>
+              </a:rPr>
+              <a:t>	</a:t>
+            </a:r>
+            <a:r>
+              <a:rPr lang="en-GB" sz="2000" dirty="0">
+                <a:solidFill>
+                  <a:srgbClr val="0070C0"/>
+                </a:solidFill>
+              </a:rPr>
+              <a:t>is the interaction for purposes of data deposit or reuse efficient, </a:t>
+            </a:r>
+          </a:p>
+          <a:p>
+            <a:r>
+              <a:rPr lang="en-GB" sz="2000" dirty="0">
+                <a:solidFill>
+                  <a:srgbClr val="0070C0"/>
+                </a:solidFill>
+              </a:rPr>
+              <a:t>	effective and satisfactory for you?</a:t>
+            </a:r>
+          </a:p>
+          <a:p>
+            <a:endParaRPr lang="pl-PL" sz="2000" dirty="0">
+              <a:solidFill>
+                <a:srgbClr val="0070C0"/>
+              </a:solidFill>
+            </a:endParaRPr>
+          </a:p>
+          <a:p>
+            <a:r>
+              <a:rPr lang="pl-PL" sz="2000" b="1" dirty="0">
+                <a:solidFill>
+                  <a:srgbClr val="0070C0"/>
+                </a:solidFill>
+              </a:rPr>
+              <a:t>3. T</a:t>
+            </a:r>
+            <a:r>
+              <a:rPr lang="en-GB" sz="2000" b="1" dirty="0" err="1">
+                <a:solidFill>
+                  <a:srgbClr val="0070C0"/>
+                </a:solidFill>
+              </a:rPr>
+              <a:t>ake</a:t>
+            </a:r>
+            <a:r>
+              <a:rPr lang="en-GB" sz="2000" b="1" dirty="0">
+                <a:solidFill>
+                  <a:srgbClr val="0070C0"/>
+                </a:solidFill>
+              </a:rPr>
+              <a:t>-up and impact: </a:t>
+            </a:r>
+            <a:endParaRPr lang="pl-PL" sz="2000" b="1" dirty="0">
+              <a:solidFill>
+                <a:srgbClr val="0070C0"/>
+              </a:solidFill>
+            </a:endParaRPr>
+          </a:p>
+          <a:p>
+            <a:r>
+              <a:rPr lang="pl-PL" sz="2000" dirty="0">
+                <a:solidFill>
+                  <a:srgbClr val="0070C0"/>
+                </a:solidFill>
+              </a:rPr>
+              <a:t>	</a:t>
+            </a:r>
+            <a:r>
+              <a:rPr lang="en-GB" sz="2000" dirty="0">
+                <a:solidFill>
+                  <a:srgbClr val="0070C0"/>
+                </a:solidFill>
+              </a:rPr>
+              <a:t>what can I put in it? </a:t>
+            </a:r>
+            <a:br>
+              <a:rPr lang="pl-PL" sz="2000" dirty="0">
+                <a:solidFill>
+                  <a:srgbClr val="0070C0"/>
+                </a:solidFill>
+              </a:rPr>
+            </a:br>
+            <a:r>
+              <a:rPr lang="pl-PL" sz="2000" dirty="0">
+                <a:solidFill>
+                  <a:srgbClr val="0070C0"/>
+                </a:solidFill>
+              </a:rPr>
+              <a:t>	i</a:t>
+            </a:r>
+            <a:r>
+              <a:rPr lang="en-GB" sz="2000" dirty="0">
+                <a:solidFill>
+                  <a:srgbClr val="0070C0"/>
+                </a:solidFill>
+              </a:rPr>
+              <a:t>s anyone else using it? </a:t>
+            </a:r>
+            <a:br>
+              <a:rPr lang="pl-PL" sz="2000" dirty="0">
+                <a:solidFill>
+                  <a:srgbClr val="0070C0"/>
+                </a:solidFill>
+              </a:rPr>
+            </a:br>
+            <a:r>
+              <a:rPr lang="pl-PL" sz="2000" dirty="0">
+                <a:solidFill>
+                  <a:srgbClr val="0070C0"/>
+                </a:solidFill>
+              </a:rPr>
+              <a:t>	w</a:t>
+            </a:r>
+            <a:r>
+              <a:rPr lang="en-GB" sz="2000" dirty="0">
+                <a:solidFill>
+                  <a:srgbClr val="0070C0"/>
+                </a:solidFill>
+              </a:rPr>
+              <a:t>ill others be able to find stuff deposited in it?</a:t>
+            </a:r>
+            <a:br>
+              <a:rPr lang="pl-PL" sz="2000" dirty="0">
+                <a:solidFill>
+                  <a:srgbClr val="0070C0"/>
+                </a:solidFill>
+              </a:rPr>
+            </a:br>
+            <a:r>
+              <a:rPr lang="pl-PL" sz="2000" dirty="0">
+                <a:solidFill>
+                  <a:srgbClr val="0070C0"/>
+                </a:solidFill>
+              </a:rPr>
+              <a:t>	is</a:t>
+            </a:r>
+            <a:r>
+              <a:rPr lang="en-GB" sz="2000" dirty="0">
+                <a:solidFill>
+                  <a:srgbClr val="0070C0"/>
+                </a:solidFill>
+              </a:rPr>
+              <a:t> the repository linked to other data repositories</a:t>
+            </a:r>
+            <a:r>
+              <a:rPr lang="pl-PL" sz="2000" dirty="0">
+                <a:solidFill>
+                  <a:srgbClr val="0070C0"/>
+                </a:solidFill>
+              </a:rPr>
+              <a:t>?</a:t>
+            </a:r>
+            <a:br>
+              <a:rPr lang="pl-PL" sz="2000" dirty="0">
+                <a:solidFill>
+                  <a:srgbClr val="0070C0"/>
+                </a:solidFill>
+              </a:rPr>
+            </a:br>
+            <a:r>
+              <a:rPr lang="pl-PL" sz="2000" dirty="0">
+                <a:solidFill>
+                  <a:srgbClr val="0070C0"/>
+                </a:solidFill>
+              </a:rPr>
+              <a:t>	c</a:t>
+            </a:r>
+            <a:r>
+              <a:rPr lang="en-GB" sz="2000" dirty="0">
+                <a:solidFill>
+                  <a:srgbClr val="0070C0"/>
+                </a:solidFill>
+              </a:rPr>
+              <a:t>an others cite the data?</a:t>
+            </a:r>
+            <a:endParaRPr lang="pl-PL" sz="2000" dirty="0">
+              <a:solidFill>
+                <a:srgbClr val="0070C0"/>
+              </a:solidFill>
+            </a:endParaRPr>
+          </a:p>
+          <a:p>
+            <a:endParaRPr lang="en-GB" sz="2000" dirty="0">
+              <a:solidFill>
+                <a:srgbClr val="0070C0"/>
+              </a:solidFill>
+            </a:endParaRPr>
+          </a:p>
+          <a:p>
+            <a:r>
+              <a:rPr lang="pl-PL" sz="2000" b="1" dirty="0">
+                <a:solidFill>
+                  <a:srgbClr val="0070C0"/>
+                </a:solidFill>
+              </a:rPr>
+              <a:t>4. P</a:t>
+            </a:r>
+            <a:r>
+              <a:rPr lang="en-GB" sz="2000" b="1" dirty="0" err="1">
+                <a:solidFill>
+                  <a:srgbClr val="0070C0"/>
+                </a:solidFill>
+              </a:rPr>
+              <a:t>olicy</a:t>
+            </a:r>
+            <a:r>
+              <a:rPr lang="en-GB" sz="2000" b="1" dirty="0">
+                <a:solidFill>
+                  <a:srgbClr val="0070C0"/>
+                </a:solidFill>
+              </a:rPr>
+              <a:t> and process: </a:t>
+            </a:r>
+            <a:br>
+              <a:rPr lang="pl-PL" sz="2000" dirty="0">
+                <a:solidFill>
+                  <a:srgbClr val="0070C0"/>
+                </a:solidFill>
+              </a:rPr>
+            </a:br>
+            <a:r>
+              <a:rPr lang="pl-PL" sz="2000" dirty="0">
+                <a:solidFill>
+                  <a:srgbClr val="0070C0"/>
+                </a:solidFill>
+              </a:rPr>
+              <a:t>	d</a:t>
+            </a:r>
+            <a:r>
+              <a:rPr lang="en-GB" sz="2000" dirty="0" err="1">
+                <a:solidFill>
+                  <a:srgbClr val="0070C0"/>
+                </a:solidFill>
+              </a:rPr>
+              <a:t>oes</a:t>
+            </a:r>
+            <a:r>
+              <a:rPr lang="en-GB" sz="2000" dirty="0">
+                <a:solidFill>
+                  <a:srgbClr val="0070C0"/>
+                </a:solidFill>
+              </a:rPr>
+              <a:t> it help meet</a:t>
+            </a:r>
+            <a:r>
+              <a:rPr lang="pl-PL" sz="2000" dirty="0">
+                <a:solidFill>
+                  <a:srgbClr val="0070C0"/>
+                </a:solidFill>
+              </a:rPr>
+              <a:t>ing</a:t>
+            </a:r>
+            <a:r>
+              <a:rPr lang="en-GB" sz="2000" dirty="0">
+                <a:solidFill>
+                  <a:srgbClr val="0070C0"/>
+                </a:solidFill>
+              </a:rPr>
+              <a:t> community standards</a:t>
+            </a:r>
+            <a:r>
+              <a:rPr lang="pl-PL" sz="2000" dirty="0">
+                <a:solidFill>
+                  <a:srgbClr val="0070C0"/>
+                </a:solidFill>
+              </a:rPr>
+              <a:t>,</a:t>
+            </a:r>
+            <a:r>
+              <a:rPr lang="en-GB" sz="2000" dirty="0">
+                <a:solidFill>
+                  <a:srgbClr val="0070C0"/>
+                </a:solidFill>
+              </a:rPr>
+              <a:t> good practice</a:t>
+            </a:r>
+            <a:r>
+              <a:rPr lang="pl-PL" sz="2000" dirty="0">
+                <a:solidFill>
+                  <a:srgbClr val="0070C0"/>
+                </a:solidFill>
+              </a:rPr>
+              <a:t>s</a:t>
+            </a:r>
+            <a:r>
+              <a:rPr lang="en-GB" sz="2000" dirty="0">
+                <a:solidFill>
+                  <a:srgbClr val="0070C0"/>
+                </a:solidFill>
+              </a:rPr>
+              <a:t> </a:t>
+            </a:r>
+            <a:r>
+              <a:rPr lang="pl-PL" sz="2000" dirty="0">
+                <a:solidFill>
+                  <a:srgbClr val="0070C0"/>
+                </a:solidFill>
+              </a:rPr>
+              <a:t>and</a:t>
+            </a:r>
+            <a:r>
+              <a:rPr lang="en-GB" sz="2000" dirty="0">
+                <a:solidFill>
+                  <a:srgbClr val="0070C0"/>
+                </a:solidFill>
+              </a:rPr>
+              <a:t> policies</a:t>
+            </a:r>
+            <a:r>
+              <a:rPr lang="pl-PL" sz="2000" dirty="0">
+                <a:solidFill>
+                  <a:srgbClr val="0070C0"/>
+                </a:solidFill>
+              </a:rPr>
+              <a:t>?</a:t>
+            </a:r>
+            <a:br>
+              <a:rPr lang="pl-PL" sz="2000" dirty="0">
+                <a:solidFill>
+                  <a:srgbClr val="0070C0"/>
+                </a:solidFill>
+              </a:rPr>
+            </a:br>
+            <a:r>
+              <a:rPr lang="pl-PL" sz="2000" dirty="0">
+                <a:solidFill>
+                  <a:srgbClr val="0070C0"/>
+                </a:solidFill>
+              </a:rPr>
+              <a:t>	is </a:t>
+            </a:r>
+            <a:r>
+              <a:rPr lang="pl-PL" sz="2000" dirty="0" err="1">
+                <a:solidFill>
+                  <a:srgbClr val="0070C0"/>
+                </a:solidFill>
+              </a:rPr>
+              <a:t>it</a:t>
+            </a:r>
+            <a:r>
+              <a:rPr lang="pl-PL" sz="2000" dirty="0">
+                <a:solidFill>
+                  <a:srgbClr val="0070C0"/>
+                </a:solidFill>
+              </a:rPr>
+              <a:t> </a:t>
+            </a:r>
+            <a:r>
+              <a:rPr lang="pl-PL" sz="2000" dirty="0" err="1">
+                <a:solidFill>
+                  <a:srgbClr val="0070C0"/>
+                </a:solidFill>
+              </a:rPr>
+              <a:t>curated</a:t>
+            </a:r>
+            <a:r>
+              <a:rPr lang="pl-PL" sz="2000" dirty="0">
+                <a:solidFill>
+                  <a:srgbClr val="0070C0"/>
+                </a:solidFill>
+              </a:rPr>
+              <a:t>?</a:t>
+            </a:r>
+          </a:p>
+        </p:txBody>
+      </p:sp>
+      <p:sp>
+        <p:nvSpPr>
           <p:cNvPr id="5" name="Title 1">
             <a:extLst>
               <a:ext uri="{FF2B5EF4-FFF2-40B4-BE49-F238E27FC236}">
@@ -6941,103 +7483,12 @@
           <a:lstStyle/>
           <a:p>
             <a:r>
-              <a:rPr lang="pl-PL" dirty="0">
-                <a:solidFill>
-                  <a:srgbClr val="0070C0"/>
-                </a:solidFill>
-              </a:rPr>
-              <a:t>Finding repository</a:t>
-            </a:r>
-            <a:r>
               <a:rPr lang="en-GB" dirty="0">
                 <a:solidFill>
                   <a:srgbClr val="0070C0"/>
                 </a:solidFill>
               </a:rPr>
-              <a:t> - Solution</a:t>
-            </a:r>
-          </a:p>
-        </p:txBody>
-      </p:sp>
-      <p:sp>
-        <p:nvSpPr>
-          <p:cNvPr id="7" name="TextBox 6">
-            <a:extLst>
-              <a:ext uri="{FF2B5EF4-FFF2-40B4-BE49-F238E27FC236}">
-                <a16:creationId xmlns:a16="http://schemas.microsoft.com/office/drawing/2014/main" id="{20AB0459-2566-4B4F-B318-FA9C6A08F0E4}"/>
-              </a:ext>
-            </a:extLst>
-          </p:cNvPr>
-          <p:cNvSpPr txBox="1"/>
-          <p:nvPr/>
-        </p:nvSpPr>
-        <p:spPr>
-          <a:xfrm>
-            <a:off x="1831311" y="2021691"/>
-            <a:ext cx="7754815" cy="1429622"/>
-          </a:xfrm>
-          <a:prstGeom prst="rect">
-            <a:avLst/>
-          </a:prstGeom>
-          <a:noFill/>
-        </p:spPr>
-        <p:txBody>
-          <a:bodyPr wrap="square">
-            <a:spAutoFit/>
-          </a:bodyPr>
-          <a:lstStyle/>
-          <a:p>
-            <a:pPr>
-              <a:lnSpc>
-                <a:spcPct val="150000"/>
-              </a:lnSpc>
-            </a:pPr>
-            <a:r>
-              <a:rPr lang="en-GB" sz="2000" b="1" i="0" dirty="0">
-                <a:solidFill>
-                  <a:srgbClr val="333333"/>
-                </a:solidFill>
-                <a:effectLst/>
-                <a:latin typeface="Ubuntu"/>
-              </a:rPr>
-              <a:t>Find a repo for genomics data:</a:t>
-            </a:r>
-          </a:p>
-          <a:p>
-            <a:pPr>
-              <a:lnSpc>
-                <a:spcPct val="150000"/>
-              </a:lnSpc>
-            </a:pPr>
-            <a:r>
-              <a:rPr lang="en-GB" sz="2000" b="0" i="0" dirty="0">
-                <a:solidFill>
-                  <a:srgbClr val="333333"/>
-                </a:solidFill>
-                <a:effectLst/>
-                <a:latin typeface="Ubuntu"/>
-              </a:rPr>
-              <a:t>GEO/SRA and ENA/</a:t>
-            </a:r>
-            <a:r>
-              <a:rPr lang="en-GB" sz="2000" b="0" i="0" dirty="0" err="1">
-                <a:solidFill>
-                  <a:srgbClr val="333333"/>
-                </a:solidFill>
-                <a:effectLst/>
-                <a:latin typeface="Ubuntu"/>
-              </a:rPr>
-              <a:t>ArrayExpress</a:t>
-            </a:r>
-            <a:r>
-              <a:rPr lang="en-GB" sz="2000" b="0" i="0" dirty="0">
-                <a:solidFill>
-                  <a:srgbClr val="333333"/>
-                </a:solidFill>
-                <a:effectLst/>
-                <a:latin typeface="Ubuntu"/>
-              </a:rPr>
-              <a:t> are good examples. Interestingly these repositories do not issue a DOI.</a:t>
+              <a:t>Evaluating a data repository</a:t>
             </a:r>
           </a:p>
         </p:txBody>
@@ -7045,7 +7496,7 @@
     </p:spTree>
     <p:extLst>
       <p:ext uri="{BB962C8B-B14F-4D97-AF65-F5344CB8AC3E}">
-        <p14:creationId xmlns:p14="http://schemas.microsoft.com/office/powerpoint/2010/main" val="489845771"/>
+        <p14:creationId xmlns:p14="http://schemas.microsoft.com/office/powerpoint/2010/main" val="2410312540"/>
       </p:ext>
     </p:extLst>
   </p:cSld>
@@ -7080,8 +7531,8 @@
         </p:nvSpPr>
         <p:spPr>
           <a:xfrm>
-            <a:off x="742384" y="1451031"/>
-            <a:ext cx="10981854" cy="5016758"/>
+            <a:off x="730192" y="1690688"/>
+            <a:ext cx="10981854" cy="4467057"/>
           </a:xfrm>
           <a:prstGeom prst="rect">
             <a:avLst/>
@@ -7093,495 +7544,184 @@
           </a:bodyPr>
           <a:lstStyle/>
           <a:p>
-            <a:r>
-              <a:rPr lang="pl-PL" sz="2000" b="1" dirty="0">
-                <a:solidFill>
-                  <a:srgbClr val="0070C0"/>
-                </a:solidFill>
-              </a:rPr>
-              <a:t>1. </a:t>
-            </a:r>
-            <a:r>
-              <a:rPr lang="pl-PL" sz="2000" b="1" dirty="0" err="1">
-                <a:solidFill>
-                  <a:srgbClr val="0070C0"/>
-                </a:solidFill>
-              </a:rPr>
-              <a:t>Who</a:t>
-            </a:r>
-            <a:r>
-              <a:rPr lang="pl-PL" sz="2000" b="1" dirty="0">
-                <a:solidFill>
-                  <a:srgbClr val="0070C0"/>
-                </a:solidFill>
-              </a:rPr>
-              <a:t> is behind it? What is its funding?</a:t>
-            </a:r>
-          </a:p>
-          <a:p>
-            <a:endParaRPr lang="pl-PL" sz="2000" dirty="0">
+            <a:pPr marL="285750" indent="-285750">
+              <a:lnSpc>
+                <a:spcPct val="150000"/>
+              </a:lnSpc>
+              <a:buFont typeface="Arial" panose="020B0604020202020204" pitchFamily="34" charset="0"/>
+              <a:buChar char="•"/>
+            </a:pPr>
+            <a:r>
+              <a:rPr lang="en-GB" sz="2400" dirty="0">
+                <a:solidFill>
+                  <a:srgbClr val="0070C0"/>
+                </a:solidFill>
+              </a:rPr>
+              <a:t>Find suitable repository(</a:t>
+            </a:r>
+            <a:r>
+              <a:rPr lang="en-GB" sz="2400" dirty="0" err="1">
+                <a:solidFill>
+                  <a:srgbClr val="0070C0"/>
+                </a:solidFill>
+              </a:rPr>
+              <a:t>ies</a:t>
+            </a:r>
+            <a:r>
+              <a:rPr lang="en-GB" sz="2400" dirty="0">
+                <a:solidFill>
+                  <a:srgbClr val="0070C0"/>
+                </a:solidFill>
+              </a:rPr>
+              <a:t>) as soon as you get your data</a:t>
+            </a:r>
+          </a:p>
+          <a:p>
+            <a:pPr marL="285750" indent="-285750">
+              <a:lnSpc>
+                <a:spcPct val="150000"/>
+              </a:lnSpc>
+              <a:buFont typeface="Arial" panose="020B0604020202020204" pitchFamily="34" charset="0"/>
+              <a:buChar char="•"/>
+            </a:pPr>
+            <a:r>
+              <a:rPr lang="en-GB" sz="2400" dirty="0">
+                <a:solidFill>
+                  <a:srgbClr val="0070C0"/>
+                </a:solidFill>
+              </a:rPr>
+              <a:t>If repository permits embargo deposit data as soon as you get it (especially if analysed externally)</a:t>
+            </a:r>
+            <a:endParaRPr lang="pl-PL" sz="2400" dirty="0">
               <a:solidFill>
                 <a:srgbClr val="0070C0"/>
               </a:solidFill>
             </a:endParaRPr>
           </a:p>
           <a:p>
-            <a:r>
-              <a:rPr lang="pl-PL" sz="2000" b="1" dirty="0">
-                <a:solidFill>
-                  <a:srgbClr val="0070C0"/>
-                </a:solidFill>
-              </a:rPr>
-              <a:t>2. Q</a:t>
-            </a:r>
-            <a:r>
-              <a:rPr lang="en-GB" sz="2000" b="1" dirty="0" err="1">
-                <a:solidFill>
-                  <a:srgbClr val="0070C0"/>
-                </a:solidFill>
-              </a:rPr>
-              <a:t>uality</a:t>
-            </a:r>
-            <a:r>
-              <a:rPr lang="en-GB" sz="2000" b="1" dirty="0">
-                <a:solidFill>
-                  <a:srgbClr val="0070C0"/>
-                </a:solidFill>
-              </a:rPr>
-              <a:t> of interaction</a:t>
-            </a:r>
-            <a:r>
-              <a:rPr lang="pl-PL" sz="2000" b="1" dirty="0">
-                <a:solidFill>
-                  <a:srgbClr val="0070C0"/>
-                </a:solidFill>
-              </a:rPr>
-              <a:t>/interface</a:t>
-            </a:r>
-            <a:r>
-              <a:rPr lang="en-GB" sz="2000" b="1" dirty="0">
-                <a:solidFill>
-                  <a:srgbClr val="0070C0"/>
-                </a:solidFill>
-              </a:rPr>
-              <a:t>: </a:t>
-            </a:r>
-            <a:r>
-              <a:rPr lang="pl-PL" sz="2000" dirty="0">
-                <a:solidFill>
-                  <a:srgbClr val="0070C0"/>
-                </a:solidFill>
-              </a:rPr>
-              <a:t/>
-            </a:r>
-            <a:br>
-              <a:rPr lang="pl-PL" sz="2000" dirty="0">
-                <a:solidFill>
-                  <a:srgbClr val="0070C0"/>
-                </a:solidFill>
-              </a:rPr>
-            </a:br>
-            <a:r>
-              <a:rPr lang="pl-PL" sz="2000" dirty="0">
-                <a:solidFill>
-                  <a:srgbClr val="0070C0"/>
-                </a:solidFill>
-              </a:rPr>
-              <a:t>	</a:t>
-            </a:r>
-            <a:r>
-              <a:rPr lang="en-GB" sz="2000" dirty="0">
-                <a:solidFill>
-                  <a:srgbClr val="0070C0"/>
-                </a:solidFill>
-              </a:rPr>
-              <a:t>is the interaction for purposes of data deposit or reuse efficient, </a:t>
-            </a:r>
-          </a:p>
-          <a:p>
-            <a:r>
-              <a:rPr lang="en-GB" sz="2000" dirty="0">
-                <a:solidFill>
-                  <a:srgbClr val="0070C0"/>
-                </a:solidFill>
-              </a:rPr>
-              <a:t>	effective and satisfactory for you?</a:t>
-            </a:r>
-          </a:p>
-          <a:p>
-            <a:endParaRPr lang="pl-PL" sz="2000" dirty="0">
+            <a:pPr marL="285750" indent="-285750">
+              <a:lnSpc>
+                <a:spcPct val="150000"/>
+              </a:lnSpc>
+              <a:buFont typeface="Arial" panose="020B0604020202020204" pitchFamily="34" charset="0"/>
+              <a:buChar char="•"/>
+            </a:pPr>
+            <a:r>
+              <a:rPr lang="en-GB" sz="2400" dirty="0">
+                <a:solidFill>
+                  <a:srgbClr val="0070C0"/>
+                </a:solidFill>
+              </a:rPr>
+              <a:t>Deposit simultaneously to a very specialized repo and a „main stream” one</a:t>
+            </a:r>
+            <a:r>
+              <a:rPr lang="pl-PL" sz="2400" dirty="0">
+                <a:solidFill>
+                  <a:srgbClr val="0070C0"/>
+                </a:solidFill>
+              </a:rPr>
+              <a:t> (better </a:t>
+            </a:r>
+            <a:r>
+              <a:rPr lang="pl-PL" sz="2400" dirty="0" err="1">
+                <a:solidFill>
+                  <a:srgbClr val="0070C0"/>
+                </a:solidFill>
+              </a:rPr>
+              <a:t>discovery</a:t>
+            </a:r>
+            <a:r>
+              <a:rPr lang="pl-PL" sz="2400" dirty="0">
+                <a:solidFill>
+                  <a:srgbClr val="0070C0"/>
+                </a:solidFill>
+              </a:rPr>
+              <a:t>)</a:t>
+            </a:r>
+          </a:p>
+          <a:p>
+            <a:pPr marL="285750" indent="-285750">
+              <a:lnSpc>
+                <a:spcPct val="150000"/>
+              </a:lnSpc>
+              <a:buFont typeface="Arial" panose="020B0604020202020204" pitchFamily="34" charset="0"/>
+              <a:buChar char="•"/>
+            </a:pPr>
+            <a:r>
+              <a:rPr lang="en-GB" sz="2400" dirty="0">
+                <a:solidFill>
+                  <a:srgbClr val="0070C0"/>
+                </a:solidFill>
+              </a:rPr>
+              <a:t>Cross link your repositories’ records </a:t>
+            </a:r>
+            <a:endParaRPr lang="pl-PL" sz="2400" dirty="0">
               <a:solidFill>
                 <a:srgbClr val="0070C0"/>
               </a:solidFill>
             </a:endParaRPr>
           </a:p>
           <a:p>
-            <a:r>
-              <a:rPr lang="pl-PL" sz="2000" b="1" dirty="0">
-                <a:solidFill>
-                  <a:srgbClr val="0070C0"/>
-                </a:solidFill>
-              </a:rPr>
-              <a:t>3. T</a:t>
-            </a:r>
-            <a:r>
-              <a:rPr lang="en-GB" sz="2000" b="1" dirty="0" err="1">
-                <a:solidFill>
-                  <a:srgbClr val="0070C0"/>
-                </a:solidFill>
-              </a:rPr>
-              <a:t>ake</a:t>
-            </a:r>
-            <a:r>
-              <a:rPr lang="en-GB" sz="2000" b="1" dirty="0">
-                <a:solidFill>
-                  <a:srgbClr val="0070C0"/>
-                </a:solidFill>
-              </a:rPr>
-              <a:t>-up and impact: </a:t>
-            </a:r>
-            <a:endParaRPr lang="pl-PL" sz="2000" b="1" dirty="0">
+            <a:pPr marL="285750" indent="-285750">
+              <a:lnSpc>
+                <a:spcPct val="150000"/>
+              </a:lnSpc>
+              <a:buFont typeface="Arial" panose="020B0604020202020204" pitchFamily="34" charset="0"/>
+              <a:buChar char="•"/>
+            </a:pPr>
+            <a:r>
+              <a:rPr lang="en-GB" sz="2400" dirty="0">
+                <a:solidFill>
+                  <a:srgbClr val="0070C0"/>
+                </a:solidFill>
+              </a:rPr>
+              <a:t>Add data availability</a:t>
+            </a:r>
+            <a:r>
+              <a:rPr lang="pl-PL" sz="2400" dirty="0">
+                <a:solidFill>
+                  <a:srgbClr val="0070C0"/>
+                </a:solidFill>
+              </a:rPr>
+              <a:t> section to your papers and list all the public </a:t>
+            </a:r>
+            <a:r>
+              <a:rPr lang="pl-PL" sz="2400" dirty="0" err="1">
+                <a:solidFill>
+                  <a:srgbClr val="0070C0"/>
+                </a:solidFill>
+              </a:rPr>
+              <a:t>records</a:t>
+            </a:r>
+            <a:endParaRPr lang="pl-PL" sz="2400" dirty="0">
               <a:solidFill>
                 <a:srgbClr val="0070C0"/>
               </a:solidFill>
             </a:endParaRPr>
           </a:p>
           <a:p>
-            <a:r>
-              <a:rPr lang="pl-PL" sz="2000" dirty="0">
-                <a:solidFill>
-                  <a:srgbClr val="0070C0"/>
-                </a:solidFill>
-              </a:rPr>
-              <a:t>	</a:t>
-            </a:r>
-            <a:r>
-              <a:rPr lang="en-GB" sz="2000" dirty="0">
-                <a:solidFill>
-                  <a:srgbClr val="0070C0"/>
-                </a:solidFill>
-              </a:rPr>
-              <a:t>what can I put in it? </a:t>
-            </a:r>
-            <a:r>
-              <a:rPr lang="pl-PL" sz="2000" dirty="0">
-                <a:solidFill>
-                  <a:srgbClr val="0070C0"/>
-                </a:solidFill>
-              </a:rPr>
-              <a:t/>
-            </a:r>
-            <a:br>
-              <a:rPr lang="pl-PL" sz="2000" dirty="0">
-                <a:solidFill>
-                  <a:srgbClr val="0070C0"/>
-                </a:solidFill>
-              </a:rPr>
-            </a:br>
-            <a:r>
-              <a:rPr lang="pl-PL" sz="2000" dirty="0">
-                <a:solidFill>
-                  <a:srgbClr val="0070C0"/>
-                </a:solidFill>
-              </a:rPr>
-              <a:t>	i</a:t>
-            </a:r>
-            <a:r>
-              <a:rPr lang="en-GB" sz="2000" dirty="0">
-                <a:solidFill>
-                  <a:srgbClr val="0070C0"/>
-                </a:solidFill>
-              </a:rPr>
-              <a:t>s anyone else using it? </a:t>
-            </a:r>
-            <a:r>
-              <a:rPr lang="pl-PL" sz="2000" dirty="0">
-                <a:solidFill>
-                  <a:srgbClr val="0070C0"/>
-                </a:solidFill>
-              </a:rPr>
-              <a:t/>
-            </a:r>
-            <a:br>
-              <a:rPr lang="pl-PL" sz="2000" dirty="0">
-                <a:solidFill>
-                  <a:srgbClr val="0070C0"/>
-                </a:solidFill>
-              </a:rPr>
-            </a:br>
-            <a:r>
-              <a:rPr lang="pl-PL" sz="2000" dirty="0">
-                <a:solidFill>
-                  <a:srgbClr val="0070C0"/>
-                </a:solidFill>
-              </a:rPr>
-              <a:t>	w</a:t>
-            </a:r>
-            <a:r>
-              <a:rPr lang="en-GB" sz="2000" dirty="0">
-                <a:solidFill>
-                  <a:srgbClr val="0070C0"/>
-                </a:solidFill>
-              </a:rPr>
-              <a:t>ill others be able to find stuff deposited in it?</a:t>
-            </a:r>
-            <a:r>
-              <a:rPr lang="pl-PL" sz="2000" dirty="0">
-                <a:solidFill>
-                  <a:srgbClr val="0070C0"/>
-                </a:solidFill>
-              </a:rPr>
-              <a:t/>
-            </a:r>
-            <a:br>
-              <a:rPr lang="pl-PL" sz="2000" dirty="0">
-                <a:solidFill>
-                  <a:srgbClr val="0070C0"/>
-                </a:solidFill>
-              </a:rPr>
-            </a:br>
-            <a:r>
-              <a:rPr lang="pl-PL" sz="2000" dirty="0">
-                <a:solidFill>
-                  <a:srgbClr val="0070C0"/>
-                </a:solidFill>
-              </a:rPr>
-              <a:t>	is</a:t>
-            </a:r>
-            <a:r>
-              <a:rPr lang="en-GB" sz="2000" dirty="0">
-                <a:solidFill>
-                  <a:srgbClr val="0070C0"/>
-                </a:solidFill>
-              </a:rPr>
-              <a:t> the repository linked to other data repositories</a:t>
-            </a:r>
-            <a:r>
-              <a:rPr lang="pl-PL" sz="2000" dirty="0">
-                <a:solidFill>
-                  <a:srgbClr val="0070C0"/>
-                </a:solidFill>
-              </a:rPr>
-              <a:t>?</a:t>
-            </a:r>
-            <a:br>
-              <a:rPr lang="pl-PL" sz="2000" dirty="0">
-                <a:solidFill>
-                  <a:srgbClr val="0070C0"/>
-                </a:solidFill>
-              </a:rPr>
-            </a:br>
-            <a:r>
-              <a:rPr lang="pl-PL" sz="2000" dirty="0">
-                <a:solidFill>
-                  <a:srgbClr val="0070C0"/>
-                </a:solidFill>
-              </a:rPr>
-              <a:t>	c</a:t>
-            </a:r>
-            <a:r>
-              <a:rPr lang="en-GB" sz="2000" dirty="0">
-                <a:solidFill>
-                  <a:srgbClr val="0070C0"/>
-                </a:solidFill>
-              </a:rPr>
-              <a:t>an others cite the data?</a:t>
-            </a:r>
-            <a:endParaRPr lang="pl-PL" sz="2000" dirty="0">
-              <a:solidFill>
-                <a:srgbClr val="0070C0"/>
-              </a:solidFill>
-            </a:endParaRPr>
-          </a:p>
-          <a:p>
-            <a:endParaRPr lang="en-GB" sz="2000" dirty="0">
-              <a:solidFill>
-                <a:srgbClr val="0070C0"/>
-              </a:solidFill>
-            </a:endParaRPr>
-          </a:p>
-          <a:p>
-            <a:r>
-              <a:rPr lang="pl-PL" sz="2000" b="1" dirty="0">
-                <a:solidFill>
-                  <a:srgbClr val="0070C0"/>
-                </a:solidFill>
-              </a:rPr>
-              <a:t>4. P</a:t>
-            </a:r>
-            <a:r>
-              <a:rPr lang="en-GB" sz="2000" b="1" dirty="0" err="1">
-                <a:solidFill>
-                  <a:srgbClr val="0070C0"/>
-                </a:solidFill>
-              </a:rPr>
-              <a:t>olicy</a:t>
-            </a:r>
-            <a:r>
-              <a:rPr lang="en-GB" sz="2000" b="1" dirty="0">
-                <a:solidFill>
-                  <a:srgbClr val="0070C0"/>
-                </a:solidFill>
-              </a:rPr>
-              <a:t> and process: </a:t>
-            </a:r>
-            <a:r>
-              <a:rPr lang="pl-PL" sz="2000" dirty="0">
-                <a:solidFill>
-                  <a:srgbClr val="0070C0"/>
-                </a:solidFill>
-              </a:rPr>
-              <a:t/>
-            </a:r>
-            <a:br>
-              <a:rPr lang="pl-PL" sz="2000" dirty="0">
-                <a:solidFill>
-                  <a:srgbClr val="0070C0"/>
-                </a:solidFill>
-              </a:rPr>
-            </a:br>
-            <a:r>
-              <a:rPr lang="pl-PL" sz="2000" dirty="0">
-                <a:solidFill>
-                  <a:srgbClr val="0070C0"/>
-                </a:solidFill>
-              </a:rPr>
-              <a:t>	d</a:t>
-            </a:r>
-            <a:r>
-              <a:rPr lang="en-GB" sz="2000" dirty="0" err="1">
-                <a:solidFill>
-                  <a:srgbClr val="0070C0"/>
-                </a:solidFill>
-              </a:rPr>
-              <a:t>oes</a:t>
-            </a:r>
-            <a:r>
-              <a:rPr lang="en-GB" sz="2000" dirty="0">
-                <a:solidFill>
-                  <a:srgbClr val="0070C0"/>
-                </a:solidFill>
-              </a:rPr>
-              <a:t> it help meet</a:t>
-            </a:r>
-            <a:r>
-              <a:rPr lang="pl-PL" sz="2000" dirty="0">
-                <a:solidFill>
-                  <a:srgbClr val="0070C0"/>
-                </a:solidFill>
-              </a:rPr>
-              <a:t>ing</a:t>
-            </a:r>
-            <a:r>
-              <a:rPr lang="en-GB" sz="2000" dirty="0">
-                <a:solidFill>
-                  <a:srgbClr val="0070C0"/>
-                </a:solidFill>
-              </a:rPr>
-              <a:t> community standards</a:t>
-            </a:r>
-            <a:r>
-              <a:rPr lang="pl-PL" sz="2000" dirty="0">
-                <a:solidFill>
-                  <a:srgbClr val="0070C0"/>
-                </a:solidFill>
-              </a:rPr>
-              <a:t>,</a:t>
-            </a:r>
-            <a:r>
-              <a:rPr lang="en-GB" sz="2000" dirty="0">
-                <a:solidFill>
-                  <a:srgbClr val="0070C0"/>
-                </a:solidFill>
-              </a:rPr>
-              <a:t> good practice</a:t>
-            </a:r>
-            <a:r>
-              <a:rPr lang="pl-PL" sz="2000" dirty="0">
-                <a:solidFill>
-                  <a:srgbClr val="0070C0"/>
-                </a:solidFill>
-              </a:rPr>
-              <a:t>s</a:t>
-            </a:r>
-            <a:r>
-              <a:rPr lang="en-GB" sz="2000" dirty="0">
+            <a:pPr marL="285750" indent="-285750">
+              <a:lnSpc>
+                <a:spcPct val="150000"/>
+              </a:lnSpc>
+              <a:buFont typeface="Arial" panose="020B0604020202020204" pitchFamily="34" charset="0"/>
+              <a:buChar char="•"/>
+            </a:pPr>
+            <a:r>
+              <a:rPr lang="pl-PL" sz="2400" dirty="0">
+                <a:solidFill>
+                  <a:srgbClr val="0070C0"/>
+                </a:solidFill>
+              </a:rPr>
+              <a:t>List your data sets in ORCID</a:t>
+            </a:r>
+            <a:r>
+              <a:rPr lang="en-GB" sz="2400" dirty="0">
                 <a:solidFill>
                   <a:srgbClr val="0070C0"/>
                 </a:solidFill>
               </a:rPr>
               <a:t> </a:t>
-            </a:r>
-            <a:r>
-              <a:rPr lang="pl-PL" sz="2000" dirty="0">
-                <a:solidFill>
-                  <a:srgbClr val="0070C0"/>
-                </a:solidFill>
-              </a:rPr>
-              <a:t>and</a:t>
-            </a:r>
-            <a:r>
-              <a:rPr lang="en-GB" sz="2000" dirty="0">
-                <a:solidFill>
-                  <a:srgbClr val="0070C0"/>
-                </a:solidFill>
-              </a:rPr>
-              <a:t> policies</a:t>
-            </a:r>
-            <a:r>
-              <a:rPr lang="pl-PL" sz="2000" dirty="0">
-                <a:solidFill>
-                  <a:srgbClr val="0070C0"/>
-                </a:solidFill>
-              </a:rPr>
-              <a:t>?</a:t>
-            </a:r>
-            <a:br>
-              <a:rPr lang="pl-PL" sz="2000" dirty="0">
-                <a:solidFill>
-                  <a:srgbClr val="0070C0"/>
-                </a:solidFill>
-              </a:rPr>
-            </a:br>
-            <a:r>
-              <a:rPr lang="pl-PL" sz="2000" dirty="0">
-                <a:solidFill>
-                  <a:srgbClr val="0070C0"/>
-                </a:solidFill>
-              </a:rPr>
-              <a:t>	is </a:t>
-            </a:r>
-            <a:r>
-              <a:rPr lang="pl-PL" sz="2000" dirty="0" err="1">
-                <a:solidFill>
-                  <a:srgbClr val="0070C0"/>
-                </a:solidFill>
-              </a:rPr>
-              <a:t>it</a:t>
-            </a:r>
-            <a:r>
-              <a:rPr lang="pl-PL" sz="2000" dirty="0">
-                <a:solidFill>
-                  <a:srgbClr val="0070C0"/>
-                </a:solidFill>
-              </a:rPr>
-              <a:t> </a:t>
-            </a:r>
-            <a:r>
-              <a:rPr lang="pl-PL" sz="2000" dirty="0" err="1">
-                <a:solidFill>
-                  <a:srgbClr val="0070C0"/>
-                </a:solidFill>
-              </a:rPr>
-              <a:t>curated</a:t>
-            </a:r>
-            <a:r>
-              <a:rPr lang="pl-PL" sz="2000" dirty="0">
-                <a:solidFill>
-                  <a:srgbClr val="0070C0"/>
-                </a:solidFill>
-              </a:rPr>
-              <a:t>?</a:t>
             </a:r>
           </a:p>
         </p:txBody>
@@ -7613,20 +7753,25 @@
           <a:lstStyle/>
           <a:p>
             <a:r>
-              <a:rPr lang="en-GB" dirty="0">
-                <a:solidFill>
-                  <a:srgbClr val="0070C0"/>
-                </a:solidFill>
-              </a:rPr>
-              <a:t>Evaluating a data repository</a:t>
-            </a:r>
+              <a:rPr lang="pl-PL" dirty="0">
+                <a:solidFill>
+                  <a:srgbClr val="0070C0"/>
+                </a:solidFill>
+              </a:rPr>
+              <a:t>Repositories Summary</a:t>
+            </a:r>
+            <a:endParaRPr lang="en-GB" dirty="0">
+              <a:solidFill>
+                <a:srgbClr val="0070C0"/>
+              </a:solidFill>
+            </a:endParaRPr>
           </a:p>
         </p:txBody>
       </p:sp>
     </p:spTree>
     <p:extLst>
       <p:ext uri="{BB962C8B-B14F-4D97-AF65-F5344CB8AC3E}">
-        <p14:creationId xmlns:p14="http://schemas.microsoft.com/office/powerpoint/2010/main" val="2410312540"/>
+        <p14:creationId xmlns:p14="http://schemas.microsoft.com/office/powerpoint/2010/main" val="2464484896"/>
       </p:ext>
     </p:extLst>
   </p:cSld>
@@ -7655,213 +7800,10 @@
       </p:grpSpPr>
       <p:sp>
         <p:nvSpPr>
-          <p:cNvPr id="2" name="Rectangle 1"/>
-          <p:cNvSpPr/>
-          <p:nvPr/>
-        </p:nvSpPr>
-        <p:spPr>
-          <a:xfrm>
-            <a:off x="730192" y="1690688"/>
-            <a:ext cx="10981854" cy="4467057"/>
-          </a:xfrm>
-          <a:prstGeom prst="rect">
-            <a:avLst/>
-          </a:prstGeom>
-        </p:spPr>
-        <p:txBody>
-          <a:bodyPr wrap="square">
-            <a:spAutoFit/>
-          </a:bodyPr>
-          <a:lstStyle/>
-          <a:p>
-            <a:pPr marL="285750" indent="-285750">
-              <a:lnSpc>
-                <a:spcPct val="150000"/>
-              </a:lnSpc>
-              <a:buFont typeface="Arial" panose="020B0604020202020204" pitchFamily="34" charset="0"/>
-              <a:buChar char="•"/>
-            </a:pPr>
-            <a:r>
-              <a:rPr lang="en-GB" sz="2400" dirty="0">
-                <a:solidFill>
-                  <a:srgbClr val="0070C0"/>
-                </a:solidFill>
-              </a:rPr>
-              <a:t>Find suitable repository(</a:t>
-            </a:r>
-            <a:r>
-              <a:rPr lang="en-GB" sz="2400" dirty="0" err="1">
-                <a:solidFill>
-                  <a:srgbClr val="0070C0"/>
-                </a:solidFill>
-              </a:rPr>
-              <a:t>ies</a:t>
-            </a:r>
-            <a:r>
-              <a:rPr lang="en-GB" sz="2400" dirty="0">
-                <a:solidFill>
-                  <a:srgbClr val="0070C0"/>
-                </a:solidFill>
-              </a:rPr>
-              <a:t>) as soon as you get your data</a:t>
-            </a:r>
-          </a:p>
-          <a:p>
-            <a:pPr marL="285750" indent="-285750">
-              <a:lnSpc>
-                <a:spcPct val="150000"/>
-              </a:lnSpc>
-              <a:buFont typeface="Arial" panose="020B0604020202020204" pitchFamily="34" charset="0"/>
-              <a:buChar char="•"/>
-            </a:pPr>
-            <a:r>
-              <a:rPr lang="en-GB" sz="2400" dirty="0">
-                <a:solidFill>
-                  <a:srgbClr val="0070C0"/>
-                </a:solidFill>
-              </a:rPr>
-              <a:t>If repository permits embargo deposit data as soon as you get it (especially if analysed externally)</a:t>
-            </a:r>
-            <a:endParaRPr lang="pl-PL" sz="2400" dirty="0">
-              <a:solidFill>
-                <a:srgbClr val="0070C0"/>
-              </a:solidFill>
-            </a:endParaRPr>
-          </a:p>
-          <a:p>
-            <a:pPr marL="285750" indent="-285750">
-              <a:lnSpc>
-                <a:spcPct val="150000"/>
-              </a:lnSpc>
-              <a:buFont typeface="Arial" panose="020B0604020202020204" pitchFamily="34" charset="0"/>
-              <a:buChar char="•"/>
-            </a:pPr>
-            <a:r>
-              <a:rPr lang="en-GB" sz="2400" dirty="0">
-                <a:solidFill>
-                  <a:srgbClr val="0070C0"/>
-                </a:solidFill>
-              </a:rPr>
-              <a:t>Deposit simultaneously to a very specialized repo and a „main stream” one</a:t>
-            </a:r>
-            <a:r>
-              <a:rPr lang="pl-PL" sz="2400" dirty="0">
-                <a:solidFill>
-                  <a:srgbClr val="0070C0"/>
-                </a:solidFill>
-              </a:rPr>
-              <a:t> (better </a:t>
-            </a:r>
-            <a:r>
-              <a:rPr lang="pl-PL" sz="2400" dirty="0" err="1">
-                <a:solidFill>
-                  <a:srgbClr val="0070C0"/>
-                </a:solidFill>
-              </a:rPr>
-              <a:t>discovery</a:t>
-            </a:r>
-            <a:r>
-              <a:rPr lang="pl-PL" sz="2400" dirty="0">
-                <a:solidFill>
-                  <a:srgbClr val="0070C0"/>
-                </a:solidFill>
-              </a:rPr>
-              <a:t>)</a:t>
-            </a:r>
-          </a:p>
-          <a:p>
-            <a:pPr marL="285750" indent="-285750">
-              <a:lnSpc>
-                <a:spcPct val="150000"/>
-              </a:lnSpc>
-              <a:buFont typeface="Arial" panose="020B0604020202020204" pitchFamily="34" charset="0"/>
-              <a:buChar char="•"/>
-            </a:pPr>
-            <a:r>
-              <a:rPr lang="en-GB" sz="2400" dirty="0">
-                <a:solidFill>
-                  <a:srgbClr val="0070C0"/>
-                </a:solidFill>
-              </a:rPr>
-              <a:t>Cross link your repositories’ records </a:t>
-            </a:r>
-            <a:endParaRPr lang="pl-PL" sz="2400" dirty="0">
-              <a:solidFill>
-                <a:srgbClr val="0070C0"/>
-              </a:solidFill>
-            </a:endParaRPr>
-          </a:p>
-          <a:p>
-            <a:pPr marL="285750" indent="-285750">
-              <a:lnSpc>
-                <a:spcPct val="150000"/>
-              </a:lnSpc>
-              <a:buFont typeface="Arial" panose="020B0604020202020204" pitchFamily="34" charset="0"/>
-              <a:buChar char="•"/>
-            </a:pPr>
-            <a:r>
-              <a:rPr lang="en-GB" sz="2400" dirty="0">
-                <a:solidFill>
-                  <a:srgbClr val="0070C0"/>
-                </a:solidFill>
-              </a:rPr>
-              <a:t>Add data availability</a:t>
-            </a:r>
-            <a:r>
-              <a:rPr lang="pl-PL" sz="2400" dirty="0">
-                <a:solidFill>
-                  <a:srgbClr val="0070C0"/>
-                </a:solidFill>
-              </a:rPr>
-              <a:t> section to your papers and list all the public </a:t>
-            </a:r>
-            <a:r>
-              <a:rPr lang="pl-PL" sz="2400" dirty="0" err="1">
-                <a:solidFill>
-                  <a:srgbClr val="0070C0"/>
-                </a:solidFill>
-              </a:rPr>
-              <a:t>records</a:t>
-            </a:r>
-            <a:endParaRPr lang="pl-PL" sz="2400" dirty="0">
-              <a:solidFill>
-                <a:srgbClr val="0070C0"/>
-              </a:solidFill>
-            </a:endParaRPr>
-          </a:p>
-          <a:p>
-            <a:pPr marL="285750" indent="-285750">
-              <a:lnSpc>
-                <a:spcPct val="150000"/>
-              </a:lnSpc>
-              <a:buFont typeface="Arial" panose="020B0604020202020204" pitchFamily="34" charset="0"/>
-              <a:buChar char="•"/>
-            </a:pPr>
-            <a:r>
-              <a:rPr lang="pl-PL" sz="2400" dirty="0">
-                <a:solidFill>
-                  <a:srgbClr val="0070C0"/>
-                </a:solidFill>
-              </a:rPr>
-              <a:t>List your data sets in ORCID</a:t>
-            </a:r>
-            <a:r>
-              <a:rPr lang="en-GB" sz="2400" dirty="0">
-                <a:solidFill>
-                  <a:srgbClr val="0070C0"/>
-                </a:solidFill>
-              </a:rPr>
-              <a:t> </a:t>
-            </a:r>
-          </a:p>
-        </p:txBody>
-      </p:sp>
-      <p:sp>
-        <p:nvSpPr>
-          <p:cNvPr id="5" name="Title 1">
-            <a:extLst>
-              <a:ext uri="{FF2B5EF4-FFF2-40B4-BE49-F238E27FC236}">
-                <a16:creationId xmlns:a16="http://schemas.microsoft.com/office/drawing/2014/main" id="{775BFE92-9990-4094-B7B2-01514614F16E}"/>
+          <p:cNvPr id="2" name="Title 1">
+            <a:extLst>
+              <a:ext uri="{FF2B5EF4-FFF2-40B4-BE49-F238E27FC236}">
+                <a16:creationId xmlns:a16="http://schemas.microsoft.com/office/drawing/2014/main" id="{0644B4C3-AD1C-4994-814E-0100950A4C17}"/>
               </a:ext>
             </a:extLst>
           </p:cNvPr>
@@ -7874,7 +7816,7 @@
         </p:nvSpPr>
         <p:spPr>
           <a:xfrm>
-            <a:off x="838200" y="365125"/>
+            <a:off x="305637" y="180211"/>
             <a:ext cx="10515600" cy="1325563"/>
           </a:xfrm>
         </p:spPr>
@@ -7883,25 +7825,531 @@
           <a:lstStyle/>
           <a:p>
             <a:r>
-              <a:rPr lang="pl-PL" dirty="0">
-                <a:solidFill>
-                  <a:srgbClr val="0070C0"/>
-                </a:solidFill>
-              </a:rPr>
-              <a:t>Repositories Summary</a:t>
-            </a:r>
-            <a:endParaRPr lang="en-GB" dirty="0">
-              <a:solidFill>
-                <a:srgbClr val="0070C0"/>
-              </a:solidFill>
-            </a:endParaRPr>
+              <a:rPr lang="en-GB" dirty="0"/>
+              <a:t>What about </a:t>
+            </a:r>
+            <a:r>
+              <a:rPr lang="en-GB" dirty="0" err="1"/>
+              <a:t>Github</a:t>
+            </a:r>
+            <a:r>
+              <a:rPr lang="en-GB" dirty="0"/>
+              <a:t>? Can it be cited?</a:t>
+            </a:r>
+          </a:p>
+        </p:txBody>
+      </p:sp>
+      <p:sp>
+        <p:nvSpPr>
+          <p:cNvPr id="5" name="TextBox 4">
+            <a:extLst>
+              <a:ext uri="{FF2B5EF4-FFF2-40B4-BE49-F238E27FC236}">
+                <a16:creationId xmlns:a16="http://schemas.microsoft.com/office/drawing/2014/main" id="{1EF43E33-0E7B-4B21-9546-9C820EA0355B}"/>
+              </a:ext>
+            </a:extLst>
+          </p:cNvPr>
+          <p:cNvSpPr txBox="1"/>
+          <p:nvPr/>
+        </p:nvSpPr>
+        <p:spPr>
+          <a:xfrm>
+            <a:off x="3802462" y="1431152"/>
+            <a:ext cx="6332137" cy="2308324"/>
+          </a:xfrm>
+          <a:prstGeom prst="rect">
+            <a:avLst/>
+          </a:prstGeom>
+          <a:solidFill>
+            <a:schemeClr val="accent1">
+              <a:lumMod val="20000"/>
+              <a:lumOff val="80000"/>
+            </a:schemeClr>
+          </a:solidFill>
+        </p:spPr>
+        <p:txBody>
+          <a:bodyPr wrap="square">
+            <a:spAutoFit/>
+          </a:bodyPr>
+          <a:lstStyle/>
+          <a:p>
+            <a:pPr algn="just"/>
+            <a:r>
+              <a:rPr lang="en-GB" sz="2400" b="0" i="0" dirty="0">
+                <a:solidFill>
+                  <a:srgbClr val="333333"/>
+                </a:solidFill>
+                <a:effectLst/>
+                <a:latin typeface="Ubuntu"/>
+              </a:rPr>
+              <a:t>To make your code repositories easier to reference in academic literature, you can create persistent identifiers for them. Particularly, you can use the data archiving tool in </a:t>
+            </a:r>
+            <a:r>
+              <a:rPr lang="en-GB" sz="2400" b="0" i="0" dirty="0" err="1">
+                <a:solidFill>
+                  <a:srgbClr val="333333"/>
+                </a:solidFill>
+                <a:effectLst/>
+                <a:latin typeface="Ubuntu"/>
+              </a:rPr>
+              <a:t>Zenodo</a:t>
+            </a:r>
+            <a:r>
+              <a:rPr lang="en-GB" sz="2400" b="0" i="0" dirty="0">
+                <a:solidFill>
+                  <a:srgbClr val="333333"/>
+                </a:solidFill>
+                <a:effectLst/>
+                <a:latin typeface="Ubuntu"/>
+              </a:rPr>
+              <a:t> to archive a GitHub repository and issue a DOI for it.</a:t>
+            </a:r>
+            <a:endParaRPr lang="en-GB" sz="2400" dirty="0"/>
+          </a:p>
+        </p:txBody>
+      </p:sp>
+      <p:sp>
+        <p:nvSpPr>
+          <p:cNvPr id="6" name="TextBox 5">
+            <a:extLst>
+              <a:ext uri="{FF2B5EF4-FFF2-40B4-BE49-F238E27FC236}">
+                <a16:creationId xmlns:a16="http://schemas.microsoft.com/office/drawing/2014/main" id="{98A9A35A-D4DA-4FB2-979C-061380BA5A75}"/>
+              </a:ext>
+            </a:extLst>
+          </p:cNvPr>
+          <p:cNvSpPr txBox="1"/>
+          <p:nvPr/>
+        </p:nvSpPr>
+        <p:spPr>
+          <a:xfrm>
+            <a:off x="1896343" y="1862254"/>
+            <a:ext cx="1082156" cy="707886"/>
+          </a:xfrm>
+          <a:prstGeom prst="rect">
+            <a:avLst/>
+          </a:prstGeom>
+          <a:noFill/>
+        </p:spPr>
+        <p:txBody>
+          <a:bodyPr wrap="none" rtlCol="0">
+            <a:spAutoFit/>
+          </a:bodyPr>
+          <a:lstStyle/>
+          <a:p>
+            <a:r>
+              <a:rPr lang="en-GB" sz="4000" dirty="0">
+                <a:solidFill>
+                  <a:srgbClr val="0070C0"/>
+                </a:solidFill>
+              </a:rPr>
+              <a:t>YES!</a:t>
+            </a:r>
+          </a:p>
+        </p:txBody>
+      </p:sp>
+      <p:pic>
+        <p:nvPicPr>
+          <p:cNvPr id="1028" name="Picture 4" descr="What Exactly Is GitHub Anyway? | TechCrunch">
+            <a:extLst>
+              <a:ext uri="{FF2B5EF4-FFF2-40B4-BE49-F238E27FC236}">
+                <a16:creationId xmlns:a16="http://schemas.microsoft.com/office/drawing/2014/main" id="{0268865A-4811-4E7A-AB2F-DDC778793847}"/>
+              </a:ext>
+            </a:extLst>
+          </p:cNvPr>
+          <p:cNvPicPr>
+            <a:picLocks noChangeAspect="1" noChangeArrowheads="1"/>
+          </p:cNvPicPr>
+          <p:nvPr/>
+        </p:nvPicPr>
+        <p:blipFill>
+          <a:blip r:embed="rId3" cstate="hqprint">
+            <a:extLst>
+              <a:ext uri="{28A0092B-C50C-407E-A947-70E740481C1C}">
+                <a14:useLocalDpi xmlns:a14="http://schemas.microsoft.com/office/drawing/2010/main" val="0"/>
+              </a:ext>
+            </a:extLst>
+          </a:blip>
+          <a:srcRect/>
+          <a:stretch>
+            <a:fillRect/>
+          </a:stretch>
+        </p:blipFill>
+        <p:spPr bwMode="auto">
+          <a:xfrm>
+            <a:off x="3561302" y="5487182"/>
+            <a:ext cx="1084382" cy="1084382"/>
+          </a:xfrm>
+          <a:prstGeom prst="rect">
+            <a:avLst/>
+          </a:prstGeom>
+          <a:noFill/>
+          <a:extLst>
+            <a:ext uri="{909E8E84-426E-40DD-AFC4-6F175D3DCCD1}">
+              <a14:hiddenFill xmlns:a14="http://schemas.microsoft.com/office/drawing/2010/main">
+                <a:solidFill>
+                  <a:srgbClr val="FFFFFF"/>
+                </a:solidFill>
+              </a14:hiddenFill>
+            </a:ext>
+          </a:extLst>
+        </p:spPr>
+      </p:pic>
+      <p:pic>
+        <p:nvPicPr>
+          <p:cNvPr id="1030" name="Picture 6" descr="zenodo-is-launched">
+            <a:extLst>
+              <a:ext uri="{FF2B5EF4-FFF2-40B4-BE49-F238E27FC236}">
+                <a16:creationId xmlns:a16="http://schemas.microsoft.com/office/drawing/2014/main" id="{06F62E6D-3784-4F16-9DD9-1AFE853583C0}"/>
+              </a:ext>
+            </a:extLst>
+          </p:cNvPr>
+          <p:cNvPicPr>
+            <a:picLocks noChangeAspect="1" noChangeArrowheads="1"/>
+          </p:cNvPicPr>
+          <p:nvPr/>
+        </p:nvPicPr>
+        <p:blipFill>
+          <a:blip r:embed="rId4">
+            <a:extLst>
+              <a:ext uri="{28A0092B-C50C-407E-A947-70E740481C1C}">
+                <a14:useLocalDpi xmlns:a14="http://schemas.microsoft.com/office/drawing/2010/main" val="0"/>
+              </a:ext>
+            </a:extLst>
+          </a:blip>
+          <a:srcRect/>
+          <a:stretch>
+            <a:fillRect/>
+          </a:stretch>
+        </p:blipFill>
+        <p:spPr bwMode="auto">
+          <a:xfrm>
+            <a:off x="4852674" y="4634695"/>
+            <a:ext cx="3571875" cy="1704975"/>
+          </a:xfrm>
+          <a:prstGeom prst="rect">
+            <a:avLst/>
+          </a:prstGeom>
+          <a:noFill/>
+          <a:extLst>
+            <a:ext uri="{909E8E84-426E-40DD-AFC4-6F175D3DCCD1}">
+              <a14:hiddenFill xmlns:a14="http://schemas.microsoft.com/office/drawing/2010/main">
+                <a:solidFill>
+                  <a:srgbClr val="FFFFFF"/>
+                </a:solidFill>
+              </a14:hiddenFill>
+            </a:ext>
+          </a:extLst>
+        </p:spPr>
+      </p:pic>
+      <p:pic>
+        <p:nvPicPr>
+          <p:cNvPr id="10" name="Picture 4" descr="What Exactly Is GitHub Anyway? | TechCrunch">
+            <a:extLst>
+              <a:ext uri="{FF2B5EF4-FFF2-40B4-BE49-F238E27FC236}">
+                <a16:creationId xmlns:a16="http://schemas.microsoft.com/office/drawing/2014/main" id="{496F2BA2-FD40-4CF9-94E1-A384457ACA16}"/>
+              </a:ext>
+            </a:extLst>
+          </p:cNvPr>
+          <p:cNvPicPr>
+            <a:picLocks noChangeAspect="1" noChangeArrowheads="1"/>
+          </p:cNvPicPr>
+          <p:nvPr/>
+        </p:nvPicPr>
+        <p:blipFill>
+          <a:blip r:embed="rId3" cstate="hqprint">
+            <a:extLst>
+              <a:ext uri="{28A0092B-C50C-407E-A947-70E740481C1C}">
+                <a14:useLocalDpi xmlns:a14="http://schemas.microsoft.com/office/drawing/2010/main" val="0"/>
+              </a:ext>
+            </a:extLst>
+          </a:blip>
+          <a:srcRect/>
+          <a:stretch>
+            <a:fillRect/>
+          </a:stretch>
+        </p:blipFill>
+        <p:spPr bwMode="auto">
+          <a:xfrm>
+            <a:off x="4310483" y="3971218"/>
+            <a:ext cx="1084382" cy="1084382"/>
+          </a:xfrm>
+          <a:prstGeom prst="rect">
+            <a:avLst/>
+          </a:prstGeom>
+          <a:noFill/>
+          <a:extLst>
+            <a:ext uri="{909E8E84-426E-40DD-AFC4-6F175D3DCCD1}">
+              <a14:hiddenFill xmlns:a14="http://schemas.microsoft.com/office/drawing/2010/main">
+                <a:solidFill>
+                  <a:srgbClr val="FFFFFF"/>
+                </a:solidFill>
+              </a14:hiddenFill>
+            </a:ext>
+          </a:extLst>
+        </p:spPr>
+      </p:pic>
+      <p:pic>
+        <p:nvPicPr>
+          <p:cNvPr id="11" name="Picture 4" descr="What Exactly Is GitHub Anyway? | TechCrunch">
+            <a:extLst>
+              <a:ext uri="{FF2B5EF4-FFF2-40B4-BE49-F238E27FC236}">
+                <a16:creationId xmlns:a16="http://schemas.microsoft.com/office/drawing/2014/main" id="{E02671B7-7972-43B1-8257-CE7A202A329B}"/>
+              </a:ext>
+            </a:extLst>
+          </p:cNvPr>
+          <p:cNvPicPr>
+            <a:picLocks noChangeAspect="1" noChangeArrowheads="1"/>
+          </p:cNvPicPr>
+          <p:nvPr/>
+        </p:nvPicPr>
+        <p:blipFill>
+          <a:blip r:embed="rId3" cstate="hqprint">
+            <a:extLst>
+              <a:ext uri="{28A0092B-C50C-407E-A947-70E740481C1C}">
+                <a14:useLocalDpi xmlns:a14="http://schemas.microsoft.com/office/drawing/2010/main" val="0"/>
+              </a:ext>
+            </a:extLst>
+          </a:blip>
+          <a:srcRect/>
+          <a:stretch>
+            <a:fillRect/>
+          </a:stretch>
+        </p:blipFill>
+        <p:spPr bwMode="auto">
+          <a:xfrm>
+            <a:off x="5937056" y="3559433"/>
+            <a:ext cx="1084382" cy="1084382"/>
+          </a:xfrm>
+          <a:prstGeom prst="rect">
+            <a:avLst/>
+          </a:prstGeom>
+          <a:noFill/>
+          <a:extLst>
+            <a:ext uri="{909E8E84-426E-40DD-AFC4-6F175D3DCCD1}">
+              <a14:hiddenFill xmlns:a14="http://schemas.microsoft.com/office/drawing/2010/main">
+                <a:solidFill>
+                  <a:srgbClr val="FFFFFF"/>
+                </a:solidFill>
+              </a14:hiddenFill>
+            </a:ext>
+          </a:extLst>
+        </p:spPr>
+      </p:pic>
+      <p:pic>
+        <p:nvPicPr>
+          <p:cNvPr id="12" name="Picture 4" descr="What Exactly Is GitHub Anyway? | TechCrunch">
+            <a:extLst>
+              <a:ext uri="{FF2B5EF4-FFF2-40B4-BE49-F238E27FC236}">
+                <a16:creationId xmlns:a16="http://schemas.microsoft.com/office/drawing/2014/main" id="{C30661E2-0F2E-4230-8E51-ACBF66279A61}"/>
+              </a:ext>
+            </a:extLst>
+          </p:cNvPr>
+          <p:cNvPicPr>
+            <a:picLocks noChangeAspect="1" noChangeArrowheads="1"/>
+          </p:cNvPicPr>
+          <p:nvPr/>
+        </p:nvPicPr>
+        <p:blipFill>
+          <a:blip r:embed="rId3" cstate="hqprint">
+            <a:extLst>
+              <a:ext uri="{28A0092B-C50C-407E-A947-70E740481C1C}">
+                <a14:useLocalDpi xmlns:a14="http://schemas.microsoft.com/office/drawing/2010/main" val="0"/>
+              </a:ext>
+            </a:extLst>
+          </a:blip>
+          <a:srcRect/>
+          <a:stretch>
+            <a:fillRect/>
+          </a:stretch>
+        </p:blipFill>
+        <p:spPr bwMode="auto">
+          <a:xfrm>
+            <a:off x="8041722" y="3921735"/>
+            <a:ext cx="1084382" cy="1084382"/>
+          </a:xfrm>
+          <a:prstGeom prst="rect">
+            <a:avLst/>
+          </a:prstGeom>
+          <a:noFill/>
+          <a:extLst>
+            <a:ext uri="{909E8E84-426E-40DD-AFC4-6F175D3DCCD1}">
+              <a14:hiddenFill xmlns:a14="http://schemas.microsoft.com/office/drawing/2010/main">
+                <a:solidFill>
+                  <a:srgbClr val="FFFFFF"/>
+                </a:solidFill>
+              </a14:hiddenFill>
+            </a:ext>
+          </a:extLst>
+        </p:spPr>
+      </p:pic>
+      <p:pic>
+        <p:nvPicPr>
+          <p:cNvPr id="13" name="Picture 4" descr="What Exactly Is GitHub Anyway? | TechCrunch">
+            <a:extLst>
+              <a:ext uri="{FF2B5EF4-FFF2-40B4-BE49-F238E27FC236}">
+                <a16:creationId xmlns:a16="http://schemas.microsoft.com/office/drawing/2014/main" id="{9BAB43FF-0190-40F9-BD07-2BF85AE5053E}"/>
+              </a:ext>
+            </a:extLst>
+          </p:cNvPr>
+          <p:cNvPicPr>
+            <a:picLocks noChangeAspect="1" noChangeArrowheads="1"/>
+          </p:cNvPicPr>
+          <p:nvPr/>
+        </p:nvPicPr>
+        <p:blipFill>
+          <a:blip r:embed="rId3" cstate="hqprint">
+            <a:extLst>
+              <a:ext uri="{28A0092B-C50C-407E-A947-70E740481C1C}">
+                <a14:useLocalDpi xmlns:a14="http://schemas.microsoft.com/office/drawing/2010/main" val="0"/>
+              </a:ext>
+            </a:extLst>
+          </a:blip>
+          <a:srcRect/>
+          <a:stretch>
+            <a:fillRect/>
+          </a:stretch>
+        </p:blipFill>
+        <p:spPr bwMode="auto">
+          <a:xfrm>
+            <a:off x="8089348" y="5487182"/>
+            <a:ext cx="1084382" cy="1084382"/>
+          </a:xfrm>
+          <a:prstGeom prst="rect">
+            <a:avLst/>
+          </a:prstGeom>
+          <a:noFill/>
+          <a:extLst>
+            <a:ext uri="{909E8E84-426E-40DD-AFC4-6F175D3DCCD1}">
+              <a14:hiddenFill xmlns:a14="http://schemas.microsoft.com/office/drawing/2010/main">
+                <a:solidFill>
+                  <a:srgbClr val="FFFFFF"/>
+                </a:solidFill>
+              </a14:hiddenFill>
+            </a:ext>
+          </a:extLst>
+        </p:spPr>
+      </p:pic>
+      <p:pic>
+        <p:nvPicPr>
+          <p:cNvPr id="14" name="Picture 4" descr="What Exactly Is GitHub Anyway? | TechCrunch">
+            <a:extLst>
+              <a:ext uri="{FF2B5EF4-FFF2-40B4-BE49-F238E27FC236}">
+                <a16:creationId xmlns:a16="http://schemas.microsoft.com/office/drawing/2014/main" id="{5047CE5C-BA72-42AC-92A2-7A13E0D35128}"/>
+              </a:ext>
+            </a:extLst>
+          </p:cNvPr>
+          <p:cNvPicPr>
+            <a:picLocks noChangeAspect="1" noChangeArrowheads="1"/>
+          </p:cNvPicPr>
+          <p:nvPr/>
+        </p:nvPicPr>
+        <p:blipFill>
+          <a:blip r:embed="rId3" cstate="hqprint">
+            <a:extLst>
+              <a:ext uri="{28A0092B-C50C-407E-A947-70E740481C1C}">
+                <a14:useLocalDpi xmlns:a14="http://schemas.microsoft.com/office/drawing/2010/main" val="0"/>
+              </a:ext>
+            </a:extLst>
+          </a:blip>
+          <a:srcRect/>
+          <a:stretch>
+            <a:fillRect/>
+          </a:stretch>
+        </p:blipFill>
+        <p:spPr bwMode="auto">
+          <a:xfrm>
+            <a:off x="6619664" y="5797479"/>
+            <a:ext cx="1084382" cy="1084382"/>
+          </a:xfrm>
+          <a:prstGeom prst="rect">
+            <a:avLst/>
+          </a:prstGeom>
+          <a:noFill/>
+          <a:extLst>
+            <a:ext uri="{909E8E84-426E-40DD-AFC4-6F175D3DCCD1}">
+              <a14:hiddenFill xmlns:a14="http://schemas.microsoft.com/office/drawing/2010/main">
+                <a:solidFill>
+                  <a:srgbClr val="FFFFFF"/>
+                </a:solidFill>
+              </a14:hiddenFill>
+            </a:ext>
+          </a:extLst>
+        </p:spPr>
+      </p:pic>
+      <p:sp>
+        <p:nvSpPr>
+          <p:cNvPr id="7" name="TextBox 6">
+            <a:extLst>
+              <a:ext uri="{FF2B5EF4-FFF2-40B4-BE49-F238E27FC236}">
+                <a16:creationId xmlns:a16="http://schemas.microsoft.com/office/drawing/2014/main" id="{0A61927E-39C9-4171-9DD7-41B4704B8A30}"/>
+              </a:ext>
+            </a:extLst>
+          </p:cNvPr>
+          <p:cNvSpPr txBox="1"/>
+          <p:nvPr/>
+        </p:nvSpPr>
+        <p:spPr>
+          <a:xfrm>
+            <a:off x="100019" y="6169709"/>
+            <a:ext cx="2892715" cy="646331"/>
+          </a:xfrm>
+          <a:prstGeom prst="rect">
+            <a:avLst/>
+          </a:prstGeom>
+          <a:noFill/>
+        </p:spPr>
+        <p:txBody>
+          <a:bodyPr wrap="none" rtlCol="0">
+            <a:spAutoFit/>
+          </a:bodyPr>
+          <a:lstStyle/>
+          <a:p>
+            <a:r>
+              <a:rPr lang="en-GB" sz="1200" dirty="0"/>
+              <a:t>Image credits:</a:t>
+            </a:r>
+          </a:p>
+          <a:p>
+            <a:pPr marL="285750" indent="-285750">
+              <a:buFont typeface="Arial" panose="020B0604020202020204" pitchFamily="34" charset="0"/>
+              <a:buChar char="•"/>
+            </a:pPr>
+            <a:r>
+              <a:rPr lang="en-GB" sz="1200" dirty="0" err="1"/>
+              <a:t>Zenodo</a:t>
+            </a:r>
+            <a:r>
+              <a:rPr lang="en-GB" sz="1200" dirty="0"/>
+              <a:t> logo: Openaire.eu</a:t>
+            </a:r>
+          </a:p>
+          <a:p>
+            <a:pPr marL="285750" indent="-285750">
+              <a:buFont typeface="Arial" panose="020B0604020202020204" pitchFamily="34" charset="0"/>
+              <a:buChar char="•"/>
+            </a:pPr>
+            <a:r>
+              <a:rPr lang="en-GB" sz="1200" dirty="0" err="1"/>
+              <a:t>Github</a:t>
+            </a:r>
+            <a:r>
+              <a:rPr lang="en-GB" sz="1200" dirty="0"/>
+              <a:t> logo: </a:t>
+            </a:r>
+            <a:r>
+              <a:rPr lang="en-GB" sz="1200" dirty="0" err="1"/>
+              <a:t>Klint</a:t>
+            </a:r>
+            <a:r>
+              <a:rPr lang="en-GB" sz="1200" dirty="0"/>
+              <a:t> Finley (TechCrunch+)</a:t>
+            </a:r>
           </a:p>
         </p:txBody>
       </p:sp>
     </p:spTree>
     <p:extLst>
       <p:ext uri="{BB962C8B-B14F-4D97-AF65-F5344CB8AC3E}">
-        <p14:creationId xmlns:p14="http://schemas.microsoft.com/office/powerpoint/2010/main" val="2464484896"/>
+        <p14:creationId xmlns:p14="http://schemas.microsoft.com/office/powerpoint/2010/main" val="4074167485"/>
       </p:ext>
     </p:extLst>
   </p:cSld>
@@ -7956,15 +8404,7 @@
           <a:p>
             <a:r>
               <a:rPr lang="en-GB" dirty="0"/>
-              <a:t>What about </a:t>
-            </a:r>
-            <a:r>
-              <a:rPr lang="en-GB" dirty="0" err="1"/>
-              <a:t>Github</a:t>
-            </a:r>
-            <a:r>
-              <a:rPr lang="en-GB" dirty="0"/>
-              <a:t>? Can it be cited?</a:t>
+              <a:t>What about the ReadMe file?</a:t>
             </a:r>
           </a:p>
         </p:txBody>
@@ -7983,8 +8423,8 @@
         </p:nvSpPr>
         <p:spPr>
           <a:xfrm>
-            <a:off x="3802462" y="1431152"/>
-            <a:ext cx="6332137" cy="2308324"/>
+            <a:off x="2766714" y="2228671"/>
+            <a:ext cx="6296130" cy="1200329"/>
           </a:xfrm>
           <a:prstGeom prst="rect">
             <a:avLst/>
@@ -8002,7 +8442,7 @@
           </a:bodyPr>
           <a:lstStyle/>
           <a:p>
-            <a:pPr algn="just"/>
+            <a:pPr algn="ctr"/>
             <a:r>
               <a:rPr lang="en-GB" sz="2400" b="0" i="0" dirty="0">
                 <a:solidFill>
@@ -8011,7 +8451,7 @@
                 <a:effectLst/>
                 <a:latin typeface="Ubuntu"/>
               </a:rPr>
-              <a:t>To make your code repositories easier to reference in academic literature, you can create persistent identifiers for them. Particularly, you can use the data archiving tool in </a:t>
+              <a:t>Always include a ReadMe file when you deposit in “General” research data public repositories, such as </a:t>
             </a:r>
             <a:r>
               <a:rPr lang="en-GB" sz="2400" b="0" i="0" dirty="0" err="1">
@@ -8021,7 +8461,7 @@
                 <a:effectLst/>
                 <a:latin typeface="Ubuntu"/>
               </a:rPr>
-              <a:t>Zenodo</a:t>
+              <a:t>DataShare</a:t>
             </a:r>
             <a:r>
               <a:rPr lang="en-GB" sz="2400" b="0" i="0" dirty="0">
@@ -8031,7 +8471,27 @@
                 <a:effectLst/>
                 <a:latin typeface="Ubuntu"/>
               </a:rPr>
-              <a:t> to archive a GitHub repository and issue a DOI for it.</a:t>
+              <a:t> or </a:t>
+            </a:r>
+            <a:r>
+              <a:rPr lang="en-GB" sz="2400" b="0" i="0" dirty="0" err="1">
+                <a:solidFill>
+                  <a:srgbClr val="333333"/>
+                </a:solidFill>
+                <a:effectLst/>
+                <a:latin typeface="Ubuntu"/>
+              </a:rPr>
+              <a:t>Zenodo</a:t>
+            </a:r>
+            <a:r>
+              <a:rPr lang="en-GB" sz="2400" b="0" i="0" dirty="0">
+                <a:solidFill>
+                  <a:srgbClr val="333333"/>
+                </a:solidFill>
+                <a:effectLst/>
+                <a:latin typeface="Ubuntu"/>
+              </a:rPr>
+              <a:t>.</a:t>
             </a:r>
             <a:endParaRPr lang="en-GB" sz="2400" dirty="0"/>
           </a:p>
@@ -8039,10 +8499,10 @@
       </p:sp>
       <p:sp>
         <p:nvSpPr>
-          <p:cNvPr id="6" name="TextBox 5">
-            <a:extLst>
-              <a:ext uri="{FF2B5EF4-FFF2-40B4-BE49-F238E27FC236}">
-                <a16:creationId xmlns:a16="http://schemas.microsoft.com/office/drawing/2014/main" id="{98A9A35A-D4DA-4FB2-979C-061380BA5A75}"/>
+          <p:cNvPr id="16" name="TextBox 15">
+            <a:extLst>
+              <a:ext uri="{FF2B5EF4-FFF2-40B4-BE49-F238E27FC236}">
+                <a16:creationId xmlns:a16="http://schemas.microsoft.com/office/drawing/2014/main" id="{F48D18B6-429B-4ACA-B9AC-8341B6F657F3}"/>
               </a:ext>
             </a:extLst>
           </p:cNvPr>
@@ -8051,8 +8511,8 @@
         </p:nvSpPr>
         <p:spPr>
           <a:xfrm>
-            <a:off x="1896343" y="1862254"/>
-            <a:ext cx="1082156" cy="707886"/>
+            <a:off x="7352472" y="4571050"/>
+            <a:ext cx="6094324" cy="369332"/>
           </a:xfrm>
           <a:prstGeom prst="rect">
             <a:avLst/>
@@ -8060,357 +8520,30 @@
           <a:noFill/>
         </p:spPr>
         <p:txBody>
-          <a:bodyPr wrap="none" rtlCol="0">
+          <a:bodyPr wrap="square">
             <a:spAutoFit/>
           </a:bodyPr>
           <a:lstStyle/>
           <a:p>
             <a:r>
-              <a:rPr lang="en-GB" sz="4000" dirty="0">
-                <a:solidFill>
-                  <a:srgbClr val="0070C0"/>
-                </a:solidFill>
-              </a:rPr>
-              <a:t>YES!</a:t>
-            </a:r>
-          </a:p>
-        </p:txBody>
-      </p:sp>
-      <p:pic>
-        <p:nvPicPr>
-          <p:cNvPr id="1028" name="Picture 4" descr="What Exactly Is GitHub Anyway? | TechCrunch">
-            <a:extLst>
-              <a:ext uri="{FF2B5EF4-FFF2-40B4-BE49-F238E27FC236}">
-                <a16:creationId xmlns:a16="http://schemas.microsoft.com/office/drawing/2014/main" id="{0268865A-4811-4E7A-AB2F-DDC778793847}"/>
-              </a:ext>
-            </a:extLst>
-          </p:cNvPr>
-          <p:cNvPicPr>
-            <a:picLocks noChangeAspect="1" noChangeArrowheads="1"/>
-          </p:cNvPicPr>
-          <p:nvPr/>
-        </p:nvPicPr>
-        <p:blipFill>
-          <a:blip r:embed="rId3" cstate="hqprint">
-            <a:extLst>
-              <a:ext uri="{28A0092B-C50C-407E-A947-70E740481C1C}">
-                <a14:useLocalDpi xmlns:a14="http://schemas.microsoft.com/office/drawing/2010/main" val="0"/>
-              </a:ext>
-            </a:extLst>
-          </a:blip>
-          <a:srcRect/>
-          <a:stretch>
-            <a:fillRect/>
-          </a:stretch>
-        </p:blipFill>
-        <p:spPr bwMode="auto">
-          <a:xfrm>
-            <a:off x="3561302" y="5487182"/>
-            <a:ext cx="1084382" cy="1084382"/>
-          </a:xfrm>
-          <a:prstGeom prst="rect">
-            <a:avLst/>
-          </a:prstGeom>
-          <a:noFill/>
-          <a:extLst>
-            <a:ext uri="{909E8E84-426E-40DD-AFC4-6F175D3DCCD1}">
-              <a14:hiddenFill xmlns:a14="http://schemas.microsoft.com/office/drawing/2010/main">
-                <a:solidFill>
-                  <a:srgbClr val="FFFFFF"/>
-                </a:solidFill>
-              </a14:hiddenFill>
-            </a:ext>
-          </a:extLst>
-        </p:spPr>
-      </p:pic>
-      <p:pic>
-        <p:nvPicPr>
-          <p:cNvPr id="1030" name="Picture 6" descr="zenodo-is-launched">
-            <a:extLst>
-              <a:ext uri="{FF2B5EF4-FFF2-40B4-BE49-F238E27FC236}">
-                <a16:creationId xmlns:a16="http://schemas.microsoft.com/office/drawing/2014/main" id="{06F62E6D-3784-4F16-9DD9-1AFE853583C0}"/>
-              </a:ext>
-            </a:extLst>
-          </p:cNvPr>
-          <p:cNvPicPr>
-            <a:picLocks noChangeAspect="1" noChangeArrowheads="1"/>
-          </p:cNvPicPr>
-          <p:nvPr/>
-        </p:nvPicPr>
-        <p:blipFill>
-          <a:blip r:embed="rId4">
-            <a:extLst>
-              <a:ext uri="{28A0092B-C50C-407E-A947-70E740481C1C}">
-                <a14:useLocalDpi xmlns:a14="http://schemas.microsoft.com/office/drawing/2010/main" val="0"/>
-              </a:ext>
-            </a:extLst>
-          </a:blip>
-          <a:srcRect/>
-          <a:stretch>
-            <a:fillRect/>
-          </a:stretch>
-        </p:blipFill>
-        <p:spPr bwMode="auto">
-          <a:xfrm>
-            <a:off x="4852674" y="4634695"/>
-            <a:ext cx="3571875" cy="1704975"/>
-          </a:xfrm>
-          <a:prstGeom prst="rect">
-            <a:avLst/>
-          </a:prstGeom>
-          <a:noFill/>
-          <a:extLst>
-            <a:ext uri="{909E8E84-426E-40DD-AFC4-6F175D3DCCD1}">
-              <a14:hiddenFill xmlns:a14="http://schemas.microsoft.com/office/drawing/2010/main">
-                <a:solidFill>
-                  <a:srgbClr val="FFFFFF"/>
-                </a:solidFill>
-              </a14:hiddenFill>
-            </a:ext>
-          </a:extLst>
-        </p:spPr>
-      </p:pic>
-      <p:pic>
-        <p:nvPicPr>
-          <p:cNvPr id="10" name="Picture 4" descr="What Exactly Is GitHub Anyway? | TechCrunch">
-            <a:extLst>
-              <a:ext uri="{FF2B5EF4-FFF2-40B4-BE49-F238E27FC236}">
-                <a16:creationId xmlns:a16="http://schemas.microsoft.com/office/drawing/2014/main" id="{496F2BA2-FD40-4CF9-94E1-A384457ACA16}"/>
-              </a:ext>
-            </a:extLst>
-          </p:cNvPr>
-          <p:cNvPicPr>
-            <a:picLocks noChangeAspect="1" noChangeArrowheads="1"/>
-          </p:cNvPicPr>
-          <p:nvPr/>
-        </p:nvPicPr>
-        <p:blipFill>
-          <a:blip r:embed="rId3" cstate="hqprint">
-            <a:extLst>
-              <a:ext uri="{28A0092B-C50C-407E-A947-70E740481C1C}">
-                <a14:useLocalDpi xmlns:a14="http://schemas.microsoft.com/office/drawing/2010/main" val="0"/>
-              </a:ext>
-            </a:extLst>
-          </a:blip>
-          <a:srcRect/>
-          <a:stretch>
-            <a:fillRect/>
-          </a:stretch>
-        </p:blipFill>
-        <p:spPr bwMode="auto">
-          <a:xfrm>
-            <a:off x="4310483" y="3971218"/>
-            <a:ext cx="1084382" cy="1084382"/>
-          </a:xfrm>
-          <a:prstGeom prst="rect">
-            <a:avLst/>
-          </a:prstGeom>
-          <a:noFill/>
-          <a:extLst>
-            <a:ext uri="{909E8E84-426E-40DD-AFC4-6F175D3DCCD1}">
-              <a14:hiddenFill xmlns:a14="http://schemas.microsoft.com/office/drawing/2010/main">
-                <a:solidFill>
-                  <a:srgbClr val="FFFFFF"/>
-                </a:solidFill>
-              </a14:hiddenFill>
-            </a:ext>
-          </a:extLst>
-        </p:spPr>
-      </p:pic>
-      <p:pic>
-        <p:nvPicPr>
-          <p:cNvPr id="11" name="Picture 4" descr="What Exactly Is GitHub Anyway? | TechCrunch">
-            <a:extLst>
-              <a:ext uri="{FF2B5EF4-FFF2-40B4-BE49-F238E27FC236}">
-                <a16:creationId xmlns:a16="http://schemas.microsoft.com/office/drawing/2014/main" id="{E02671B7-7972-43B1-8257-CE7A202A329B}"/>
-              </a:ext>
-            </a:extLst>
-          </p:cNvPr>
-          <p:cNvPicPr>
-            <a:picLocks noChangeAspect="1" noChangeArrowheads="1"/>
-          </p:cNvPicPr>
-          <p:nvPr/>
-        </p:nvPicPr>
-        <p:blipFill>
-          <a:blip r:embed="rId3" cstate="hqprint">
-            <a:extLst>
-              <a:ext uri="{28A0092B-C50C-407E-A947-70E740481C1C}">
-                <a14:useLocalDpi xmlns:a14="http://schemas.microsoft.com/office/drawing/2010/main" val="0"/>
-              </a:ext>
-            </a:extLst>
-          </a:blip>
-          <a:srcRect/>
-          <a:stretch>
-            <a:fillRect/>
-          </a:stretch>
-        </p:blipFill>
-        <p:spPr bwMode="auto">
-          <a:xfrm>
-            <a:off x="5937056" y="3559433"/>
-            <a:ext cx="1084382" cy="1084382"/>
-          </a:xfrm>
-          <a:prstGeom prst="rect">
-            <a:avLst/>
-          </a:prstGeom>
-          <a:noFill/>
-          <a:extLst>
-            <a:ext uri="{909E8E84-426E-40DD-AFC4-6F175D3DCCD1}">
-              <a14:hiddenFill xmlns:a14="http://schemas.microsoft.com/office/drawing/2010/main">
-                <a:solidFill>
-                  <a:srgbClr val="FFFFFF"/>
-                </a:solidFill>
-              </a14:hiddenFill>
-            </a:ext>
-          </a:extLst>
-        </p:spPr>
-      </p:pic>
-      <p:pic>
-        <p:nvPicPr>
-          <p:cNvPr id="12" name="Picture 4" descr="What Exactly Is GitHub Anyway? | TechCrunch">
-            <a:extLst>
-              <a:ext uri="{FF2B5EF4-FFF2-40B4-BE49-F238E27FC236}">
-                <a16:creationId xmlns:a16="http://schemas.microsoft.com/office/drawing/2014/main" id="{C30661E2-0F2E-4230-8E51-ACBF66279A61}"/>
-              </a:ext>
-            </a:extLst>
-          </p:cNvPr>
-          <p:cNvPicPr>
-            <a:picLocks noChangeAspect="1" noChangeArrowheads="1"/>
-          </p:cNvPicPr>
-          <p:nvPr/>
-        </p:nvPicPr>
-        <p:blipFill>
-          <a:blip r:embed="rId3" cstate="hqprint">
-            <a:extLst>
-              <a:ext uri="{28A0092B-C50C-407E-A947-70E740481C1C}">
-                <a14:useLocalDpi xmlns:a14="http://schemas.microsoft.com/office/drawing/2010/main" val="0"/>
-              </a:ext>
-            </a:extLst>
-          </a:blip>
-          <a:srcRect/>
-          <a:stretch>
-            <a:fillRect/>
-          </a:stretch>
-        </p:blipFill>
-        <p:spPr bwMode="auto">
-          <a:xfrm>
-            <a:off x="8041722" y="3921735"/>
-            <a:ext cx="1084382" cy="1084382"/>
-          </a:xfrm>
-          <a:prstGeom prst="rect">
-            <a:avLst/>
-          </a:prstGeom>
-          <a:noFill/>
-          <a:extLst>
-            <a:ext uri="{909E8E84-426E-40DD-AFC4-6F175D3DCCD1}">
-              <a14:hiddenFill xmlns:a14="http://schemas.microsoft.com/office/drawing/2010/main">
-                <a:solidFill>
-                  <a:srgbClr val="FFFFFF"/>
-                </a:solidFill>
-              </a14:hiddenFill>
-            </a:ext>
-          </a:extLst>
-        </p:spPr>
-      </p:pic>
-      <p:pic>
-        <p:nvPicPr>
-          <p:cNvPr id="13" name="Picture 4" descr="What Exactly Is GitHub Anyway? | TechCrunch">
-            <a:extLst>
-              <a:ext uri="{FF2B5EF4-FFF2-40B4-BE49-F238E27FC236}">
-                <a16:creationId xmlns:a16="http://schemas.microsoft.com/office/drawing/2014/main" id="{9BAB43FF-0190-40F9-BD07-2BF85AE5053E}"/>
-              </a:ext>
-            </a:extLst>
-          </p:cNvPr>
-          <p:cNvPicPr>
-            <a:picLocks noChangeAspect="1" noChangeArrowheads="1"/>
-          </p:cNvPicPr>
-          <p:nvPr/>
-        </p:nvPicPr>
-        <p:blipFill>
-          <a:blip r:embed="rId3" cstate="hqprint">
-            <a:extLst>
-              <a:ext uri="{28A0092B-C50C-407E-A947-70E740481C1C}">
-                <a14:useLocalDpi xmlns:a14="http://schemas.microsoft.com/office/drawing/2010/main" val="0"/>
-              </a:ext>
-            </a:extLst>
-          </a:blip>
-          <a:srcRect/>
-          <a:stretch>
-            <a:fillRect/>
-          </a:stretch>
-        </p:blipFill>
-        <p:spPr bwMode="auto">
-          <a:xfrm>
-            <a:off x="8089348" y="5487182"/>
-            <a:ext cx="1084382" cy="1084382"/>
-          </a:xfrm>
-          <a:prstGeom prst="rect">
-            <a:avLst/>
-          </a:prstGeom>
-          <a:noFill/>
-          <a:extLst>
-            <a:ext uri="{909E8E84-426E-40DD-AFC4-6F175D3DCCD1}">
-              <a14:hiddenFill xmlns:a14="http://schemas.microsoft.com/office/drawing/2010/main">
-                <a:solidFill>
-                  <a:srgbClr val="FFFFFF"/>
-                </a:solidFill>
-              </a14:hiddenFill>
-            </a:ext>
-          </a:extLst>
-        </p:spPr>
-      </p:pic>
-      <p:pic>
-        <p:nvPicPr>
-          <p:cNvPr id="14" name="Picture 4" descr="What Exactly Is GitHub Anyway? | TechCrunch">
-            <a:extLst>
-              <a:ext uri="{FF2B5EF4-FFF2-40B4-BE49-F238E27FC236}">
-                <a16:creationId xmlns:a16="http://schemas.microsoft.com/office/drawing/2014/main" id="{5047CE5C-BA72-42AC-92A2-7A13E0D35128}"/>
-              </a:ext>
-            </a:extLst>
-          </p:cNvPr>
-          <p:cNvPicPr>
-            <a:picLocks noChangeAspect="1" noChangeArrowheads="1"/>
-          </p:cNvPicPr>
-          <p:nvPr/>
-        </p:nvPicPr>
-        <p:blipFill>
-          <a:blip r:embed="rId3" cstate="hqprint">
-            <a:extLst>
-              <a:ext uri="{28A0092B-C50C-407E-A947-70E740481C1C}">
-                <a14:useLocalDpi xmlns:a14="http://schemas.microsoft.com/office/drawing/2010/main" val="0"/>
-              </a:ext>
-            </a:extLst>
-          </a:blip>
-          <a:srcRect/>
-          <a:stretch>
-            <a:fillRect/>
-          </a:stretch>
-        </p:blipFill>
-        <p:spPr bwMode="auto">
-          <a:xfrm>
-            <a:off x="6619664" y="5797479"/>
-            <a:ext cx="1084382" cy="1084382"/>
-          </a:xfrm>
-          <a:prstGeom prst="rect">
-            <a:avLst/>
-          </a:prstGeom>
-          <a:noFill/>
-          <a:extLst>
-            <a:ext uri="{909E8E84-426E-40DD-AFC4-6F175D3DCCD1}">
-              <a14:hiddenFill xmlns:a14="http://schemas.microsoft.com/office/drawing/2010/main">
-                <a:solidFill>
-                  <a:srgbClr val="FFFFFF"/>
-                </a:solidFill>
-              </a14:hiddenFill>
-            </a:ext>
-          </a:extLst>
-        </p:spPr>
-      </p:pic>
-      <p:sp>
-        <p:nvSpPr>
-          <p:cNvPr id="7" name="TextBox 6">
-            <a:extLst>
-              <a:ext uri="{FF2B5EF4-FFF2-40B4-BE49-F238E27FC236}">
-                <a16:creationId xmlns:a16="http://schemas.microsoft.com/office/drawing/2014/main" id="{0A61927E-39C9-4171-9DD7-41B4704B8A30}"/>
+              <a:rPr lang="en-GB" dirty="0">
+                <a:hlinkClick r:id="rId2"/>
+              </a:rPr>
+              <a:t>https://www.wiki.ed.ac.uk/x/XbRVHQ</a:t>
+            </a:r>
+            <a:r>
+              <a:rPr lang="en-GB" dirty="0"/>
+              <a:t> </a:t>
+            </a:r>
+          </a:p>
+        </p:txBody>
+      </p:sp>
+      <p:sp>
+        <p:nvSpPr>
+          <p:cNvPr id="8" name="TextBox 7">
+            <a:extLst>
+              <a:ext uri="{FF2B5EF4-FFF2-40B4-BE49-F238E27FC236}">
+                <a16:creationId xmlns:a16="http://schemas.microsoft.com/office/drawing/2014/main" id="{97160006-7E89-4AA4-86CC-F661B527EF12}"/>
               </a:ext>
             </a:extLst>
           </p:cNvPr>
@@ -8419,8 +8552,8 @@
         </p:nvSpPr>
         <p:spPr>
           <a:xfrm>
-            <a:off x="100019" y="6169709"/>
-            <a:ext cx="2892715" cy="646331"/>
+            <a:off x="1939332" y="4306332"/>
+            <a:ext cx="3975447" cy="646331"/>
           </a:xfrm>
           <a:prstGeom prst="rect">
             <a:avLst/>
@@ -8433,53 +8566,80 @@
           </a:bodyPr>
           <a:lstStyle/>
           <a:p>
-            <a:r>
-              <a:rPr lang="en-GB" sz="1200" dirty="0"/>
-              <a:t>Image credits:</a:t>
-            </a:r>
-          </a:p>
-          <a:p>
-            <a:pPr marL="285750" indent="-285750">
-              <a:buFont typeface="Arial" panose="020B0604020202020204" pitchFamily="34" charset="0"/>
-              <a:buChar char="•"/>
-            </a:pPr>
-            <a:r>
-              <a:rPr lang="en-GB" sz="1200" dirty="0" err="1"/>
-              <a:t>Zenodo</a:t>
-            </a:r>
-            <a:r>
-              <a:rPr lang="en-GB" sz="1200" dirty="0"/>
-              <a:t> logo: Openaire.eu</a:t>
-            </a:r>
-          </a:p>
-          <a:p>
-            <a:pPr marL="285750" indent="-285750">
-              <a:buFont typeface="Arial" panose="020B0604020202020204" pitchFamily="34" charset="0"/>
-              <a:buChar char="•"/>
-            </a:pPr>
-            <a:r>
-              <a:rPr lang="en-GB" sz="1200" dirty="0" err="1"/>
-              <a:t>Github</a:t>
-            </a:r>
-            <a:r>
-              <a:rPr lang="en-GB" sz="1200" dirty="0"/>
-              <a:t> logo: </a:t>
-            </a:r>
-            <a:r>
-              <a:rPr lang="en-GB" sz="1200" dirty="0" err="1"/>
-              <a:t>Klint</a:t>
-            </a:r>
-            <a:r>
-              <a:rPr lang="en-GB" sz="1200" dirty="0"/>
-              <a:t> Finley (TechCrunch+)</a:t>
-            </a:r>
+            <a:pPr algn="ctr"/>
+            <a:r>
+              <a:rPr lang="en-GB" dirty="0"/>
+              <a:t>An example readme file can be found at </a:t>
+            </a:r>
+          </a:p>
+          <a:p>
+            <a:pPr algn="ctr"/>
+            <a:r>
+              <a:rPr lang="en-GB" dirty="0" err="1"/>
+              <a:t>BioRDM’s</a:t>
+            </a:r>
+            <a:r>
+              <a:rPr lang="en-GB" dirty="0"/>
+              <a:t> Wiki Page for </a:t>
+            </a:r>
+            <a:r>
+              <a:rPr lang="en-GB" dirty="0" err="1"/>
+              <a:t>DataShare</a:t>
+            </a:r>
+            <a:endParaRPr lang="en-GB" dirty="0"/>
+          </a:p>
+        </p:txBody>
+      </p:sp>
+      <p:sp>
+        <p:nvSpPr>
+          <p:cNvPr id="9" name="Arrow: Right 8">
+            <a:extLst>
+              <a:ext uri="{FF2B5EF4-FFF2-40B4-BE49-F238E27FC236}">
+                <a16:creationId xmlns:a16="http://schemas.microsoft.com/office/drawing/2014/main" id="{3FA85775-6AD8-4E37-B1B9-6BAA1BAA3DA0}"/>
+              </a:ext>
+            </a:extLst>
+          </p:cNvPr>
+          <p:cNvSpPr/>
+          <p:nvPr/>
+        </p:nvSpPr>
+        <p:spPr>
+          <a:xfrm>
+            <a:off x="6277223" y="4318612"/>
+            <a:ext cx="884255" cy="621770"/>
+          </a:xfrm>
+          <a:prstGeom prst="rightArrow">
+            <a:avLst/>
+          </a:prstGeom>
+        </p:spPr>
+        <p:style>
+          <a:lnRef idx="2">
+            <a:schemeClr val="accent1">
+              <a:shade val="50000"/>
+            </a:schemeClr>
+          </a:lnRef>
+          <a:fillRef idx="1">
+            <a:schemeClr val="accent1"/>
+          </a:fillRef>
+          <a:effectRef idx="0">
+            <a:schemeClr val="accent1"/>
+          </a:effectRef>
+          <a:fontRef idx="minor">
+            <a:schemeClr val="lt1"/>
+          </a:fontRef>
+        </p:style>
+        <p:txBody>
+          <a:bodyPr rtlCol="0" anchor="ctr"/>
+          <a:lstStyle/>
+          <a:p>
+            <a:pPr algn="ctr"/>
+            <a:endParaRPr lang="en-GB"/>
           </a:p>
         </p:txBody>
       </p:sp>
     </p:spTree>
     <p:extLst>
       <p:ext uri="{BB962C8B-B14F-4D97-AF65-F5344CB8AC3E}">
-        <p14:creationId xmlns:p14="http://schemas.microsoft.com/office/powerpoint/2010/main" val="4074167485"/>
+        <p14:creationId xmlns:p14="http://schemas.microsoft.com/office/powerpoint/2010/main" val="1507444769"/>
       </p:ext>
     </p:extLst>
   </p:cSld>
@@ -8506,296 +8666,6 @@
           <a:chExt cx="0" cy="0"/>
         </a:xfrm>
       </p:grpSpPr>
-      <p:sp>
-        <p:nvSpPr>
-          <p:cNvPr id="2" name="Title 1">
-            <a:extLst>
-              <a:ext uri="{FF2B5EF4-FFF2-40B4-BE49-F238E27FC236}">
-                <a16:creationId xmlns:a16="http://schemas.microsoft.com/office/drawing/2014/main" id="{0644B4C3-AD1C-4994-814E-0100950A4C17}"/>
-              </a:ext>
-            </a:extLst>
-          </p:cNvPr>
-          <p:cNvSpPr>
-            <a:spLocks noGrp="1"/>
-          </p:cNvSpPr>
-          <p:nvPr>
-            <p:ph type="title"/>
-          </p:nvPr>
-        </p:nvSpPr>
-        <p:spPr>
-          <a:xfrm>
-            <a:off x="305637" y="180211"/>
-            <a:ext cx="10515600" cy="1325563"/>
-          </a:xfrm>
-        </p:spPr>
-        <p:txBody>
-          <a:bodyPr/>
-          <a:lstStyle/>
-          <a:p>
-            <a:r>
-              <a:rPr lang="en-GB" dirty="0"/>
-              <a:t>What about the ReadMe file?</a:t>
-            </a:r>
-          </a:p>
-        </p:txBody>
-      </p:sp>
-      <p:sp>
-        <p:nvSpPr>
-          <p:cNvPr id="5" name="TextBox 4">
-            <a:extLst>
-              <a:ext uri="{FF2B5EF4-FFF2-40B4-BE49-F238E27FC236}">
-                <a16:creationId xmlns:a16="http://schemas.microsoft.com/office/drawing/2014/main" id="{1EF43E33-0E7B-4B21-9546-9C820EA0355B}"/>
-              </a:ext>
-            </a:extLst>
-          </p:cNvPr>
-          <p:cNvSpPr txBox="1"/>
-          <p:nvPr/>
-        </p:nvSpPr>
-        <p:spPr>
-          <a:xfrm>
-            <a:off x="2766714" y="2228671"/>
-            <a:ext cx="6296130" cy="1200329"/>
-          </a:xfrm>
-          <a:prstGeom prst="rect">
-            <a:avLst/>
-          </a:prstGeom>
-          <a:solidFill>
-            <a:schemeClr val="accent1">
-              <a:lumMod val="20000"/>
-              <a:lumOff val="80000"/>
-            </a:schemeClr>
-          </a:solidFill>
-        </p:spPr>
-        <p:txBody>
-          <a:bodyPr wrap="square">
-            <a:spAutoFit/>
-          </a:bodyPr>
-          <a:lstStyle/>
-          <a:p>
-            <a:pPr algn="ctr"/>
-            <a:r>
-              <a:rPr lang="en-GB" sz="2400" b="0" i="0" dirty="0">
-                <a:solidFill>
-                  <a:srgbClr val="333333"/>
-                </a:solidFill>
-                <a:effectLst/>
-                <a:latin typeface="Ubuntu"/>
-              </a:rPr>
-              <a:t>Always include a ReadMe file when you deposit in “General” research data public repositories, such as </a:t>
-            </a:r>
-            <a:r>
-              <a:rPr lang="en-GB" sz="2400" b="0" i="0" dirty="0" err="1">
-                <a:solidFill>
-                  <a:srgbClr val="333333"/>
-                </a:solidFill>
-                <a:effectLst/>
-                <a:latin typeface="Ubuntu"/>
-              </a:rPr>
-              <a:t>DataShare</a:t>
-            </a:r>
-            <a:r>
-              <a:rPr lang="en-GB" sz="2400" b="0" i="0" dirty="0">
-                <a:solidFill>
-                  <a:srgbClr val="333333"/>
-                </a:solidFill>
-                <a:effectLst/>
-                <a:latin typeface="Ubuntu"/>
-              </a:rPr>
-              <a:t> or </a:t>
-            </a:r>
-            <a:r>
-              <a:rPr lang="en-GB" sz="2400" b="0" i="0" dirty="0" err="1">
-                <a:solidFill>
-                  <a:srgbClr val="333333"/>
-                </a:solidFill>
-                <a:effectLst/>
-                <a:latin typeface="Ubuntu"/>
-              </a:rPr>
-              <a:t>Zenodo</a:t>
-            </a:r>
-            <a:r>
-              <a:rPr lang="en-GB" sz="2400" b="0" i="0" dirty="0">
-                <a:solidFill>
-                  <a:srgbClr val="333333"/>
-                </a:solidFill>
-                <a:effectLst/>
-                <a:latin typeface="Ubuntu"/>
-              </a:rPr>
-              <a:t>.</a:t>
-            </a:r>
-            <a:endParaRPr lang="en-GB" sz="2400" dirty="0"/>
-          </a:p>
-        </p:txBody>
-      </p:sp>
-      <p:sp>
-        <p:nvSpPr>
-          <p:cNvPr id="16" name="TextBox 15">
-            <a:extLst>
-              <a:ext uri="{FF2B5EF4-FFF2-40B4-BE49-F238E27FC236}">
-                <a16:creationId xmlns:a16="http://schemas.microsoft.com/office/drawing/2014/main" id="{F48D18B6-429B-4ACA-B9AC-8341B6F657F3}"/>
-              </a:ext>
-            </a:extLst>
-          </p:cNvPr>
-          <p:cNvSpPr txBox="1"/>
-          <p:nvPr/>
-        </p:nvSpPr>
-        <p:spPr>
-          <a:xfrm>
-            <a:off x="7352472" y="4571050"/>
-            <a:ext cx="6094324" cy="369332"/>
-          </a:xfrm>
-          <a:prstGeom prst="rect">
-            <a:avLst/>
-          </a:prstGeom>
-          <a:noFill/>
-        </p:spPr>
-        <p:txBody>
-          <a:bodyPr wrap="square">
-            <a:spAutoFit/>
-          </a:bodyPr>
-          <a:lstStyle/>
-          <a:p>
-            <a:r>
-              <a:rPr lang="en-GB" dirty="0">
-                <a:hlinkClick r:id="rId2"/>
-              </a:rPr>
-              <a:t>https://www.wiki.ed.ac.uk/x/XbRVHQ</a:t>
-            </a:r>
-            <a:r>
-              <a:rPr lang="en-GB" dirty="0"/>
-              <a:t> </a:t>
-            </a:r>
-          </a:p>
-        </p:txBody>
-      </p:sp>
-      <p:sp>
-        <p:nvSpPr>
-          <p:cNvPr id="8" name="TextBox 7">
-            <a:extLst>
-              <a:ext uri="{FF2B5EF4-FFF2-40B4-BE49-F238E27FC236}">
-                <a16:creationId xmlns:a16="http://schemas.microsoft.com/office/drawing/2014/main" id="{97160006-7E89-4AA4-86CC-F661B527EF12}"/>
-              </a:ext>
-            </a:extLst>
-          </p:cNvPr>
-          <p:cNvSpPr txBox="1"/>
-          <p:nvPr/>
-        </p:nvSpPr>
-        <p:spPr>
-          <a:xfrm>
-            <a:off x="1939332" y="4306332"/>
-            <a:ext cx="3975447" cy="646331"/>
-          </a:xfrm>
-          <a:prstGeom prst="rect">
-            <a:avLst/>
-          </a:prstGeom>
-          <a:noFill/>
-        </p:spPr>
-        <p:txBody>
-          <a:bodyPr wrap="none" rtlCol="0">
-            <a:spAutoFit/>
-          </a:bodyPr>
-          <a:lstStyle/>
-          <a:p>
-            <a:pPr algn="ctr"/>
-            <a:r>
-              <a:rPr lang="en-GB" dirty="0"/>
-              <a:t>An example readme file can be found at </a:t>
-            </a:r>
-          </a:p>
-          <a:p>
-            <a:pPr algn="ctr"/>
-            <a:r>
-              <a:rPr lang="en-GB" dirty="0" err="1"/>
-              <a:t>BioRDM’s</a:t>
-            </a:r>
-            <a:r>
-              <a:rPr lang="en-GB" dirty="0"/>
-              <a:t> Wiki Page for </a:t>
-            </a:r>
-            <a:r>
-              <a:rPr lang="en-GB" dirty="0" err="1"/>
-              <a:t>DataShare</a:t>
-            </a:r>
-            <a:endParaRPr lang="en-GB" dirty="0"/>
-          </a:p>
-        </p:txBody>
-      </p:sp>
-      <p:sp>
-        <p:nvSpPr>
-          <p:cNvPr id="9" name="Arrow: Right 8">
-            <a:extLst>
-              <a:ext uri="{FF2B5EF4-FFF2-40B4-BE49-F238E27FC236}">
-                <a16:creationId xmlns:a16="http://schemas.microsoft.com/office/drawing/2014/main" id="{3FA85775-6AD8-4E37-B1B9-6BAA1BAA3DA0}"/>
-              </a:ext>
-            </a:extLst>
-          </p:cNvPr>
-          <p:cNvSpPr/>
-          <p:nvPr/>
-        </p:nvSpPr>
-        <p:spPr>
-          <a:xfrm>
-            <a:off x="6277223" y="4318612"/>
-            <a:ext cx="884255" cy="621770"/>
-          </a:xfrm>
-          <a:prstGeom prst="rightArrow">
-            <a:avLst/>
-          </a:prstGeom>
-        </p:spPr>
-        <p:style>
-          <a:lnRef idx="2">
-            <a:schemeClr val="accent1">
-              <a:shade val="50000"/>
-            </a:schemeClr>
-          </a:lnRef>
-          <a:fillRef idx="1">
-            <a:schemeClr val="accent1"/>
-          </a:fillRef>
-          <a:effectRef idx="0">
-            <a:schemeClr val="accent1"/>
-          </a:effectRef>
-          <a:fontRef idx="minor">
-            <a:schemeClr val="lt1"/>
-          </a:fontRef>
-        </p:style>
-        <p:txBody>
-          <a:bodyPr rtlCol="0" anchor="ctr"/>
-          <a:lstStyle/>
-          <a:p>
-            <a:pPr algn="ctr"/>
-            <a:endParaRPr lang="en-GB"/>
-          </a:p>
-        </p:txBody>
-      </p:sp>
-    </p:spTree>
-    <p:extLst>
-      <p:ext uri="{BB962C8B-B14F-4D97-AF65-F5344CB8AC3E}">
-        <p14:creationId xmlns:p14="http://schemas.microsoft.com/office/powerpoint/2010/main" val="1507444769"/>
-      </p:ext>
-    </p:extLst>
-  </p:cSld>
-  <p:clrMapOvr>
-    <a:masterClrMapping/>
-  </p:clrMapOvr>
-</p:sld>
-</file>
-
-<file path=ppt/slides/slide26.xml><?xml version="1.0" encoding="utf-8"?>
-<p:sld xmlns:a="http://schemas.openxmlformats.org/drawingml/2006/main" xmlns:r="http://schemas.openxmlformats.org/officeDocument/2006/relationships" xmlns:p="http://schemas.openxmlformats.org/presentationml/2006/main">
-  <p:cSld>
-    <p:spTree>
-      <p:nvGrpSpPr>
-        <p:cNvPr id="1" name=""/>
-        <p:cNvGrpSpPr/>
-        <p:nvPr/>
-      </p:nvGrpSpPr>
-      <p:grpSpPr>
-        <a:xfrm>
-          <a:off x="0" y="0"/>
-          <a:ext cx="0" cy="0"/>
-          <a:chOff x="0" y="0"/>
-          <a:chExt cx="0" cy="0"/>
-        </a:xfrm>
-      </p:grpSpPr>
       <p:pic>
         <p:nvPicPr>
           <p:cNvPr id="4" name="Picture 2" descr="Ed_DaSH">
@@ -8996,7 +8866,7 @@
 </p:sld>
 </file>
 
-<file path=ppt/slides/slide27.xml><?xml version="1.0" encoding="utf-8"?>
+<file path=ppt/slides/slide26.xml><?xml version="1.0" encoding="utf-8"?>
 <p:sld xmlns:a="http://schemas.openxmlformats.org/drawingml/2006/main" xmlns:r="http://schemas.openxmlformats.org/officeDocument/2006/relationships" xmlns:p="http://schemas.openxmlformats.org/presentationml/2006/main">
   <p:cSld>
     <p:spTree>
@@ -9043,261 +8913,197 @@
           <a:chExt cx="0" cy="0"/>
         </a:xfrm>
       </p:grpSpPr>
-      <p:sp>
-        <p:nvSpPr>
-          <p:cNvPr id="5" name="TextBox 4">
-            <a:extLst>
-              <a:ext uri="{FF2B5EF4-FFF2-40B4-BE49-F238E27FC236}">
-                <a16:creationId xmlns:a16="http://schemas.microsoft.com/office/drawing/2014/main" id="{3A7A1F5C-9C70-4DE3-BA39-7835B2935EB3}"/>
-              </a:ext>
-            </a:extLst>
-          </p:cNvPr>
-          <p:cNvSpPr txBox="1"/>
+      <p:pic>
+        <p:nvPicPr>
+          <p:cNvPr id="3" name="Picture 2" descr="http://2.bp.blogspot.com/-pSVlRf9P_q0/V-zHNtoNHmI/AAAAAAAALGU/mVlaYp0n1DMtmp9rRMtAwV_a0Jj-MD2fwCK4B/s1600/FAIR.png">
+            <a:extLst>
+              <a:ext uri="{FF2B5EF4-FFF2-40B4-BE49-F238E27FC236}">
+                <a16:creationId xmlns:a16="http://schemas.microsoft.com/office/drawing/2014/main" id="{F1145B5C-E672-4E3C-B4D6-B2EC43366A16}"/>
+              </a:ext>
+            </a:extLst>
+          </p:cNvPr>
+          <p:cNvPicPr>
+            <a:picLocks noChangeAspect="1" noChangeArrowheads="1"/>
+          </p:cNvPicPr>
           <p:nvPr/>
-        </p:nvSpPr>
-        <p:spPr>
+        </p:nvPicPr>
+        <p:blipFill>
+          <a:blip r:embed="rId3">
+            <a:extLst>
+              <a:ext uri="{28A0092B-C50C-407E-A947-70E740481C1C}">
+                <a14:useLocalDpi xmlns:a14="http://schemas.microsoft.com/office/drawing/2010/main" val="0"/>
+              </a:ext>
+            </a:extLst>
+          </a:blip>
+          <a:srcRect/>
+          <a:stretch>
+            <a:fillRect/>
+          </a:stretch>
+        </p:blipFill>
+        <p:spPr bwMode="auto">
           <a:xfrm>
-            <a:off x="948099" y="1355649"/>
-            <a:ext cx="8837169" cy="3970318"/>
+            <a:off x="1326968" y="2190209"/>
+            <a:ext cx="9036496" cy="3066791"/>
           </a:xfrm>
           <a:prstGeom prst="rect">
             <a:avLst/>
           </a:prstGeom>
           <a:noFill/>
+          <a:extLst>
+            <a:ext uri="{909E8E84-426E-40DD-AFC4-6F175D3DCCD1}">
+              <a14:hiddenFill xmlns:a14="http://schemas.microsoft.com/office/drawing/2010/main">
+                <a:solidFill>
+                  <a:srgbClr val="FFFFFF"/>
+                </a:solidFill>
+              </a14:hiddenFill>
+            </a:ext>
+          </a:extLst>
         </p:spPr>
+      </p:pic>
+      <p:sp>
+        <p:nvSpPr>
+          <p:cNvPr id="6" name="TextBox 5">
+            <a:extLst>
+              <a:ext uri="{FF2B5EF4-FFF2-40B4-BE49-F238E27FC236}">
+                <a16:creationId xmlns:a16="http://schemas.microsoft.com/office/drawing/2014/main" id="{587A6BA4-1EAD-4C82-8F7B-0B5FE9570DCC}"/>
+              </a:ext>
+            </a:extLst>
+          </p:cNvPr>
+          <p:cNvSpPr txBox="1"/>
+          <p:nvPr/>
+        </p:nvSpPr>
+        <p:spPr>
+          <a:xfrm>
+            <a:off x="875490" y="680378"/>
+            <a:ext cx="6096000" cy="584775"/>
+          </a:xfrm>
+          <a:prstGeom prst="rect">
+            <a:avLst/>
+          </a:prstGeom>
+          <a:ln>
+            <a:noFill/>
+          </a:ln>
+        </p:spPr>
+        <p:style>
+          <a:lnRef idx="2">
+            <a:schemeClr val="accent1"/>
+          </a:lnRef>
+          <a:fillRef idx="1">
+            <a:schemeClr val="lt1"/>
+          </a:fillRef>
+          <a:effectRef idx="0">
+            <a:schemeClr val="accent1"/>
+          </a:effectRef>
+          <a:fontRef idx="minor">
+            <a:schemeClr val="dk1"/>
+          </a:fontRef>
+        </p:style>
         <p:txBody>
           <a:bodyPr wrap="square">
             <a:spAutoFit/>
           </a:bodyPr>
           <a:lstStyle/>
           <a:p>
-            <a:r>
-              <a:rPr lang="en-GB" sz="2800" dirty="0">
-                <a:solidFill>
-                  <a:srgbClr val="0070C0"/>
-                </a:solidFill>
-              </a:rPr>
-              <a:t>Research data repositories are online repositories that enable the preservation, curation and publication of research ‘products’:</a:t>
-            </a:r>
-            <a:endParaRPr lang="pl-PL" sz="2800" dirty="0">
-              <a:solidFill>
-                <a:srgbClr val="0070C0"/>
-              </a:solidFill>
-            </a:endParaRPr>
-          </a:p>
-          <a:p>
-            <a:endParaRPr lang="en-GB" sz="2800" dirty="0">
-              <a:solidFill>
-                <a:srgbClr val="0070C0"/>
-              </a:solidFill>
-            </a:endParaRPr>
-          </a:p>
-          <a:p>
-            <a:pPr marL="457200" indent="-457200">
-              <a:buFont typeface="Arial" panose="020B0604020202020204" pitchFamily="34" charset="0"/>
-              <a:buChar char="•"/>
+            <a:pPr marL="0" marR="0" lvl="0" indent="0" algn="l" defTabSz="914400" rtl="0" eaLnBrk="1" fontAlgn="auto" latinLnBrk="0" hangingPunct="1">
+              <a:lnSpc>
+                <a:spcPct val="100000"/>
+              </a:lnSpc>
+              <a:spcBef>
+                <a:spcPts val="0"/>
+              </a:spcBef>
+              <a:spcAft>
+                <a:spcPts val="0"/>
+              </a:spcAft>
+              <a:buClrTx/>
+              <a:buSzTx/>
+              <a:buFontTx/>
+              <a:buNone/>
+              <a:tabLst/>
+              <a:defRPr/>
             </a:pPr>
             <a:r>
-              <a:rPr lang="pl-PL" sz="2800" dirty="0">
-                <a:solidFill>
-                  <a:srgbClr val="0070C0"/>
-                </a:solidFill>
-              </a:rPr>
-              <a:t>data</a:t>
-            </a:r>
-            <a:endParaRPr lang="en-GB" sz="2800" dirty="0">
-              <a:solidFill>
-                <a:srgbClr val="0070C0"/>
-              </a:solidFill>
-            </a:endParaRPr>
-          </a:p>
-          <a:p>
-            <a:pPr marL="457200" indent="-457200">
-              <a:buFont typeface="Arial" panose="020B0604020202020204" pitchFamily="34" charset="0"/>
-              <a:buChar char="•"/>
-            </a:pPr>
-            <a:r>
-              <a:rPr lang="pl-PL" sz="2800" dirty="0">
-                <a:solidFill>
-                  <a:srgbClr val="0070C0"/>
-                </a:solidFill>
-              </a:rPr>
-              <a:t>code</a:t>
-            </a:r>
-          </a:p>
-          <a:p>
-            <a:pPr marL="457200" indent="-457200">
-              <a:buFont typeface="Arial" panose="020B0604020202020204" pitchFamily="34" charset="0"/>
-              <a:buChar char="•"/>
-            </a:pPr>
-            <a:r>
-              <a:rPr lang="pl-PL" sz="2800" dirty="0">
-                <a:solidFill>
-                  <a:srgbClr val="0070C0"/>
-                </a:solidFill>
-              </a:rPr>
-              <a:t>protocols</a:t>
-            </a:r>
-            <a:endParaRPr lang="en-GB" sz="2800" dirty="0">
-              <a:solidFill>
-                <a:srgbClr val="0070C0"/>
-              </a:solidFill>
-            </a:endParaRPr>
-          </a:p>
-          <a:p>
-            <a:pPr marL="457200" indent="-457200">
-              <a:buFont typeface="Arial" panose="020B0604020202020204" pitchFamily="34" charset="0"/>
-              <a:buChar char="•"/>
-            </a:pPr>
-            <a:endParaRPr lang="en-GB" sz="2800" dirty="0">
-              <a:solidFill>
-                <a:srgbClr val="0070C0"/>
-              </a:solidFill>
-            </a:endParaRPr>
-          </a:p>
-          <a:p>
-            <a:endParaRPr lang="en-GB" sz="2800" dirty="0">
-              <a:solidFill>
-                <a:srgbClr val="0070C0"/>
-              </a:solidFill>
-            </a:endParaRPr>
-          </a:p>
-        </p:txBody>
-      </p:sp>
-      <p:pic>
-        <p:nvPicPr>
-          <p:cNvPr id="3" name="Graphic 2" descr="Usb Stick with solid fill">
-            <a:extLst>
-              <a:ext uri="{FF2B5EF4-FFF2-40B4-BE49-F238E27FC236}">
-                <a16:creationId xmlns:a16="http://schemas.microsoft.com/office/drawing/2014/main" id="{CED09855-7FFC-C248-84D7-0014A731526B}"/>
-              </a:ext>
-            </a:extLst>
-          </p:cNvPr>
-          <p:cNvPicPr>
-            <a:picLocks noChangeAspect="1"/>
-          </p:cNvPicPr>
+              <a:rPr kumimoji="0" lang="pl-PL" sz="3200" b="0" i="0" u="none" strike="noStrike" kern="1200" cap="none" spc="0" normalizeH="0" baseline="0" noProof="0" dirty="0">
+                <a:ln>
+                  <a:noFill/>
+                </a:ln>
+                <a:solidFill>
+                  <a:srgbClr val="0070C0"/>
+                </a:solidFill>
+                <a:effectLst/>
+                <a:uLnTx/>
+                <a:uFillTx/>
+                <a:latin typeface="Calibri" panose="020F0502020204030204"/>
+                <a:ea typeface="+mn-ea"/>
+                <a:cs typeface="+mn-cs"/>
+              </a:rPr>
+              <a:t>Repositories are crucial for</a:t>
+            </a:r>
+          </a:p>
+        </p:txBody>
+      </p:sp>
+      <p:sp>
+        <p:nvSpPr>
+          <p:cNvPr id="7" name="Rectangle: Rounded Corners 6">
+            <a:extLst>
+              <a:ext uri="{FF2B5EF4-FFF2-40B4-BE49-F238E27FC236}">
+                <a16:creationId xmlns:a16="http://schemas.microsoft.com/office/drawing/2014/main" id="{A99EFA72-12DA-40BA-AD21-69D9F3B2995B}"/>
+              </a:ext>
+            </a:extLst>
+          </p:cNvPr>
+          <p:cNvSpPr/>
           <p:nvPr/>
-        </p:nvPicPr>
-        <p:blipFill>
-          <a:blip r:embed="rId2" cstate="hqprint">
-            <a:extLst>
-              <a:ext uri="{28A0092B-C50C-407E-A947-70E740481C1C}">
-                <a14:useLocalDpi xmlns:a14="http://schemas.microsoft.com/office/drawing/2010/main" val="0"/>
-              </a:ext>
-              <a:ext uri="{96DAC541-7B7A-43D3-8B79-37D633B846F1}">
-                <asvg:svgBlip xmlns:asvg="http://schemas.microsoft.com/office/drawing/2016/SVG/main" xmlns="" r:embed="rId3"/>
-              </a:ext>
-            </a:extLst>
-          </a:blip>
-          <a:stretch>
-            <a:fillRect/>
-          </a:stretch>
-        </p:blipFill>
+        </p:nvSpPr>
         <p:spPr>
           <a:xfrm>
-            <a:off x="3027845" y="2794705"/>
-            <a:ext cx="634295" cy="634295"/>
+            <a:off x="1258111" y="1835285"/>
+            <a:ext cx="4416357" cy="4079132"/>
           </a:xfrm>
-          <a:prstGeom prst="rect">
+          <a:prstGeom prst="roundRect">
             <a:avLst/>
           </a:prstGeom>
+          <a:noFill/>
+          <a:ln w="38100">
+            <a:solidFill>
+              <a:schemeClr val="accent1"/>
+            </a:solidFill>
+            <a:prstDash val="dash"/>
+          </a:ln>
         </p:spPr>
-      </p:pic>
-      <p:pic>
-        <p:nvPicPr>
-          <p:cNvPr id="7" name="Graphic 6" descr="Cmd Terminal outline">
-            <a:extLst>
-              <a:ext uri="{FF2B5EF4-FFF2-40B4-BE49-F238E27FC236}">
-                <a16:creationId xmlns:a16="http://schemas.microsoft.com/office/drawing/2014/main" id="{FC126C71-DC0E-F149-A3AA-1A73419575CF}"/>
-              </a:ext>
-            </a:extLst>
-          </p:cNvPr>
-          <p:cNvPicPr>
-            <a:picLocks noChangeAspect="1"/>
-          </p:cNvPicPr>
-          <p:nvPr/>
-        </p:nvPicPr>
-        <p:blipFill>
-          <a:blip r:embed="rId4" cstate="hqprint">
-            <a:extLst>
-              <a:ext uri="{28A0092B-C50C-407E-A947-70E740481C1C}">
-                <a14:useLocalDpi xmlns:a14="http://schemas.microsoft.com/office/drawing/2010/main" val="0"/>
-              </a:ext>
-              <a:ext uri="{96DAC541-7B7A-43D3-8B79-37D633B846F1}">
-                <asvg:svgBlip xmlns:asvg="http://schemas.microsoft.com/office/drawing/2016/SVG/main" xmlns="" r:embed="rId5"/>
-              </a:ext>
-            </a:extLst>
-          </a:blip>
-          <a:stretch>
-            <a:fillRect/>
-          </a:stretch>
-        </p:blipFill>
-        <p:spPr>
-          <a:xfrm>
-            <a:off x="2952667" y="3340808"/>
-            <a:ext cx="709473" cy="709473"/>
-          </a:xfrm>
-          <a:prstGeom prst="rect">
-            <a:avLst/>
-          </a:prstGeom>
-        </p:spPr>
-      </p:pic>
-      <p:pic>
-        <p:nvPicPr>
-          <p:cNvPr id="9" name="Graphic 8" descr="Document outline">
-            <a:extLst>
-              <a:ext uri="{FF2B5EF4-FFF2-40B4-BE49-F238E27FC236}">
-                <a16:creationId xmlns:a16="http://schemas.microsoft.com/office/drawing/2014/main" id="{BC7F7B91-F570-D340-8806-56918934776B}"/>
-              </a:ext>
-            </a:extLst>
-          </p:cNvPr>
-          <p:cNvPicPr>
-            <a:picLocks noChangeAspect="1"/>
-          </p:cNvPicPr>
-          <p:nvPr/>
-        </p:nvPicPr>
-        <p:blipFill>
-          <a:blip r:embed="rId6" cstate="hqprint">
-            <a:extLst>
-              <a:ext uri="{28A0092B-C50C-407E-A947-70E740481C1C}">
-                <a14:useLocalDpi xmlns:a14="http://schemas.microsoft.com/office/drawing/2010/main" val="0"/>
-              </a:ext>
-              <a:ext uri="{96DAC541-7B7A-43D3-8B79-37D633B846F1}">
-                <asvg:svgBlip xmlns:asvg="http://schemas.microsoft.com/office/drawing/2016/SVG/main" xmlns="" r:embed="rId7"/>
-              </a:ext>
-            </a:extLst>
-          </a:blip>
-          <a:stretch>
-            <a:fillRect/>
-          </a:stretch>
-        </p:blipFill>
-        <p:spPr>
-          <a:xfrm>
-            <a:off x="3662140" y="3735321"/>
-            <a:ext cx="709473" cy="709473"/>
-          </a:xfrm>
-          <a:prstGeom prst="rect">
-            <a:avLst/>
-          </a:prstGeom>
-        </p:spPr>
-      </p:pic>
+        <p:style>
+          <a:lnRef idx="2">
+            <a:schemeClr val="accent1">
+              <a:shade val="50000"/>
+            </a:schemeClr>
+          </a:lnRef>
+          <a:fillRef idx="1">
+            <a:schemeClr val="accent1"/>
+          </a:fillRef>
+          <a:effectRef idx="0">
+            <a:schemeClr val="accent1"/>
+          </a:effectRef>
+          <a:fontRef idx="minor">
+            <a:schemeClr val="lt1"/>
+          </a:fontRef>
+        </p:style>
+        <p:txBody>
+          <a:bodyPr rtlCol="0" anchor="ctr"/>
+          <a:lstStyle/>
+          <a:p>
+            <a:pPr algn="ctr"/>
+            <a:endParaRPr lang="en-GB"/>
+          </a:p>
+        </p:txBody>
+      </p:sp>
     </p:spTree>
     <p:extLst>
       <p:ext uri="{BB962C8B-B14F-4D97-AF65-F5344CB8AC3E}">
-        <p14:creationId xmlns:p14="http://schemas.microsoft.com/office/powerpoint/2010/main" val="4286087962"/>
+        <p14:creationId xmlns:p14="http://schemas.microsoft.com/office/powerpoint/2010/main" val="2808499447"/>
       </p:ext>
     </p:extLst>
   </p:cSld>
   <p:clrMapOvr>
     <a:masterClrMapping/>
   </p:clrMapOvr>
-  <p:timing>
-    <p:tnLst>
-      <p:par>
-        <p:cTn id="1" dur="indefinite" restart="never" nodeType="tmRoot"/>
-      </p:par>
-    </p:tnLst>
-  </p:timing>
 </p:sld>
 </file>
 
@@ -9318,27 +9124,67 @@
           <a:chExt cx="0" cy="0"/>
         </a:xfrm>
       </p:grpSpPr>
-      <p:sp>
-        <p:nvSpPr>
-          <p:cNvPr id="5" name="TextBox 4">
-            <a:extLst>
-              <a:ext uri="{FF2B5EF4-FFF2-40B4-BE49-F238E27FC236}">
-                <a16:creationId xmlns:a16="http://schemas.microsoft.com/office/drawing/2014/main" id="{3A7A1F5C-9C70-4DE3-BA39-7835B2935EB3}"/>
-              </a:ext>
-            </a:extLst>
-          </p:cNvPr>
-          <p:cNvSpPr txBox="1"/>
+      <p:pic>
+        <p:nvPicPr>
+          <p:cNvPr id="4" name="Picture 2" descr="Ed_DaSH">
+            <a:extLst>
+              <a:ext uri="{FF2B5EF4-FFF2-40B4-BE49-F238E27FC236}">
+                <a16:creationId xmlns:a16="http://schemas.microsoft.com/office/drawing/2014/main" id="{A783256F-E39E-4712-96B0-240BD611CFEB}"/>
+              </a:ext>
+            </a:extLst>
+          </p:cNvPr>
+          <p:cNvPicPr>
+            <a:picLocks noChangeAspect="1" noChangeArrowheads="1"/>
+          </p:cNvPicPr>
           <p:nvPr/>
-        </p:nvSpPr>
-        <p:spPr>
+        </p:nvPicPr>
+        <p:blipFill>
+          <a:blip r:embed="rId3" cstate="hqprint">
+            <a:extLst>
+              <a:ext uri="{28A0092B-C50C-407E-A947-70E740481C1C}">
+                <a14:useLocalDpi xmlns:a14="http://schemas.microsoft.com/office/drawing/2010/main" val="0"/>
+              </a:ext>
+            </a:extLst>
+          </a:blip>
+          <a:srcRect/>
+          <a:stretch>
+            <a:fillRect/>
+          </a:stretch>
+        </p:blipFill>
+        <p:spPr bwMode="auto">
           <a:xfrm>
-            <a:off x="948099" y="1355649"/>
-            <a:ext cx="8837169" cy="2308324"/>
+            <a:off x="10820670" y="5458691"/>
+            <a:ext cx="1289214" cy="1325418"/>
           </a:xfrm>
           <a:prstGeom prst="rect">
             <a:avLst/>
           </a:prstGeom>
           <a:noFill/>
+          <a:extLst>
+            <a:ext uri="{909E8E84-426E-40DD-AFC4-6F175D3DCCD1}">
+              <a14:hiddenFill xmlns:a14="http://schemas.microsoft.com/office/drawing/2010/main">
+                <a:solidFill>
+                  <a:srgbClr val="FFFFFF"/>
+                </a:solidFill>
+              </a14:hiddenFill>
+            </a:ext>
+          </a:extLst>
+        </p:spPr>
+      </p:pic>
+      <p:sp>
+        <p:nvSpPr>
+          <p:cNvPr id="2" name="Rectangle 1"/>
+          <p:cNvSpPr/>
+          <p:nvPr/>
+        </p:nvSpPr>
+        <p:spPr>
+          <a:xfrm>
+            <a:off x="624689" y="1774196"/>
+            <a:ext cx="10601608" cy="3046988"/>
+          </a:xfrm>
+          <a:prstGeom prst="rect">
+            <a:avLst/>
+          </a:prstGeom>
         </p:spPr>
         <p:txBody>
           <a:bodyPr wrap="square">
@@ -9346,67 +9192,437 @@
           </a:bodyPr>
           <a:lstStyle/>
           <a:p>
-            <a:r>
-              <a:rPr lang="pl-PL" sz="3200" dirty="0">
-                <a:solidFill>
-                  <a:srgbClr val="0070C0"/>
-                </a:solidFill>
-              </a:rPr>
-              <a:t>Repositories are crucial for</a:t>
-            </a:r>
-          </a:p>
-          <a:p>
-            <a:r>
-              <a:rPr lang="pl-PL" sz="4800" dirty="0">
-                <a:solidFill>
-                  <a:srgbClr val="0070C0"/>
-                </a:solidFill>
-              </a:rPr>
-              <a:t>FINDABLE and ACCESSIBLE</a:t>
-            </a:r>
-            <a:endParaRPr lang="en-GB" sz="4800" dirty="0">
+            <a:pPr marL="285750" indent="-285750">
+              <a:lnSpc>
+                <a:spcPct val="200000"/>
+              </a:lnSpc>
+              <a:buFont typeface="Arial" panose="020B0604020202020204" pitchFamily="34" charset="0"/>
+              <a:buChar char="•"/>
+            </a:pPr>
+            <a:r>
+              <a:rPr lang="en-GB" sz="2400" dirty="0">
+                <a:solidFill>
+                  <a:srgbClr val="0070C0"/>
+                </a:solidFill>
+              </a:rPr>
+              <a:t>[Dryad](</a:t>
+            </a:r>
+            <a:r>
+              <a:rPr lang="en-GB" sz="2400" dirty="0">
+                <a:solidFill>
+                  <a:srgbClr val="0070C0"/>
+                </a:solidFill>
+                <a:hlinkClick r:id="rId4"/>
+              </a:rPr>
+              <a:t>http://datadryad.org</a:t>
+            </a:r>
+            <a:r>
+              <a:rPr lang="en-GB" sz="2400" dirty="0">
+                <a:solidFill>
+                  <a:srgbClr val="0070C0"/>
+                </a:solidFill>
+              </a:rPr>
+              <a:t>)</a:t>
+            </a:r>
+            <a:endParaRPr lang="pl-PL" sz="2400" dirty="0">
               <a:solidFill>
                 <a:srgbClr val="0070C0"/>
               </a:solidFill>
             </a:endParaRPr>
           </a:p>
           <a:p>
-            <a:pPr marL="457200" indent="-457200">
+            <a:pPr marL="285750" indent="-285750">
+              <a:lnSpc>
+                <a:spcPct val="200000"/>
+              </a:lnSpc>
               <a:buFont typeface="Arial" panose="020B0604020202020204" pitchFamily="34" charset="0"/>
               <a:buChar char="•"/>
             </a:pPr>
-            <a:endParaRPr lang="en-GB" sz="3200" dirty="0">
+            <a:r>
+              <a:rPr lang="en-GB" sz="2400" dirty="0">
+                <a:solidFill>
+                  <a:srgbClr val="0070C0"/>
+                </a:solidFill>
+              </a:rPr>
+              <a:t>[</a:t>
+            </a:r>
+            <a:r>
+              <a:rPr lang="en-GB" sz="2400" dirty="0" err="1">
+                <a:solidFill>
+                  <a:srgbClr val="0070C0"/>
+                </a:solidFill>
+              </a:rPr>
+              <a:t>Zenodo</a:t>
+            </a:r>
+            <a:r>
+              <a:rPr lang="en-GB" sz="2400" dirty="0">
+                <a:solidFill>
+                  <a:srgbClr val="0070C0"/>
+                </a:solidFill>
+              </a:rPr>
+              <a:t>](</a:t>
+            </a:r>
+            <a:r>
+              <a:rPr lang="en-GB" sz="2400" dirty="0">
+                <a:solidFill>
+                  <a:srgbClr val="0070C0"/>
+                </a:solidFill>
+                <a:hlinkClick r:id="rId5"/>
+              </a:rPr>
+              <a:t>http://zenodo.org</a:t>
+            </a:r>
+            <a:r>
+              <a:rPr lang="en-GB" sz="2400" dirty="0">
+                <a:solidFill>
+                  <a:srgbClr val="0070C0"/>
+                </a:solidFill>
+              </a:rPr>
+              <a:t>)</a:t>
+            </a:r>
+            <a:endParaRPr lang="pl-PL" sz="2400" dirty="0">
               <a:solidFill>
                 <a:srgbClr val="0070C0"/>
               </a:solidFill>
             </a:endParaRPr>
           </a:p>
           <a:p>
-            <a:endParaRPr lang="en-GB" sz="3200" dirty="0">
+            <a:pPr marL="285750" indent="-285750">
+              <a:lnSpc>
+                <a:spcPct val="200000"/>
+              </a:lnSpc>
+              <a:buFont typeface="Arial" panose="020B0604020202020204" pitchFamily="34" charset="0"/>
+              <a:buChar char="•"/>
+            </a:pPr>
+            <a:r>
+              <a:rPr lang="en-GB" sz="2400" dirty="0">
+                <a:solidFill>
+                  <a:srgbClr val="0070C0"/>
+                </a:solidFill>
+              </a:rPr>
+              <a:t>[</a:t>
+            </a:r>
+            <a:r>
+              <a:rPr lang="en-GB" sz="2400" dirty="0" err="1">
+                <a:solidFill>
+                  <a:srgbClr val="0070C0"/>
+                </a:solidFill>
+              </a:rPr>
+              <a:t>FigShare</a:t>
+            </a:r>
+            <a:r>
+              <a:rPr lang="en-GB" sz="2400" dirty="0">
+                <a:solidFill>
+                  <a:srgbClr val="0070C0"/>
+                </a:solidFill>
+              </a:rPr>
+              <a:t>](</a:t>
+            </a:r>
+            <a:r>
+              <a:rPr lang="en-GB" sz="2400" dirty="0">
+                <a:solidFill>
+                  <a:srgbClr val="0070C0"/>
+                </a:solidFill>
+                <a:hlinkClick r:id="rId6"/>
+              </a:rPr>
+              <a:t>http://figshare.com</a:t>
+            </a:r>
+            <a:r>
+              <a:rPr lang="en-GB" sz="2400" dirty="0">
+                <a:solidFill>
+                  <a:srgbClr val="0070C0"/>
+                </a:solidFill>
+              </a:rPr>
+              <a:t>)</a:t>
+            </a:r>
+            <a:endParaRPr lang="pl-PL" sz="2400" dirty="0">
               <a:solidFill>
                 <a:srgbClr val="0070C0"/>
               </a:solidFill>
             </a:endParaRPr>
           </a:p>
-        </p:txBody>
-      </p:sp>
+          <a:p>
+            <a:pPr marL="285750" indent="-285750">
+              <a:lnSpc>
+                <a:spcPct val="200000"/>
+              </a:lnSpc>
+              <a:buFont typeface="Arial" panose="020B0604020202020204" pitchFamily="34" charset="0"/>
+              <a:buChar char="•"/>
+            </a:pPr>
+            <a:r>
+              <a:rPr lang="en-GB" sz="2400" dirty="0">
+                <a:solidFill>
+                  <a:srgbClr val="0070C0"/>
+                </a:solidFill>
+              </a:rPr>
+              <a:t>[</a:t>
+            </a:r>
+            <a:r>
+              <a:rPr lang="en-GB" sz="2400" dirty="0" err="1">
+                <a:solidFill>
+                  <a:srgbClr val="0070C0"/>
+                </a:solidFill>
+              </a:rPr>
+              <a:t>Dataverse</a:t>
+            </a:r>
+            <a:r>
+              <a:rPr lang="en-GB" sz="2400" dirty="0">
+                <a:solidFill>
+                  <a:srgbClr val="0070C0"/>
+                </a:solidFill>
+              </a:rPr>
+              <a:t>](</a:t>
+            </a:r>
+            <a:r>
+              <a:rPr lang="en-GB" sz="2400" dirty="0">
+                <a:solidFill>
+                  <a:srgbClr val="0070C0"/>
+                </a:solidFill>
+                <a:hlinkClick r:id="rId7"/>
+              </a:rPr>
+              <a:t>http://dataverse.org</a:t>
+            </a:r>
+            <a:r>
+              <a:rPr lang="en-GB" sz="2400" dirty="0">
+                <a:solidFill>
+                  <a:srgbClr val="0070C0"/>
+                </a:solidFill>
+              </a:rPr>
+              <a:t>)</a:t>
+            </a:r>
+            <a:endParaRPr lang="pl-PL" sz="2400" dirty="0">
+              <a:solidFill>
+                <a:srgbClr val="0070C0"/>
+              </a:solidFill>
+            </a:endParaRPr>
+          </a:p>
+        </p:txBody>
+      </p:sp>
+      <p:sp>
+        <p:nvSpPr>
+          <p:cNvPr id="3" name="Title 2">
+            <a:extLst>
+              <a:ext uri="{FF2B5EF4-FFF2-40B4-BE49-F238E27FC236}">
+                <a16:creationId xmlns:a16="http://schemas.microsoft.com/office/drawing/2014/main" id="{458D2671-D341-1A47-93B5-8F74B6359CCC}"/>
+              </a:ext>
+            </a:extLst>
+          </p:cNvPr>
+          <p:cNvSpPr>
+            <a:spLocks noGrp="1"/>
+          </p:cNvSpPr>
+          <p:nvPr>
+            <p:ph type="title"/>
+          </p:nvPr>
+        </p:nvSpPr>
+        <p:spPr/>
+        <p:txBody>
+          <a:bodyPr/>
+          <a:lstStyle/>
+          <a:p>
+            <a:r>
+              <a:rPr lang="en-GB" dirty="0"/>
+              <a:t>There are general “data agnostic” repositories</a:t>
+            </a:r>
+          </a:p>
+        </p:txBody>
+      </p:sp>
+      <p:pic>
+        <p:nvPicPr>
+          <p:cNvPr id="1026" name="Picture 2" descr="Dryad logo">
+            <a:extLst>
+              <a:ext uri="{FF2B5EF4-FFF2-40B4-BE49-F238E27FC236}">
+                <a16:creationId xmlns:a16="http://schemas.microsoft.com/office/drawing/2014/main" id="{FD13CCC6-FF70-664E-9D62-F8D78FC0542C}"/>
+              </a:ext>
+            </a:extLst>
+          </p:cNvPr>
+          <p:cNvPicPr>
+            <a:picLocks noChangeAspect="1" noChangeArrowheads="1"/>
+          </p:cNvPicPr>
+          <p:nvPr/>
+        </p:nvPicPr>
+        <p:blipFill>
+          <a:blip r:embed="rId8" cstate="hqprint">
+            <a:extLst>
+              <a:ext uri="{28A0092B-C50C-407E-A947-70E740481C1C}">
+                <a14:useLocalDpi xmlns:a14="http://schemas.microsoft.com/office/drawing/2010/main" val="0"/>
+              </a:ext>
+            </a:extLst>
+          </a:blip>
+          <a:srcRect/>
+          <a:stretch>
+            <a:fillRect/>
+          </a:stretch>
+        </p:blipFill>
+        <p:spPr bwMode="auto">
+          <a:xfrm>
+            <a:off x="5216889" y="1903853"/>
+            <a:ext cx="2186570" cy="363859"/>
+          </a:xfrm>
+          <a:prstGeom prst="rect">
+            <a:avLst/>
+          </a:prstGeom>
+          <a:noFill/>
+          <a:extLst>
+            <a:ext uri="{909E8E84-426E-40DD-AFC4-6F175D3DCCD1}">
+              <a14:hiddenFill xmlns:a14="http://schemas.microsoft.com/office/drawing/2010/main">
+                <a:solidFill>
+                  <a:srgbClr val="FFFFFF"/>
+                </a:solidFill>
+              </a14:hiddenFill>
+            </a:ext>
+          </a:extLst>
+        </p:spPr>
+      </p:pic>
+      <p:pic>
+        <p:nvPicPr>
+          <p:cNvPr id="1030" name="Picture 6" descr="Zenodo">
+            <a:extLst>
+              <a:ext uri="{FF2B5EF4-FFF2-40B4-BE49-F238E27FC236}">
+                <a16:creationId xmlns:a16="http://schemas.microsoft.com/office/drawing/2014/main" id="{3EA31408-8C89-B44B-BCE8-86BEFAFAB098}"/>
+              </a:ext>
+            </a:extLst>
+          </p:cNvPr>
+          <p:cNvPicPr>
+            <a:picLocks noChangeAspect="1" noChangeArrowheads="1"/>
+          </p:cNvPicPr>
+          <p:nvPr/>
+        </p:nvPicPr>
+        <p:blipFill>
+          <a:blip r:embed="rId9" cstate="hqprint">
+            <a:extLst>
+              <a:ext uri="{28A0092B-C50C-407E-A947-70E740481C1C}">
+                <a14:useLocalDpi xmlns:a14="http://schemas.microsoft.com/office/drawing/2010/main" val="0"/>
+              </a:ext>
+            </a:extLst>
+          </a:blip>
+          <a:srcRect/>
+          <a:stretch>
+            <a:fillRect/>
+          </a:stretch>
+        </p:blipFill>
+        <p:spPr bwMode="auto">
+          <a:xfrm>
+            <a:off x="4923005" y="2443283"/>
+            <a:ext cx="2345990" cy="938396"/>
+          </a:xfrm>
+          <a:prstGeom prst="rect">
+            <a:avLst/>
+          </a:prstGeom>
+          <a:noFill/>
+          <a:extLst>
+            <a:ext uri="{909E8E84-426E-40DD-AFC4-6F175D3DCCD1}">
+              <a14:hiddenFill xmlns:a14="http://schemas.microsoft.com/office/drawing/2010/main">
+                <a:solidFill>
+                  <a:srgbClr val="FFFFFF"/>
+                </a:solidFill>
+              </a14:hiddenFill>
+            </a:ext>
+          </a:extLst>
+        </p:spPr>
+      </p:pic>
+      <p:pic>
+        <p:nvPicPr>
+          <p:cNvPr id="1032" name="Picture 8" descr="logo-figshare - GO FAIR">
+            <a:extLst>
+              <a:ext uri="{FF2B5EF4-FFF2-40B4-BE49-F238E27FC236}">
+                <a16:creationId xmlns:a16="http://schemas.microsoft.com/office/drawing/2014/main" id="{5DA97348-6718-D047-AAE3-2B80210E0746}"/>
+              </a:ext>
+            </a:extLst>
+          </p:cNvPr>
+          <p:cNvPicPr>
+            <a:picLocks noChangeAspect="1" noChangeArrowheads="1"/>
+          </p:cNvPicPr>
+          <p:nvPr/>
+        </p:nvPicPr>
+        <p:blipFill>
+          <a:blip r:embed="rId10">
+            <a:extLst>
+              <a:ext uri="{28A0092B-C50C-407E-A947-70E740481C1C}">
+                <a14:useLocalDpi xmlns:a14="http://schemas.microsoft.com/office/drawing/2010/main" val="0"/>
+              </a:ext>
+            </a:extLst>
+          </a:blip>
+          <a:srcRect/>
+          <a:stretch>
+            <a:fillRect/>
+          </a:stretch>
+        </p:blipFill>
+        <p:spPr bwMode="auto">
+          <a:xfrm>
+            <a:off x="5387577" y="3282766"/>
+            <a:ext cx="2286870" cy="862642"/>
+          </a:xfrm>
+          <a:prstGeom prst="rect">
+            <a:avLst/>
+          </a:prstGeom>
+          <a:noFill/>
+          <a:extLst>
+            <a:ext uri="{909E8E84-426E-40DD-AFC4-6F175D3DCCD1}">
+              <a14:hiddenFill xmlns:a14="http://schemas.microsoft.com/office/drawing/2010/main">
+                <a:solidFill>
+                  <a:srgbClr val="FFFFFF"/>
+                </a:solidFill>
+              </a14:hiddenFill>
+            </a:ext>
+          </a:extLst>
+        </p:spPr>
+      </p:pic>
+      <p:pic>
+        <p:nvPicPr>
+          <p:cNvPr id="1034" name="Picture 10" descr="The Dataverse Project">
+            <a:extLst>
+              <a:ext uri="{FF2B5EF4-FFF2-40B4-BE49-F238E27FC236}">
+                <a16:creationId xmlns:a16="http://schemas.microsoft.com/office/drawing/2014/main" id="{9B5A3390-95C5-904F-8C3F-581730E9C1E0}"/>
+              </a:ext>
+            </a:extLst>
+          </p:cNvPr>
+          <p:cNvPicPr>
+            <a:picLocks noChangeAspect="1" noChangeArrowheads="1"/>
+          </p:cNvPicPr>
+          <p:nvPr/>
+        </p:nvPicPr>
+        <p:blipFill>
+          <a:blip r:embed="rId11">
+            <a:extLst>
+              <a:ext uri="{28A0092B-C50C-407E-A947-70E740481C1C}">
+                <a14:useLocalDpi xmlns:a14="http://schemas.microsoft.com/office/drawing/2010/main" val="0"/>
+              </a:ext>
+            </a:extLst>
+          </a:blip>
+          <a:srcRect/>
+          <a:stretch>
+            <a:fillRect/>
+          </a:stretch>
+        </p:blipFill>
+        <p:spPr bwMode="auto">
+          <a:xfrm>
+            <a:off x="5546498" y="4195974"/>
+            <a:ext cx="2456534" cy="938396"/>
+          </a:xfrm>
+          <a:prstGeom prst="rect">
+            <a:avLst/>
+          </a:prstGeom>
+          <a:noFill/>
+          <a:extLst>
+            <a:ext uri="{909E8E84-426E-40DD-AFC4-6F175D3DCCD1}">
+              <a14:hiddenFill xmlns:a14="http://schemas.microsoft.com/office/drawing/2010/main">
+                <a:solidFill>
+                  <a:srgbClr val="FFFFFF"/>
+                </a:solidFill>
+              </a14:hiddenFill>
+            </a:ext>
+          </a:extLst>
+        </p:spPr>
+      </p:pic>
     </p:spTree>
     <p:extLst>
       <p:ext uri="{BB962C8B-B14F-4D97-AF65-F5344CB8AC3E}">
-        <p14:creationId xmlns:p14="http://schemas.microsoft.com/office/powerpoint/2010/main" val="3564542488"/>
+        <p14:creationId xmlns:p14="http://schemas.microsoft.com/office/powerpoint/2010/main" val="1344113615"/>
       </p:ext>
     </p:extLst>
   </p:cSld>
   <p:clrMapOvr>
     <a:masterClrMapping/>
   </p:clrMapOvr>
-  <p:timing>
-    <p:tnLst>
-      <p:par>
-        <p:cTn id="1" dur="indefinite" restart="never" nodeType="tmRoot"/>
-      </p:par>
-    </p:tnLst>
-  </p:timing>
 </p:sld>
 </file>
 
@@ -9429,532 +9645,6 @@
       </p:grpSpPr>
       <p:pic>
         <p:nvPicPr>
-          <p:cNvPr id="4" name="Picture 2" descr="Ed_DaSH">
-            <a:extLst>
-              <a:ext uri="{FF2B5EF4-FFF2-40B4-BE49-F238E27FC236}">
-                <a16:creationId xmlns:a16="http://schemas.microsoft.com/office/drawing/2014/main" id="{A783256F-E39E-4712-96B0-240BD611CFEB}"/>
-              </a:ext>
-            </a:extLst>
-          </p:cNvPr>
-          <p:cNvPicPr>
-            <a:picLocks noChangeAspect="1" noChangeArrowheads="1"/>
-          </p:cNvPicPr>
-          <p:nvPr/>
-        </p:nvPicPr>
-        <p:blipFill>
-          <a:blip r:embed="rId3" cstate="hqprint">
-            <a:extLst>
-              <a:ext uri="{28A0092B-C50C-407E-A947-70E740481C1C}">
-                <a14:useLocalDpi xmlns:a14="http://schemas.microsoft.com/office/drawing/2010/main" val="0"/>
-              </a:ext>
-            </a:extLst>
-          </a:blip>
-          <a:srcRect/>
-          <a:stretch>
-            <a:fillRect/>
-          </a:stretch>
-        </p:blipFill>
-        <p:spPr bwMode="auto">
-          <a:xfrm>
-            <a:off x="10820670" y="5458691"/>
-            <a:ext cx="1289214" cy="1325418"/>
-          </a:xfrm>
-          <a:prstGeom prst="rect">
-            <a:avLst/>
-          </a:prstGeom>
-          <a:noFill/>
-          <a:extLst>
-            <a:ext uri="{909E8E84-426E-40DD-AFC4-6F175D3DCCD1}">
-              <a14:hiddenFill xmlns:a14="http://schemas.microsoft.com/office/drawing/2010/main">
-                <a:solidFill>
-                  <a:srgbClr val="FFFFFF"/>
-                </a:solidFill>
-              </a14:hiddenFill>
-            </a:ext>
-          </a:extLst>
-        </p:spPr>
-      </p:pic>
-      <p:sp>
-        <p:nvSpPr>
-          <p:cNvPr id="2" name="Rectangle 1"/>
-          <p:cNvSpPr/>
-          <p:nvPr/>
-        </p:nvSpPr>
-        <p:spPr>
-          <a:xfrm>
-            <a:off x="624689" y="1774196"/>
-            <a:ext cx="10601608" cy="3046988"/>
-          </a:xfrm>
-          <a:prstGeom prst="rect">
-            <a:avLst/>
-          </a:prstGeom>
-        </p:spPr>
-        <p:txBody>
-          <a:bodyPr wrap="square">
-            <a:spAutoFit/>
-          </a:bodyPr>
-          <a:lstStyle/>
-          <a:p>
-            <a:pPr marL="285750" indent="-285750">
-              <a:lnSpc>
-                <a:spcPct val="200000"/>
-              </a:lnSpc>
-              <a:buFont typeface="Arial" panose="020B0604020202020204" pitchFamily="34" charset="0"/>
-              <a:buChar char="•"/>
-            </a:pPr>
-            <a:r>
-              <a:rPr lang="en-GB" sz="2400" dirty="0">
-                <a:solidFill>
-                  <a:srgbClr val="0070C0"/>
-                </a:solidFill>
-              </a:rPr>
-              <a:t>[Dryad](</a:t>
-            </a:r>
-            <a:r>
-              <a:rPr lang="en-GB" sz="2400" dirty="0">
-                <a:solidFill>
-                  <a:srgbClr val="0070C0"/>
-                </a:solidFill>
-                <a:hlinkClick r:id="rId4"/>
-              </a:rPr>
-              <a:t>http://datadryad.org</a:t>
-            </a:r>
-            <a:r>
-              <a:rPr lang="en-GB" sz="2400" dirty="0">
-                <a:solidFill>
-                  <a:srgbClr val="0070C0"/>
-                </a:solidFill>
-              </a:rPr>
-              <a:t>)</a:t>
-            </a:r>
-            <a:endParaRPr lang="pl-PL" sz="2400" dirty="0">
-              <a:solidFill>
-                <a:srgbClr val="0070C0"/>
-              </a:solidFill>
-            </a:endParaRPr>
-          </a:p>
-          <a:p>
-            <a:pPr marL="285750" indent="-285750">
-              <a:lnSpc>
-                <a:spcPct val="200000"/>
-              </a:lnSpc>
-              <a:buFont typeface="Arial" panose="020B0604020202020204" pitchFamily="34" charset="0"/>
-              <a:buChar char="•"/>
-            </a:pPr>
-            <a:r>
-              <a:rPr lang="en-GB" sz="2400" dirty="0">
-                <a:solidFill>
-                  <a:srgbClr val="0070C0"/>
-                </a:solidFill>
-              </a:rPr>
-              <a:t>[</a:t>
-            </a:r>
-            <a:r>
-              <a:rPr lang="en-GB" sz="2400" dirty="0" err="1">
-                <a:solidFill>
-                  <a:srgbClr val="0070C0"/>
-                </a:solidFill>
-              </a:rPr>
-              <a:t>Zenodo</a:t>
-            </a:r>
-            <a:r>
-              <a:rPr lang="en-GB" sz="2400" dirty="0">
-                <a:solidFill>
-                  <a:srgbClr val="0070C0"/>
-                </a:solidFill>
-              </a:rPr>
-              <a:t>](</a:t>
-            </a:r>
-            <a:r>
-              <a:rPr lang="en-GB" sz="2400" dirty="0">
-                <a:solidFill>
-                  <a:srgbClr val="0070C0"/>
-                </a:solidFill>
-                <a:hlinkClick r:id="rId5"/>
-              </a:rPr>
-              <a:t>http://zenodo.org</a:t>
-            </a:r>
-            <a:r>
-              <a:rPr lang="en-GB" sz="2400" dirty="0">
-                <a:solidFill>
-                  <a:srgbClr val="0070C0"/>
-                </a:solidFill>
-              </a:rPr>
-              <a:t>)</a:t>
-            </a:r>
-            <a:endParaRPr lang="pl-PL" sz="2400" dirty="0">
-              <a:solidFill>
-                <a:srgbClr val="0070C0"/>
-              </a:solidFill>
-            </a:endParaRPr>
-          </a:p>
-          <a:p>
-            <a:pPr marL="285750" indent="-285750">
-              <a:lnSpc>
-                <a:spcPct val="200000"/>
-              </a:lnSpc>
-              <a:buFont typeface="Arial" panose="020B0604020202020204" pitchFamily="34" charset="0"/>
-              <a:buChar char="•"/>
-            </a:pPr>
-            <a:r>
-              <a:rPr lang="en-GB" sz="2400" dirty="0">
-                <a:solidFill>
-                  <a:srgbClr val="0070C0"/>
-                </a:solidFill>
-              </a:rPr>
-              <a:t>[</a:t>
-            </a:r>
-            <a:r>
-              <a:rPr lang="en-GB" sz="2400" dirty="0" err="1">
-                <a:solidFill>
-                  <a:srgbClr val="0070C0"/>
-                </a:solidFill>
-              </a:rPr>
-              <a:t>FigShare</a:t>
-            </a:r>
-            <a:r>
-              <a:rPr lang="en-GB" sz="2400" dirty="0">
-                <a:solidFill>
-                  <a:srgbClr val="0070C0"/>
-                </a:solidFill>
-              </a:rPr>
-              <a:t>](</a:t>
-            </a:r>
-            <a:r>
-              <a:rPr lang="en-GB" sz="2400" dirty="0">
-                <a:solidFill>
-                  <a:srgbClr val="0070C0"/>
-                </a:solidFill>
-                <a:hlinkClick r:id="rId6"/>
-              </a:rPr>
-              <a:t>http://figshare.com</a:t>
-            </a:r>
-            <a:r>
-              <a:rPr lang="en-GB" sz="2400" dirty="0">
-                <a:solidFill>
-                  <a:srgbClr val="0070C0"/>
-                </a:solidFill>
-              </a:rPr>
-              <a:t>)</a:t>
-            </a:r>
-            <a:endParaRPr lang="pl-PL" sz="2400" dirty="0">
-              <a:solidFill>
-                <a:srgbClr val="0070C0"/>
-              </a:solidFill>
-            </a:endParaRPr>
-          </a:p>
-          <a:p>
-            <a:pPr marL="285750" indent="-285750">
-              <a:lnSpc>
-                <a:spcPct val="200000"/>
-              </a:lnSpc>
-              <a:buFont typeface="Arial" panose="020B0604020202020204" pitchFamily="34" charset="0"/>
-              <a:buChar char="•"/>
-            </a:pPr>
-            <a:r>
-              <a:rPr lang="en-GB" sz="2400" dirty="0">
-                <a:solidFill>
-                  <a:srgbClr val="0070C0"/>
-                </a:solidFill>
-              </a:rPr>
-              <a:t>[</a:t>
-            </a:r>
-            <a:r>
-              <a:rPr lang="en-GB" sz="2400" dirty="0" err="1">
-                <a:solidFill>
-                  <a:srgbClr val="0070C0"/>
-                </a:solidFill>
-              </a:rPr>
-              <a:t>Dataverse</a:t>
-            </a:r>
-            <a:r>
-              <a:rPr lang="en-GB" sz="2400" dirty="0">
-                <a:solidFill>
-                  <a:srgbClr val="0070C0"/>
-                </a:solidFill>
-              </a:rPr>
-              <a:t>](</a:t>
-            </a:r>
-            <a:r>
-              <a:rPr lang="en-GB" sz="2400" dirty="0">
-                <a:solidFill>
-                  <a:srgbClr val="0070C0"/>
-                </a:solidFill>
-                <a:hlinkClick r:id="rId7"/>
-              </a:rPr>
-              <a:t>http://dataverse.org</a:t>
-            </a:r>
-            <a:r>
-              <a:rPr lang="en-GB" sz="2400" dirty="0">
-                <a:solidFill>
-                  <a:srgbClr val="0070C0"/>
-                </a:solidFill>
-              </a:rPr>
-              <a:t>)</a:t>
-            </a:r>
-            <a:endParaRPr lang="pl-PL" sz="2400" dirty="0">
-              <a:solidFill>
-                <a:srgbClr val="0070C0"/>
-              </a:solidFill>
-            </a:endParaRPr>
-          </a:p>
-        </p:txBody>
-      </p:sp>
-      <p:sp>
-        <p:nvSpPr>
-          <p:cNvPr id="3" name="Title 2">
-            <a:extLst>
-              <a:ext uri="{FF2B5EF4-FFF2-40B4-BE49-F238E27FC236}">
-                <a16:creationId xmlns:a16="http://schemas.microsoft.com/office/drawing/2014/main" id="{458D2671-D341-1A47-93B5-8F74B6359CCC}"/>
-              </a:ext>
-            </a:extLst>
-          </p:cNvPr>
-          <p:cNvSpPr>
-            <a:spLocks noGrp="1"/>
-          </p:cNvSpPr>
-          <p:nvPr>
-            <p:ph type="title"/>
-          </p:nvPr>
-        </p:nvSpPr>
-        <p:spPr/>
-        <p:txBody>
-          <a:bodyPr/>
-          <a:lstStyle/>
-          <a:p>
-            <a:r>
-              <a:rPr lang="en-GB" dirty="0"/>
-              <a:t>There are general “data agnostic” repositories</a:t>
-            </a:r>
-          </a:p>
-        </p:txBody>
-      </p:sp>
-      <p:pic>
-        <p:nvPicPr>
-          <p:cNvPr id="1026" name="Picture 2" descr="Dryad logo">
-            <a:extLst>
-              <a:ext uri="{FF2B5EF4-FFF2-40B4-BE49-F238E27FC236}">
-                <a16:creationId xmlns:a16="http://schemas.microsoft.com/office/drawing/2014/main" id="{FD13CCC6-FF70-664E-9D62-F8D78FC0542C}"/>
-              </a:ext>
-            </a:extLst>
-          </p:cNvPr>
-          <p:cNvPicPr>
-            <a:picLocks noChangeAspect="1" noChangeArrowheads="1"/>
-          </p:cNvPicPr>
-          <p:nvPr/>
-        </p:nvPicPr>
-        <p:blipFill>
-          <a:blip r:embed="rId8" cstate="hqprint">
-            <a:extLst>
-              <a:ext uri="{28A0092B-C50C-407E-A947-70E740481C1C}">
-                <a14:useLocalDpi xmlns:a14="http://schemas.microsoft.com/office/drawing/2010/main" val="0"/>
-              </a:ext>
-            </a:extLst>
-          </a:blip>
-          <a:srcRect/>
-          <a:stretch>
-            <a:fillRect/>
-          </a:stretch>
-        </p:blipFill>
-        <p:spPr bwMode="auto">
-          <a:xfrm>
-            <a:off x="5216889" y="1903853"/>
-            <a:ext cx="2186570" cy="363859"/>
-          </a:xfrm>
-          <a:prstGeom prst="rect">
-            <a:avLst/>
-          </a:prstGeom>
-          <a:noFill/>
-          <a:extLst>
-            <a:ext uri="{909E8E84-426E-40DD-AFC4-6F175D3DCCD1}">
-              <a14:hiddenFill xmlns:a14="http://schemas.microsoft.com/office/drawing/2010/main">
-                <a:solidFill>
-                  <a:srgbClr val="FFFFFF"/>
-                </a:solidFill>
-              </a14:hiddenFill>
-            </a:ext>
-          </a:extLst>
-        </p:spPr>
-      </p:pic>
-      <p:pic>
-        <p:nvPicPr>
-          <p:cNvPr id="1030" name="Picture 6" descr="Zenodo">
-            <a:extLst>
-              <a:ext uri="{FF2B5EF4-FFF2-40B4-BE49-F238E27FC236}">
-                <a16:creationId xmlns:a16="http://schemas.microsoft.com/office/drawing/2014/main" id="{3EA31408-8C89-B44B-BCE8-86BEFAFAB098}"/>
-              </a:ext>
-            </a:extLst>
-          </p:cNvPr>
-          <p:cNvPicPr>
-            <a:picLocks noChangeAspect="1" noChangeArrowheads="1"/>
-          </p:cNvPicPr>
-          <p:nvPr/>
-        </p:nvPicPr>
-        <p:blipFill>
-          <a:blip r:embed="rId9" cstate="hqprint">
-            <a:extLst>
-              <a:ext uri="{28A0092B-C50C-407E-A947-70E740481C1C}">
-                <a14:useLocalDpi xmlns:a14="http://schemas.microsoft.com/office/drawing/2010/main" val="0"/>
-              </a:ext>
-            </a:extLst>
-          </a:blip>
-          <a:srcRect/>
-          <a:stretch>
-            <a:fillRect/>
-          </a:stretch>
-        </p:blipFill>
-        <p:spPr bwMode="auto">
-          <a:xfrm>
-            <a:off x="4923005" y="2443283"/>
-            <a:ext cx="2345990" cy="938396"/>
-          </a:xfrm>
-          <a:prstGeom prst="rect">
-            <a:avLst/>
-          </a:prstGeom>
-          <a:noFill/>
-          <a:extLst>
-            <a:ext uri="{909E8E84-426E-40DD-AFC4-6F175D3DCCD1}">
-              <a14:hiddenFill xmlns:a14="http://schemas.microsoft.com/office/drawing/2010/main">
-                <a:solidFill>
-                  <a:srgbClr val="FFFFFF"/>
-                </a:solidFill>
-              </a14:hiddenFill>
-            </a:ext>
-          </a:extLst>
-        </p:spPr>
-      </p:pic>
-      <p:pic>
-        <p:nvPicPr>
-          <p:cNvPr id="1032" name="Picture 8" descr="logo-figshare - GO FAIR">
-            <a:extLst>
-              <a:ext uri="{FF2B5EF4-FFF2-40B4-BE49-F238E27FC236}">
-                <a16:creationId xmlns:a16="http://schemas.microsoft.com/office/drawing/2014/main" id="{5DA97348-6718-D047-AAE3-2B80210E0746}"/>
-              </a:ext>
-            </a:extLst>
-          </p:cNvPr>
-          <p:cNvPicPr>
-            <a:picLocks noChangeAspect="1" noChangeArrowheads="1"/>
-          </p:cNvPicPr>
-          <p:nvPr/>
-        </p:nvPicPr>
-        <p:blipFill>
-          <a:blip r:embed="rId10">
-            <a:extLst>
-              <a:ext uri="{28A0092B-C50C-407E-A947-70E740481C1C}">
-                <a14:useLocalDpi xmlns:a14="http://schemas.microsoft.com/office/drawing/2010/main" val="0"/>
-              </a:ext>
-            </a:extLst>
-          </a:blip>
-          <a:srcRect/>
-          <a:stretch>
-            <a:fillRect/>
-          </a:stretch>
-        </p:blipFill>
-        <p:spPr bwMode="auto">
-          <a:xfrm>
-            <a:off x="5387577" y="3282766"/>
-            <a:ext cx="2286870" cy="862642"/>
-          </a:xfrm>
-          <a:prstGeom prst="rect">
-            <a:avLst/>
-          </a:prstGeom>
-          <a:noFill/>
-          <a:extLst>
-            <a:ext uri="{909E8E84-426E-40DD-AFC4-6F175D3DCCD1}">
-              <a14:hiddenFill xmlns:a14="http://schemas.microsoft.com/office/drawing/2010/main">
-                <a:solidFill>
-                  <a:srgbClr val="FFFFFF"/>
-                </a:solidFill>
-              </a14:hiddenFill>
-            </a:ext>
-          </a:extLst>
-        </p:spPr>
-      </p:pic>
-      <p:pic>
-        <p:nvPicPr>
-          <p:cNvPr id="1034" name="Picture 10" descr="The Dataverse Project">
-            <a:extLst>
-              <a:ext uri="{FF2B5EF4-FFF2-40B4-BE49-F238E27FC236}">
-                <a16:creationId xmlns:a16="http://schemas.microsoft.com/office/drawing/2014/main" id="{9B5A3390-95C5-904F-8C3F-581730E9C1E0}"/>
-              </a:ext>
-            </a:extLst>
-          </p:cNvPr>
-          <p:cNvPicPr>
-            <a:picLocks noChangeAspect="1" noChangeArrowheads="1"/>
-          </p:cNvPicPr>
-          <p:nvPr/>
-        </p:nvPicPr>
-        <p:blipFill>
-          <a:blip r:embed="rId11">
-            <a:extLst>
-              <a:ext uri="{28A0092B-C50C-407E-A947-70E740481C1C}">
-                <a14:useLocalDpi xmlns:a14="http://schemas.microsoft.com/office/drawing/2010/main" val="0"/>
-              </a:ext>
-            </a:extLst>
-          </a:blip>
-          <a:srcRect/>
-          <a:stretch>
-            <a:fillRect/>
-          </a:stretch>
-        </p:blipFill>
-        <p:spPr bwMode="auto">
-          <a:xfrm>
-            <a:off x="5546498" y="4195974"/>
-            <a:ext cx="2456534" cy="938396"/>
-          </a:xfrm>
-          <a:prstGeom prst="rect">
-            <a:avLst/>
-          </a:prstGeom>
-          <a:noFill/>
-          <a:extLst>
-            <a:ext uri="{909E8E84-426E-40DD-AFC4-6F175D3DCCD1}">
-              <a14:hiddenFill xmlns:a14="http://schemas.microsoft.com/office/drawing/2010/main">
-                <a:solidFill>
-                  <a:srgbClr val="FFFFFF"/>
-                </a:solidFill>
-              </a14:hiddenFill>
-            </a:ext>
-          </a:extLst>
-        </p:spPr>
-      </p:pic>
-    </p:spTree>
-    <p:extLst>
-      <p:ext uri="{BB962C8B-B14F-4D97-AF65-F5344CB8AC3E}">
-        <p14:creationId xmlns:p14="http://schemas.microsoft.com/office/powerpoint/2010/main" val="1344113615"/>
-      </p:ext>
-    </p:extLst>
-  </p:cSld>
-  <p:clrMapOvr>
-    <a:masterClrMapping/>
-  </p:clrMapOvr>
-  <p:timing>
-    <p:tnLst>
-      <p:par>
-        <p:cTn id="1" dur="indefinite" restart="never" nodeType="tmRoot"/>
-      </p:par>
-    </p:tnLst>
-  </p:timing>
-</p:sld>
-</file>
-
-<file path=ppt/slides/slide6.xml><?xml version="1.0" encoding="utf-8"?>
-<p:sld xmlns:a="http://schemas.openxmlformats.org/drawingml/2006/main" xmlns:r="http://schemas.openxmlformats.org/officeDocument/2006/relationships" xmlns:p="http://schemas.openxmlformats.org/presentationml/2006/main">
-  <p:cSld>
-    <p:spTree>
-      <p:nvGrpSpPr>
-        <p:cNvPr id="1" name=""/>
-        <p:cNvGrpSpPr/>
-        <p:nvPr/>
-      </p:nvGrpSpPr>
-      <p:grpSpPr>
-        <a:xfrm>
-          <a:off x="0" y="0"/>
-          <a:ext cx="0" cy="0"/>
-          <a:chOff x="0" y="0"/>
-          <a:chExt cx="0" cy="0"/>
-        </a:xfrm>
-      </p:grpSpPr>
-      <p:pic>
-        <p:nvPicPr>
           <p:cNvPr id="2054" name="Picture 6">
             <a:extLst>
               <a:ext uri="{FF2B5EF4-FFF2-40B4-BE49-F238E27FC236}">
@@ -10132,15 +9822,7 @@
                   <a:srgbClr val="0070C0"/>
                 </a:solidFill>
               </a:rPr>
-              <a:t>[GitHub](https://github.com/) – for </a:t>
-            </a:r>
-            <a:r>
-              <a:rPr lang="en-GB" sz="2400" dirty="0" smtClean="0">
-                <a:solidFill>
-                  <a:srgbClr val="0070C0"/>
-                </a:solidFill>
-              </a:rPr>
-              <a:t>code</a:t>
+              <a:t>[GitHub](https://github.com/) – for code</a:t>
             </a:r>
           </a:p>
           <a:p>
@@ -10152,7 +9834,7 @@
               <a:buChar char="•"/>
             </a:pPr>
             <a:r>
-              <a:rPr lang="en-GB" sz="2400" dirty="0" smtClean="0">
+              <a:rPr lang="en-GB" sz="2400" dirty="0">
                 <a:solidFill>
                   <a:srgbClr val="0070C0"/>
                 </a:solidFill>
@@ -10160,7 +9842,7 @@
               <a:t>[</a:t>
             </a:r>
             <a:r>
-              <a:rPr lang="en-GB" sz="2400" dirty="0" err="1" smtClean="0">
+              <a:rPr lang="en-GB" sz="2400" dirty="0" err="1">
                 <a:solidFill>
                   <a:srgbClr val="0070C0"/>
                 </a:solidFill>
@@ -10168,34 +9850,13 @@
               <a:t>BioImage</a:t>
             </a:r>
             <a:r>
-              <a:rPr lang="en-GB" sz="2400" dirty="0" smtClean="0">
-                <a:solidFill>
-                  <a:srgbClr val="0070C0"/>
-                </a:solidFill>
-              </a:rPr>
-              <a:t> </a:t>
-            </a:r>
-            <a:r>
               <a:rPr lang="en-GB" sz="2400" dirty="0">
                 <a:solidFill>
                   <a:srgbClr val="0070C0"/>
                 </a:solidFill>
               </a:rPr>
-              <a:t>Archive](https://www.ebi.ac.uk/bioimage-archive</a:t>
-            </a:r>
-            <a:r>
-              <a:rPr lang="en-GB" sz="2400" dirty="0" smtClean="0">
-                <a:solidFill>
-                  <a:srgbClr val="0070C0"/>
-                </a:solidFill>
-              </a:rPr>
-              <a:t>/) – for images </a:t>
-            </a:r>
-            <a:endParaRPr lang="en-GB" sz="2400" dirty="0">
-              <a:solidFill>
-                <a:srgbClr val="0070C0"/>
-              </a:solidFill>
-            </a:endParaRPr>
+              <a:t> Archive](https://www.ebi.ac.uk/bioimage-archive/) – for images </a:t>
+            </a:r>
           </a:p>
         </p:txBody>
       </p:sp>
@@ -10465,13 +10126,173 @@
   <p:clrMapOvr>
     <a:masterClrMapping/>
   </p:clrMapOvr>
-  <p:timing>
-    <p:tnLst>
-      <p:par>
-        <p:cTn id="1" dur="indefinite" restart="never" nodeType="tmRoot"/>
-      </p:par>
-    </p:tnLst>
-  </p:timing>
+</p:sld>
+</file>
+
+<file path=ppt/slides/slide6.xml><?xml version="1.0" encoding="utf-8"?>
+<p:sld xmlns:a="http://schemas.openxmlformats.org/drawingml/2006/main" xmlns:r="http://schemas.openxmlformats.org/officeDocument/2006/relationships" xmlns:p="http://schemas.openxmlformats.org/presentationml/2006/main">
+  <p:cSld>
+    <p:spTree>
+      <p:nvGrpSpPr>
+        <p:cNvPr id="1" name=""/>
+        <p:cNvGrpSpPr/>
+        <p:nvPr/>
+      </p:nvGrpSpPr>
+      <p:grpSpPr>
+        <a:xfrm>
+          <a:off x="0" y="0"/>
+          <a:ext cx="0" cy="0"/>
+          <a:chOff x="0" y="0"/>
+          <a:chExt cx="0" cy="0"/>
+        </a:xfrm>
+      </p:grpSpPr>
+      <p:sp>
+        <p:nvSpPr>
+          <p:cNvPr id="2" name="Rectangle 1"/>
+          <p:cNvSpPr/>
+          <p:nvPr/>
+        </p:nvSpPr>
+        <p:spPr>
+          <a:xfrm>
+            <a:off x="3413663" y="3343857"/>
+            <a:ext cx="5364674" cy="461665"/>
+          </a:xfrm>
+          <a:prstGeom prst="rect">
+            <a:avLst/>
+          </a:prstGeom>
+        </p:spPr>
+        <p:txBody>
+          <a:bodyPr wrap="none">
+            <a:spAutoFit/>
+          </a:bodyPr>
+          <a:lstStyle/>
+          <a:p>
+            <a:r>
+              <a:rPr lang="en-GB" sz="2400" dirty="0">
+                <a:solidFill>
+                  <a:srgbClr val="0070C0"/>
+                </a:solidFill>
+              </a:rPr>
+              <a:t>https://doi.org/10.5281/zenodo.5045374</a:t>
+            </a:r>
+          </a:p>
+        </p:txBody>
+      </p:sp>
+      <p:sp>
+        <p:nvSpPr>
+          <p:cNvPr id="5" name="Title 1">
+            <a:extLst>
+              <a:ext uri="{FF2B5EF4-FFF2-40B4-BE49-F238E27FC236}">
+                <a16:creationId xmlns:a16="http://schemas.microsoft.com/office/drawing/2014/main" id="{775BFE92-9990-4094-B7B2-01514614F16E}"/>
+              </a:ext>
+            </a:extLst>
+          </p:cNvPr>
+          <p:cNvSpPr>
+            <a:spLocks noGrp="1"/>
+          </p:cNvSpPr>
+          <p:nvPr>
+            <p:ph type="title"/>
+          </p:nvPr>
+        </p:nvSpPr>
+        <p:spPr>
+          <a:xfrm>
+            <a:off x="838200" y="365125"/>
+            <a:ext cx="10515600" cy="1325563"/>
+          </a:xfrm>
+        </p:spPr>
+        <p:txBody>
+          <a:bodyPr/>
+          <a:lstStyle/>
+          <a:p>
+            <a:r>
+              <a:rPr lang="pl-PL" dirty="0">
+                <a:solidFill>
+                  <a:srgbClr val="0070C0"/>
+                </a:solidFill>
+              </a:rPr>
+              <a:t>Public record</a:t>
+            </a:r>
+            <a:endParaRPr lang="en-GB" dirty="0">
+              <a:solidFill>
+                <a:srgbClr val="0070C0"/>
+              </a:solidFill>
+            </a:endParaRPr>
+          </a:p>
+        </p:txBody>
+      </p:sp>
+      <p:sp>
+        <p:nvSpPr>
+          <p:cNvPr id="4" name="Rectangle 3">
+            <a:extLst>
+              <a:ext uri="{FF2B5EF4-FFF2-40B4-BE49-F238E27FC236}">
+                <a16:creationId xmlns:a16="http://schemas.microsoft.com/office/drawing/2014/main" id="{08FEDCDC-2830-4683-8748-8A358CD9A38A}"/>
+              </a:ext>
+            </a:extLst>
+          </p:cNvPr>
+          <p:cNvSpPr/>
+          <p:nvPr/>
+        </p:nvSpPr>
+        <p:spPr>
+          <a:xfrm>
+            <a:off x="605073" y="1977256"/>
+            <a:ext cx="10981854" cy="1323439"/>
+          </a:xfrm>
+          <a:prstGeom prst="rect">
+            <a:avLst/>
+          </a:prstGeom>
+        </p:spPr>
+        <p:txBody>
+          <a:bodyPr wrap="square">
+            <a:spAutoFit/>
+          </a:bodyPr>
+          <a:lstStyle/>
+          <a:p>
+            <a:pPr algn="ctr"/>
+            <a:r>
+              <a:rPr lang="pl-PL" sz="4000" dirty="0">
+                <a:solidFill>
+                  <a:srgbClr val="0070C0"/>
+                </a:solidFill>
+              </a:rPr>
+              <a:t>Exercise</a:t>
+            </a:r>
+            <a:r>
+              <a:rPr lang="en-GB" sz="4000" dirty="0">
+                <a:solidFill>
+                  <a:srgbClr val="0070C0"/>
+                </a:solidFill>
+              </a:rPr>
+              <a:t> 1</a:t>
+            </a:r>
+            <a:endParaRPr lang="pl-PL" sz="4000" dirty="0">
+              <a:solidFill>
+                <a:srgbClr val="0070C0"/>
+              </a:solidFill>
+            </a:endParaRPr>
+          </a:p>
+          <a:p>
+            <a:pPr marL="285750" indent="-285750" algn="ctr">
+              <a:buFont typeface="Arial" panose="020B0604020202020204" pitchFamily="34" charset="0"/>
+              <a:buChar char="•"/>
+            </a:pPr>
+            <a:endParaRPr lang="en-GB" sz="4000" dirty="0">
+              <a:solidFill>
+                <a:srgbClr val="0070C0"/>
+              </a:solidFill>
+            </a:endParaRPr>
+          </a:p>
+        </p:txBody>
+      </p:sp>
+    </p:spTree>
+    <p:extLst>
+      <p:ext uri="{BB962C8B-B14F-4D97-AF65-F5344CB8AC3E}">
+        <p14:creationId xmlns:p14="http://schemas.microsoft.com/office/powerpoint/2010/main" val="3506701959"/>
+      </p:ext>
+    </p:extLst>
+  </p:cSld>
+  <p:clrMapOvr>
+    <a:masterClrMapping/>
+  </p:clrMapOvr>
 </p:sld>
 </file>
 
@@ -10494,38 +10315,6 @@
       </p:grpSpPr>
       <p:sp>
         <p:nvSpPr>
-          <p:cNvPr id="2" name="Rectangle 1"/>
-          <p:cNvSpPr/>
-          <p:nvPr/>
-        </p:nvSpPr>
-        <p:spPr>
-          <a:xfrm>
-            <a:off x="3413663" y="3343857"/>
-            <a:ext cx="5364674" cy="461665"/>
-          </a:xfrm>
-          <a:prstGeom prst="rect">
-            <a:avLst/>
-          </a:prstGeom>
-        </p:spPr>
-        <p:txBody>
-          <a:bodyPr wrap="none">
-            <a:spAutoFit/>
-          </a:bodyPr>
-          <a:lstStyle/>
-          <a:p>
-            <a:r>
-              <a:rPr lang="en-GB" sz="2400" dirty="0">
-                <a:solidFill>
-                  <a:srgbClr val="0070C0"/>
-                </a:solidFill>
-              </a:rPr>
-              <a:t>https://doi.org/10.5281/zenodo.5045374</a:t>
-            </a:r>
-          </a:p>
-        </p:txBody>
-      </p:sp>
-      <p:sp>
-        <p:nvSpPr>
           <p:cNvPr id="5" name="Title 1">
             <a:extLst>
               <a:ext uri="{FF2B5EF4-FFF2-40B4-BE49-F238E27FC236}">
@@ -10558,34 +10347,38 @@
               </a:rPr>
               <a:t>Public record</a:t>
             </a:r>
-            <a:endParaRPr lang="en-GB" dirty="0">
-              <a:solidFill>
-                <a:srgbClr val="0070C0"/>
-              </a:solidFill>
-            </a:endParaRPr>
-          </a:p>
-        </p:txBody>
-      </p:sp>
-      <p:sp>
-        <p:nvSpPr>
-          <p:cNvPr id="4" name="Rectangle 3">
-            <a:extLst>
-              <a:ext uri="{FF2B5EF4-FFF2-40B4-BE49-F238E27FC236}">
-                <a16:creationId xmlns:a16="http://schemas.microsoft.com/office/drawing/2014/main" id="{08FEDCDC-2830-4683-8748-8A358CD9A38A}"/>
-              </a:ext>
-            </a:extLst>
-          </p:cNvPr>
-          <p:cNvSpPr/>
+            <a:r>
+              <a:rPr lang="en-GB" dirty="0">
+                <a:solidFill>
+                  <a:srgbClr val="0070C0"/>
+                </a:solidFill>
+              </a:rPr>
+              <a:t> - Solutions</a:t>
+            </a:r>
+          </a:p>
+        </p:txBody>
+      </p:sp>
+      <p:sp>
+        <p:nvSpPr>
+          <p:cNvPr id="6" name="TextBox 5">
+            <a:extLst>
+              <a:ext uri="{FF2B5EF4-FFF2-40B4-BE49-F238E27FC236}">
+                <a16:creationId xmlns:a16="http://schemas.microsoft.com/office/drawing/2014/main" id="{216805BD-FE46-4237-9C78-2FA56E8B599C}"/>
+              </a:ext>
+            </a:extLst>
+          </p:cNvPr>
+          <p:cNvSpPr txBox="1"/>
           <p:nvPr/>
         </p:nvSpPr>
         <p:spPr>
           <a:xfrm>
-            <a:off x="605073" y="1977256"/>
-            <a:ext cx="10981854" cy="1323439"/>
+            <a:off x="1117041" y="1957980"/>
+            <a:ext cx="9957917" cy="3359061"/>
           </a:xfrm>
           <a:prstGeom prst="rect">
             <a:avLst/>
           </a:prstGeom>
+          <a:noFill/>
         </p:spPr>
         <p:txBody>
           <a:bodyPr wrap="square">
@@ -10593,46 +10386,104 @@
           </a:bodyPr>
           <a:lstStyle/>
           <a:p>
-            <a:pPr algn="ctr"/>
-            <a:r>
-              <a:rPr lang="pl-PL" sz="4000" dirty="0">
-                <a:solidFill>
-                  <a:srgbClr val="0070C0"/>
-                </a:solidFill>
-              </a:rPr>
-              <a:t>Exercise</a:t>
-            </a:r>
-            <a:r>
-              <a:rPr lang="en-GB" sz="4000" dirty="0">
-                <a:solidFill>
-                  <a:srgbClr val="0070C0"/>
-                </a:solidFill>
-              </a:rPr>
-              <a:t> 1</a:t>
-            </a:r>
-            <a:endParaRPr lang="pl-PL" sz="4000" dirty="0">
-              <a:solidFill>
-                <a:srgbClr val="0070C0"/>
-              </a:solidFill>
-            </a:endParaRPr>
-          </a:p>
-          <a:p>
-            <a:pPr marL="285750" indent="-285750" algn="ctr">
+            <a:pPr algn="l">
+              <a:lnSpc>
+                <a:spcPct val="150000"/>
+              </a:lnSpc>
+            </a:pPr>
+            <a:r>
+              <a:rPr lang="en-GB" sz="2400" b="1" i="0" dirty="0">
+                <a:solidFill>
+                  <a:srgbClr val="333333"/>
+                </a:solidFill>
+                <a:effectLst/>
+                <a:latin typeface="Ubuntu"/>
+              </a:rPr>
+              <a:t>Findable:</a:t>
+            </a:r>
+          </a:p>
+          <a:p>
+            <a:pPr algn="l">
+              <a:lnSpc>
+                <a:spcPct val="150000"/>
+              </a:lnSpc>
               <a:buFont typeface="Arial" panose="020B0604020202020204" pitchFamily="34" charset="0"/>
               <a:buChar char="•"/>
             </a:pPr>
-            <a:endParaRPr lang="en-GB" sz="4000" dirty="0">
-              <a:solidFill>
-                <a:srgbClr val="0070C0"/>
-              </a:solidFill>
-            </a:endParaRPr>
+            <a:r>
+              <a:rPr lang="en-GB" sz="2400" b="0" i="0" dirty="0">
+                <a:solidFill>
+                  <a:srgbClr val="333333"/>
+                </a:solidFill>
+                <a:effectLst/>
+                <a:latin typeface="Ubuntu"/>
+              </a:rPr>
+              <a:t>F1. (Meta)data are assigned a globally unique and persistent identifier - YES</a:t>
+            </a:r>
+          </a:p>
+          <a:p>
+            <a:pPr algn="l">
+              <a:lnSpc>
+                <a:spcPct val="150000"/>
+              </a:lnSpc>
+              <a:buFont typeface="Arial" panose="020B0604020202020204" pitchFamily="34" charset="0"/>
+              <a:buChar char="•"/>
+            </a:pPr>
+            <a:r>
+              <a:rPr lang="en-GB" sz="2400" b="0" i="0" dirty="0">
+                <a:solidFill>
+                  <a:srgbClr val="333333"/>
+                </a:solidFill>
+                <a:effectLst/>
+                <a:latin typeface="Ubuntu"/>
+              </a:rPr>
+              <a:t>F2. Data are described with rich metadata (defined by R1 below)- YES</a:t>
+            </a:r>
+          </a:p>
+          <a:p>
+            <a:pPr algn="l">
+              <a:lnSpc>
+                <a:spcPct val="150000"/>
+              </a:lnSpc>
+              <a:buFont typeface="Arial" panose="020B0604020202020204" pitchFamily="34" charset="0"/>
+              <a:buChar char="•"/>
+            </a:pPr>
+            <a:r>
+              <a:rPr lang="en-GB" sz="2400" b="0" i="0" dirty="0">
+                <a:solidFill>
+                  <a:srgbClr val="333333"/>
+                </a:solidFill>
+                <a:effectLst/>
+                <a:latin typeface="Ubuntu"/>
+              </a:rPr>
+              <a:t>F3. Metadata clearly and explicitly include the identifier of the data they describe - YES</a:t>
+            </a:r>
+          </a:p>
+          <a:p>
+            <a:pPr algn="l">
+              <a:lnSpc>
+                <a:spcPct val="150000"/>
+              </a:lnSpc>
+              <a:buFont typeface="Arial" panose="020B0604020202020204" pitchFamily="34" charset="0"/>
+              <a:buChar char="•"/>
+            </a:pPr>
+            <a:r>
+              <a:rPr lang="en-GB" sz="2400" b="0" i="0" dirty="0">
+                <a:solidFill>
+                  <a:srgbClr val="333333"/>
+                </a:solidFill>
+                <a:effectLst/>
+                <a:latin typeface="Ubuntu"/>
+              </a:rPr>
+              <a:t>F4. (Meta)data are registered or indexed in a searchable resource - YES</a:t>
+            </a:r>
           </a:p>
         </p:txBody>
       </p:sp>
     </p:spTree>
     <p:extLst>
       <p:ext uri="{BB962C8B-B14F-4D97-AF65-F5344CB8AC3E}">
-        <p14:creationId xmlns:p14="http://schemas.microsoft.com/office/powerpoint/2010/main" val="3506701959"/>
+        <p14:creationId xmlns:p14="http://schemas.microsoft.com/office/powerpoint/2010/main" val="999536205"/>
       </p:ext>
     </p:extLst>
   </p:cSld>
@@ -10719,7 +10570,7 @@
         <p:spPr>
           <a:xfrm>
             <a:off x="1117041" y="1957980"/>
-            <a:ext cx="9957917" cy="3359061"/>
+            <a:ext cx="9957917" cy="2251065"/>
           </a:xfrm>
           <a:prstGeom prst="rect">
             <a:avLst/>
@@ -10745,7 +10596,7 @@
                 <a:effectLst/>
                 <a:latin typeface="Ubuntu"/>
               </a:rPr>
-              <a:t>Findable:</a:t>
+              <a:t>Accessible:</a:t>
             </a:r>
           </a:p>
           <a:p>
@@ -10764,7 +10615,7 @@
                 <a:effectLst/>
                 <a:latin typeface="Ubuntu"/>
               </a:rPr>
-              <a:t>F1. (Meta)data are assigned a globally unique and persistent identifier - YES</a:t>
+              <a:t>A1. (Meta)data are retrievable by their identifier using a standardised communications protocol - YES</a:t>
             </a:r>
           </a:p>
           <a:p>
@@ -10783,45 +10634,7 @@
                 <a:effectLst/>
                 <a:latin typeface="Ubuntu"/>
               </a:rPr>
-              <a:t>F2. Data are described with rich metadata (defined by R1 below)- YES</a:t>
-            </a:r>
-          </a:p>
-          <a:p>
-            <a:pPr algn="l">
-              <a:lnSpc>
-                <a:spcPct val="150000"/>
-              </a:lnSpc>
-              <a:buFont typeface="Arial" panose="020B0604020202020204" pitchFamily="34" charset="0"/>
-              <a:buChar char="•"/>
-            </a:pPr>
-            <a:r>
-              <a:rPr lang="en-GB" sz="2400" b="0" i="0" dirty="0">
-                <a:solidFill>
-                  <a:srgbClr val="333333"/>
-                </a:solidFill>
-                <a:effectLst/>
-                <a:latin typeface="Ubuntu"/>
-              </a:rPr>
-              <a:t>F3. Metadata clearly and explicitly include the identifier of the data they describe - YES</a:t>
-            </a:r>
-          </a:p>
-          <a:p>
-            <a:pPr algn="l">
-              <a:lnSpc>
-                <a:spcPct val="150000"/>
-              </a:lnSpc>
-              <a:buFont typeface="Arial" panose="020B0604020202020204" pitchFamily="34" charset="0"/>
-              <a:buChar char="•"/>
-            </a:pPr>
-            <a:r>
-              <a:rPr lang="en-GB" sz="2400" b="0" i="0" dirty="0">
-                <a:solidFill>
-                  <a:srgbClr val="333333"/>
-                </a:solidFill>
-                <a:effectLst/>
-                <a:latin typeface="Ubuntu"/>
-              </a:rPr>
-              <a:t>F4. (Meta)data are registered or indexed in a searchable resource - YES</a:t>
+              <a:t>A2. Metadata are accessible, even when the data are no longer available - YES</a:t>
             </a:r>
           </a:p>
         </p:txBody>
@@ -10829,7 +10642,7 @@
     </p:spTree>
     <p:extLst>
       <p:ext uri="{BB962C8B-B14F-4D97-AF65-F5344CB8AC3E}">
-        <p14:creationId xmlns:p14="http://schemas.microsoft.com/office/powerpoint/2010/main" val="999536205"/>
+        <p14:creationId xmlns:p14="http://schemas.microsoft.com/office/powerpoint/2010/main" val="1475107681"/>
       </p:ext>
     </p:extLst>
   </p:cSld>
@@ -10916,7 +10729,7 @@
         <p:spPr>
           <a:xfrm>
             <a:off x="1117041" y="1957980"/>
-            <a:ext cx="9957917" cy="2251065"/>
+            <a:ext cx="9957917" cy="2805063"/>
           </a:xfrm>
           <a:prstGeom prst="rect">
             <a:avLst/>
@@ -10942,7 +10755,7 @@
                 <a:effectLst/>
                 <a:latin typeface="Ubuntu"/>
               </a:rPr>
-              <a:t>Accessible:</a:t>
+              <a:t>Interoperable:</a:t>
             </a:r>
           </a:p>
           <a:p>
@@ -10961,7 +10774,7 @@
                 <a:effectLst/>
                 <a:latin typeface="Ubuntu"/>
               </a:rPr>
-              <a:t>A1. (Meta)data are retrievable by their identifier using a standardised communications protocol - YES</a:t>
+              <a:t>I1. (Meta)data use a formal, accessible, shared, and broadly applicable language for knowledge representation. - YES</a:t>
             </a:r>
           </a:p>
           <a:p>
@@ -10980,7 +10793,26 @@
                 <a:effectLst/>
                 <a:latin typeface="Ubuntu"/>
               </a:rPr>
-              <a:t>A2. Metadata are accessible, even when the data are no longer available - YES</a:t>
+              <a:t>I2. (Meta)data use vocabularies that follow FAIR principles - PARTIALLY</a:t>
+            </a:r>
+          </a:p>
+          <a:p>
+            <a:pPr algn="l">
+              <a:lnSpc>
+                <a:spcPct val="150000"/>
+              </a:lnSpc>
+              <a:buFont typeface="Arial" panose="020B0604020202020204" pitchFamily="34" charset="0"/>
+              <a:buChar char="•"/>
+            </a:pPr>
+            <a:r>
+              <a:rPr lang="en-GB" sz="2400" b="0" i="0" dirty="0">
+                <a:solidFill>
+                  <a:srgbClr val="333333"/>
+                </a:solidFill>
+                <a:effectLst/>
+                <a:latin typeface="Ubuntu"/>
+              </a:rPr>
+              <a:t>I3. (Meta)data include qualified references to other (meta)data - YES</a:t>
             </a:r>
           </a:p>
         </p:txBody>
@@ -10988,7 +10820,7 @@
     </p:spTree>
     <p:extLst>
       <p:ext uri="{BB962C8B-B14F-4D97-AF65-F5344CB8AC3E}">
-        <p14:creationId xmlns:p14="http://schemas.microsoft.com/office/powerpoint/2010/main" val="1475107681"/>
+        <p14:creationId xmlns:p14="http://schemas.microsoft.com/office/powerpoint/2010/main" val="829891487"/>
       </p:ext>
     </p:extLst>
   </p:cSld>
